--- a/cpsc445Presentation.pptx
+++ b/cpsc445Presentation.pptx
@@ -5,14 +5,19 @@
     <p:sldMasterId id="2147483648" r:id="rId1"/>
   </p:sldMasterIdLst>
   <p:notesMasterIdLst>
-    <p:notesMasterId r:id="rId7"/>
+    <p:notesMasterId r:id="rId12"/>
   </p:notesMasterIdLst>
   <p:sldIdLst>
     <p:sldId id="256" r:id="rId2"/>
     <p:sldId id="257" r:id="rId3"/>
     <p:sldId id="258" r:id="rId4"/>
     <p:sldId id="259" r:id="rId5"/>
-    <p:sldId id="260" r:id="rId6"/>
+    <p:sldId id="261" r:id="rId6"/>
+    <p:sldId id="262" r:id="rId7"/>
+    <p:sldId id="265" r:id="rId8"/>
+    <p:sldId id="264" r:id="rId9"/>
+    <p:sldId id="263" r:id="rId10"/>
+    <p:sldId id="260" r:id="rId11"/>
   </p:sldIdLst>
   <p:sldSz cx="12192000" cy="6858000"/>
   <p:notesSz cx="6858000" cy="9144000"/>
@@ -111,6 +116,11 @@
       </a:defRPr>
     </a:lvl9pPr>
   </p:defaultTextStyle>
+  <p:extLst>
+    <p:ext uri="{EFAFB233-063F-42B5-8137-9DF3F51BA10A}">
+      <p15:sldGuideLst xmlns:p15="http://schemas.microsoft.com/office/powerpoint/2012/main"/>
+    </p:ext>
+  </p:extLst>
 </p:presentation>
 </file>
 
@@ -272,7 +282,7 @@
           <a:p>
             <a:fld id="{17678552-9710-40DD-AA4F-1C19A533D258}" type="datetimeFigureOut">
               <a:rPr lang="en-US" smtClean="0"/>
-              <a:t>4/9/2023</a:t>
+              <a:t>4/11/23</a:t>
             </a:fld>
             <a:endParaRPr lang="en-US"/>
           </a:p>
@@ -932,6 +942,434 @@
           <a:bodyPr/>
           <a:lstStyle/>
           <a:p>
+            <a:r>
+              <a:rPr lang="en-US" dirty="0"/>
+              <a:t>MAST: Model-based Analysis of Single-cell Transcriptomics</a:t>
+            </a:r>
+          </a:p>
+          <a:p>
+            <a:r>
+              <a:rPr lang="en-US" dirty="0"/>
+              <a:t>Allows for flexible covariates due to linear nature of the model (can easily add variables)</a:t>
+            </a:r>
+          </a:p>
+        </p:txBody>
+      </p:sp>
+      <p:sp>
+        <p:nvSpPr>
+          <p:cNvPr id="4" name="Slide Number Placeholder 3"/>
+          <p:cNvSpPr>
+            <a:spLocks noGrp="1"/>
+          </p:cNvSpPr>
+          <p:nvPr>
+            <p:ph type="sldNum" sz="quarter" idx="5"/>
+          </p:nvPr>
+        </p:nvSpPr>
+        <p:spPr/>
+        <p:txBody>
+          <a:bodyPr/>
+          <a:lstStyle/>
+          <a:p>
+            <a:fld id="{737E5D9D-0919-4671-9372-089DE9AECB2C}" type="slidenum">
+              <a:rPr lang="en-US" smtClean="0"/>
+              <a:t>5</a:t>
+            </a:fld>
+            <a:endParaRPr lang="en-US"/>
+          </a:p>
+        </p:txBody>
+      </p:sp>
+    </p:spTree>
+    <p:extLst>
+      <p:ext uri="{BB962C8B-B14F-4D97-AF65-F5344CB8AC3E}">
+        <p14:creationId xmlns:p14="http://schemas.microsoft.com/office/powerpoint/2010/main" val="4169781073"/>
+      </p:ext>
+    </p:extLst>
+  </p:cSld>
+  <p:clrMapOvr>
+    <a:masterClrMapping/>
+  </p:clrMapOvr>
+</p:notes>
+</file>
+
+<file path=ppt/notesSlides/notesSlide5.xml><?xml version="1.0" encoding="utf-8"?>
+<p:notes xmlns:a="http://schemas.openxmlformats.org/drawingml/2006/main" xmlns:r="http://schemas.openxmlformats.org/officeDocument/2006/relationships" xmlns:p="http://schemas.openxmlformats.org/presentationml/2006/main">
+  <p:cSld>
+    <p:spTree>
+      <p:nvGrpSpPr>
+        <p:cNvPr id="1" name=""/>
+        <p:cNvGrpSpPr/>
+        <p:nvPr/>
+      </p:nvGrpSpPr>
+      <p:grpSpPr>
+        <a:xfrm>
+          <a:off x="0" y="0"/>
+          <a:ext cx="0" cy="0"/>
+          <a:chOff x="0" y="0"/>
+          <a:chExt cx="0" cy="0"/>
+        </a:xfrm>
+      </p:grpSpPr>
+      <p:sp>
+        <p:nvSpPr>
+          <p:cNvPr id="2" name="Slide Image Placeholder 1"/>
+          <p:cNvSpPr>
+            <a:spLocks noGrp="1" noRot="1" noChangeAspect="1"/>
+          </p:cNvSpPr>
+          <p:nvPr>
+            <p:ph type="sldImg"/>
+          </p:nvPr>
+        </p:nvSpPr>
+        <p:spPr/>
+      </p:sp>
+      <p:sp>
+        <p:nvSpPr>
+          <p:cNvPr id="3" name="Notes Placeholder 2"/>
+          <p:cNvSpPr>
+            <a:spLocks noGrp="1"/>
+          </p:cNvSpPr>
+          <p:nvPr>
+            <p:ph type="body" idx="1"/>
+          </p:nvPr>
+        </p:nvSpPr>
+        <p:spPr/>
+        <p:txBody>
+          <a:bodyPr/>
+          <a:lstStyle/>
+          <a:p>
+            <a:r>
+              <a:rPr lang="en-US" dirty="0"/>
+              <a:t>X: covariates</a:t>
+            </a:r>
+          </a:p>
+          <a:p>
+            <a:r>
+              <a:rPr lang="en-US" dirty="0"/>
+              <a:t>Z: probability of a gene being expressed in a cell (binary – 0 or 1)</a:t>
+            </a:r>
+          </a:p>
+          <a:p>
+            <a:r>
+              <a:rPr lang="en-US" dirty="0"/>
+              <a:t>Y|Z: predicts the expression level of a gene given that it is expressed in the cell (i.e., Z=1)</a:t>
+            </a:r>
+          </a:p>
+          <a:p>
+            <a:r>
+              <a:rPr lang="en-US" dirty="0"/>
+              <a:t>CDR (Cellular detection rate): proportion of genes detected in each cell</a:t>
+            </a:r>
+          </a:p>
+          <a:p>
+            <a:pPr marL="171450" indent="-171450">
+              <a:buFontTx/>
+              <a:buChar char="-"/>
+            </a:pPr>
+            <a:r>
+              <a:rPr lang="en-US" dirty="0"/>
+              <a:t>Account for CDR variability by linearly adding this variable as a covariate in the discrete and continuous models (Basically add a column to matrix X)</a:t>
+            </a:r>
+          </a:p>
+          <a:p>
+            <a:pPr marL="171450" indent="-171450">
+              <a:buFontTx/>
+              <a:buChar char="-"/>
+            </a:pPr>
+            <a:r>
+              <a:rPr lang="en-US" dirty="0"/>
+              <a:t>Hypothesis testing </a:t>
+            </a:r>
+            <a:r>
+              <a:rPr lang="en-US" dirty="0" err="1"/>
+              <a:t>w.r.t.</a:t>
+            </a:r>
+            <a:r>
+              <a:rPr lang="en-US" dirty="0"/>
+              <a:t> </a:t>
+            </a:r>
+          </a:p>
+        </p:txBody>
+      </p:sp>
+      <p:sp>
+        <p:nvSpPr>
+          <p:cNvPr id="4" name="Slide Number Placeholder 3"/>
+          <p:cNvSpPr>
+            <a:spLocks noGrp="1"/>
+          </p:cNvSpPr>
+          <p:nvPr>
+            <p:ph type="sldNum" sz="quarter" idx="5"/>
+          </p:nvPr>
+        </p:nvSpPr>
+        <p:spPr/>
+        <p:txBody>
+          <a:bodyPr/>
+          <a:lstStyle/>
+          <a:p>
+            <a:fld id="{737E5D9D-0919-4671-9372-089DE9AECB2C}" type="slidenum">
+              <a:rPr lang="en-US" smtClean="0"/>
+              <a:t>6</a:t>
+            </a:fld>
+            <a:endParaRPr lang="en-US"/>
+          </a:p>
+        </p:txBody>
+      </p:sp>
+    </p:spTree>
+    <p:extLst>
+      <p:ext uri="{BB962C8B-B14F-4D97-AF65-F5344CB8AC3E}">
+        <p14:creationId xmlns:p14="http://schemas.microsoft.com/office/powerpoint/2010/main" val="2892862920"/>
+      </p:ext>
+    </p:extLst>
+  </p:cSld>
+  <p:clrMapOvr>
+    <a:masterClrMapping/>
+  </p:clrMapOvr>
+</p:notes>
+</file>
+
+<file path=ppt/notesSlides/notesSlide6.xml><?xml version="1.0" encoding="utf-8"?>
+<p:notes xmlns:a="http://schemas.openxmlformats.org/drawingml/2006/main" xmlns:r="http://schemas.openxmlformats.org/officeDocument/2006/relationships" xmlns:p="http://schemas.openxmlformats.org/presentationml/2006/main">
+  <p:cSld>
+    <p:spTree>
+      <p:nvGrpSpPr>
+        <p:cNvPr id="1" name=""/>
+        <p:cNvGrpSpPr/>
+        <p:nvPr/>
+      </p:nvGrpSpPr>
+      <p:grpSpPr>
+        <a:xfrm>
+          <a:off x="0" y="0"/>
+          <a:ext cx="0" cy="0"/>
+          <a:chOff x="0" y="0"/>
+          <a:chExt cx="0" cy="0"/>
+        </a:xfrm>
+      </p:grpSpPr>
+      <p:sp>
+        <p:nvSpPr>
+          <p:cNvPr id="2" name="Slide Image Placeholder 1"/>
+          <p:cNvSpPr>
+            <a:spLocks noGrp="1" noRot="1" noChangeAspect="1"/>
+          </p:cNvSpPr>
+          <p:nvPr>
+            <p:ph type="sldImg"/>
+          </p:nvPr>
+        </p:nvSpPr>
+        <p:spPr/>
+      </p:sp>
+      <p:sp>
+        <p:nvSpPr>
+          <p:cNvPr id="3" name="Notes Placeholder 2"/>
+          <p:cNvSpPr>
+            <a:spLocks noGrp="1"/>
+          </p:cNvSpPr>
+          <p:nvPr>
+            <p:ph type="body" idx="1"/>
+          </p:nvPr>
+        </p:nvSpPr>
+        <p:spPr/>
+        <p:txBody>
+          <a:bodyPr/>
+          <a:lstStyle/>
+          <a:p>
+            <a:r>
+              <a:rPr lang="en-US" dirty="0"/>
+              <a:t>Fold change: is a measure describing how much a quantity changes between an original and a subsequent measurement. </a:t>
+            </a:r>
+          </a:p>
+          <a:p>
+            <a:r>
+              <a:rPr lang="en-US" dirty="0"/>
+              <a:t>Dispersion: parameter that Love et al. developed </a:t>
+            </a:r>
+            <a:r>
+              <a:rPr lang="en-US"/>
+              <a:t>– biological variability between samples</a:t>
+            </a:r>
+          </a:p>
+          <a:p>
+            <a:r>
+              <a:rPr lang="en-US"/>
+              <a:t>- </a:t>
+            </a:r>
+            <a:r>
+              <a:rPr lang="en-US" dirty="0"/>
+              <a:t>The dispersion parameter links the variance and mean of the count for the negative binomial distribution.</a:t>
+            </a:r>
+          </a:p>
+        </p:txBody>
+      </p:sp>
+      <p:sp>
+        <p:nvSpPr>
+          <p:cNvPr id="4" name="Slide Number Placeholder 3"/>
+          <p:cNvSpPr>
+            <a:spLocks noGrp="1"/>
+          </p:cNvSpPr>
+          <p:nvPr>
+            <p:ph type="sldNum" sz="quarter" idx="5"/>
+          </p:nvPr>
+        </p:nvSpPr>
+        <p:spPr/>
+        <p:txBody>
+          <a:bodyPr/>
+          <a:lstStyle/>
+          <a:p>
+            <a:fld id="{737E5D9D-0919-4671-9372-089DE9AECB2C}" type="slidenum">
+              <a:rPr lang="en-US" smtClean="0"/>
+              <a:t>8</a:t>
+            </a:fld>
+            <a:endParaRPr lang="en-US"/>
+          </a:p>
+        </p:txBody>
+      </p:sp>
+    </p:spTree>
+    <p:extLst>
+      <p:ext uri="{BB962C8B-B14F-4D97-AF65-F5344CB8AC3E}">
+        <p14:creationId xmlns:p14="http://schemas.microsoft.com/office/powerpoint/2010/main" val="2900186729"/>
+      </p:ext>
+    </p:extLst>
+  </p:cSld>
+  <p:clrMapOvr>
+    <a:masterClrMapping/>
+  </p:clrMapOvr>
+</p:notes>
+</file>
+
+<file path=ppt/notesSlides/notesSlide7.xml><?xml version="1.0" encoding="utf-8"?>
+<p:notes xmlns:a="http://schemas.openxmlformats.org/drawingml/2006/main" xmlns:r="http://schemas.openxmlformats.org/officeDocument/2006/relationships" xmlns:p="http://schemas.openxmlformats.org/presentationml/2006/main">
+  <p:cSld>
+    <p:spTree>
+      <p:nvGrpSpPr>
+        <p:cNvPr id="1" name=""/>
+        <p:cNvGrpSpPr/>
+        <p:nvPr/>
+      </p:nvGrpSpPr>
+      <p:grpSpPr>
+        <a:xfrm>
+          <a:off x="0" y="0"/>
+          <a:ext cx="0" cy="0"/>
+          <a:chOff x="0" y="0"/>
+          <a:chExt cx="0" cy="0"/>
+        </a:xfrm>
+      </p:grpSpPr>
+      <p:sp>
+        <p:nvSpPr>
+          <p:cNvPr id="2" name="Slide Image Placeholder 1"/>
+          <p:cNvSpPr>
+            <a:spLocks noGrp="1" noRot="1" noChangeAspect="1"/>
+          </p:cNvSpPr>
+          <p:nvPr>
+            <p:ph type="sldImg"/>
+          </p:nvPr>
+        </p:nvSpPr>
+        <p:spPr/>
+      </p:sp>
+      <p:sp>
+        <p:nvSpPr>
+          <p:cNvPr id="3" name="Notes Placeholder 2"/>
+          <p:cNvSpPr>
+            <a:spLocks noGrp="1"/>
+          </p:cNvSpPr>
+          <p:nvPr>
+            <p:ph type="body" idx="1"/>
+          </p:nvPr>
+        </p:nvSpPr>
+        <p:spPr/>
+        <p:txBody>
+          <a:bodyPr/>
+          <a:lstStyle/>
+          <a:p>
+            <a:r>
+              <a:rPr lang="en-US" dirty="0"/>
+              <a:t>One important characteristic of </a:t>
+            </a:r>
+            <a:r>
+              <a:rPr lang="en-US" dirty="0" err="1"/>
+              <a:t>scRNA</a:t>
+            </a:r>
+            <a:r>
+              <a:rPr lang="en-US" dirty="0"/>
+              <a:t>-seq data that feeds into all these challenges is a phenomenon called “dropout”, where a gene is observed at a low or moderate expression level in one cell but is not detected in another cell of the same cell type</a:t>
+            </a:r>
+          </a:p>
+        </p:txBody>
+      </p:sp>
+      <p:sp>
+        <p:nvSpPr>
+          <p:cNvPr id="4" name="Slide Number Placeholder 3"/>
+          <p:cNvSpPr>
+            <a:spLocks noGrp="1"/>
+          </p:cNvSpPr>
+          <p:nvPr>
+            <p:ph type="sldNum" sz="quarter" idx="5"/>
+          </p:nvPr>
+        </p:nvSpPr>
+        <p:spPr/>
+        <p:txBody>
+          <a:bodyPr/>
+          <a:lstStyle/>
+          <a:p>
+            <a:fld id="{737E5D9D-0919-4671-9372-089DE9AECB2C}" type="slidenum">
+              <a:rPr lang="en-US" smtClean="0"/>
+              <a:t>9</a:t>
+            </a:fld>
+            <a:endParaRPr lang="en-US"/>
+          </a:p>
+        </p:txBody>
+      </p:sp>
+    </p:spTree>
+    <p:extLst>
+      <p:ext uri="{BB962C8B-B14F-4D97-AF65-F5344CB8AC3E}">
+        <p14:creationId xmlns:p14="http://schemas.microsoft.com/office/powerpoint/2010/main" val="1506489482"/>
+      </p:ext>
+    </p:extLst>
+  </p:cSld>
+  <p:clrMapOvr>
+    <a:masterClrMapping/>
+  </p:clrMapOvr>
+</p:notes>
+</file>
+
+<file path=ppt/notesSlides/notesSlide8.xml><?xml version="1.0" encoding="utf-8"?>
+<p:notes xmlns:a="http://schemas.openxmlformats.org/drawingml/2006/main" xmlns:r="http://schemas.openxmlformats.org/officeDocument/2006/relationships" xmlns:p="http://schemas.openxmlformats.org/presentationml/2006/main">
+  <p:cSld>
+    <p:spTree>
+      <p:nvGrpSpPr>
+        <p:cNvPr id="1" name=""/>
+        <p:cNvGrpSpPr/>
+        <p:nvPr/>
+      </p:nvGrpSpPr>
+      <p:grpSpPr>
+        <a:xfrm>
+          <a:off x="0" y="0"/>
+          <a:ext cx="0" cy="0"/>
+          <a:chOff x="0" y="0"/>
+          <a:chExt cx="0" cy="0"/>
+        </a:xfrm>
+      </p:grpSpPr>
+      <p:sp>
+        <p:nvSpPr>
+          <p:cNvPr id="2" name="Slide Image Placeholder 1"/>
+          <p:cNvSpPr>
+            <a:spLocks noGrp="1" noRot="1" noChangeAspect="1"/>
+          </p:cNvSpPr>
+          <p:nvPr>
+            <p:ph type="sldImg"/>
+          </p:nvPr>
+        </p:nvSpPr>
+        <p:spPr/>
+      </p:sp>
+      <p:sp>
+        <p:nvSpPr>
+          <p:cNvPr id="3" name="Notes Placeholder 2"/>
+          <p:cNvSpPr>
+            <a:spLocks noGrp="1"/>
+          </p:cNvSpPr>
+          <p:nvPr>
+            <p:ph type="body" idx="1"/>
+          </p:nvPr>
+        </p:nvSpPr>
+        <p:spPr/>
+        <p:txBody>
+          <a:bodyPr/>
+          <a:lstStyle/>
+          <a:p>
             <a:pPr marL="285750" indent="-285750">
               <a:buFontTx/>
               <a:buChar char="-"/>
@@ -998,7 +1436,7 @@
           <a:p>
             <a:fld id="{737E5D9D-0919-4671-9372-089DE9AECB2C}" type="slidenum">
               <a:rPr lang="en-US" smtClean="0"/>
-              <a:t>5</a:t>
+              <a:t>10</a:t>
             </a:fld>
             <a:endParaRPr lang="en-US"/>
           </a:p>
@@ -1164,7 +1602,7 @@
           <a:p>
             <a:fld id="{A1FC91CF-9A89-433F-9326-CEE970F8374B}" type="datetimeFigureOut">
               <a:rPr lang="en-US" smtClean="0"/>
-              <a:t>4/9/2023</a:t>
+              <a:t>4/11/23</a:t>
             </a:fld>
             <a:endParaRPr lang="en-US"/>
           </a:p>
@@ -1362,7 +1800,7 @@
           <a:p>
             <a:fld id="{A1FC91CF-9A89-433F-9326-CEE970F8374B}" type="datetimeFigureOut">
               <a:rPr lang="en-US" smtClean="0"/>
-              <a:t>4/9/2023</a:t>
+              <a:t>4/11/23</a:t>
             </a:fld>
             <a:endParaRPr lang="en-US"/>
           </a:p>
@@ -1570,7 +2008,7 @@
           <a:p>
             <a:fld id="{A1FC91CF-9A89-433F-9326-CEE970F8374B}" type="datetimeFigureOut">
               <a:rPr lang="en-US" smtClean="0"/>
-              <a:t>4/9/2023</a:t>
+              <a:t>4/11/23</a:t>
             </a:fld>
             <a:endParaRPr lang="en-US"/>
           </a:p>
@@ -1768,7 +2206,7 @@
           <a:p>
             <a:fld id="{A1FC91CF-9A89-433F-9326-CEE970F8374B}" type="datetimeFigureOut">
               <a:rPr lang="en-US" smtClean="0"/>
-              <a:t>4/9/2023</a:t>
+              <a:t>4/11/23</a:t>
             </a:fld>
             <a:endParaRPr lang="en-US"/>
           </a:p>
@@ -2043,7 +2481,7 @@
           <a:p>
             <a:fld id="{A1FC91CF-9A89-433F-9326-CEE970F8374B}" type="datetimeFigureOut">
               <a:rPr lang="en-US" smtClean="0"/>
-              <a:t>4/9/2023</a:t>
+              <a:t>4/11/23</a:t>
             </a:fld>
             <a:endParaRPr lang="en-US"/>
           </a:p>
@@ -2308,7 +2746,7 @@
           <a:p>
             <a:fld id="{A1FC91CF-9A89-433F-9326-CEE970F8374B}" type="datetimeFigureOut">
               <a:rPr lang="en-US" smtClean="0"/>
-              <a:t>4/9/2023</a:t>
+              <a:t>4/11/23</a:t>
             </a:fld>
             <a:endParaRPr lang="en-US"/>
           </a:p>
@@ -2720,7 +3158,7 @@
           <a:p>
             <a:fld id="{A1FC91CF-9A89-433F-9326-CEE970F8374B}" type="datetimeFigureOut">
               <a:rPr lang="en-US" smtClean="0"/>
-              <a:t>4/9/2023</a:t>
+              <a:t>4/11/23</a:t>
             </a:fld>
             <a:endParaRPr lang="en-US"/>
           </a:p>
@@ -2861,7 +3299,7 @@
           <a:p>
             <a:fld id="{A1FC91CF-9A89-433F-9326-CEE970F8374B}" type="datetimeFigureOut">
               <a:rPr lang="en-US" smtClean="0"/>
-              <a:t>4/9/2023</a:t>
+              <a:t>4/11/23</a:t>
             </a:fld>
             <a:endParaRPr lang="en-US"/>
           </a:p>
@@ -2974,7 +3412,7 @@
           <a:p>
             <a:fld id="{A1FC91CF-9A89-433F-9326-CEE970F8374B}" type="datetimeFigureOut">
               <a:rPr lang="en-US" smtClean="0"/>
-              <a:t>4/9/2023</a:t>
+              <a:t>4/11/23</a:t>
             </a:fld>
             <a:endParaRPr lang="en-US"/>
           </a:p>
@@ -3285,7 +3723,7 @@
           <a:p>
             <a:fld id="{A1FC91CF-9A89-433F-9326-CEE970F8374B}" type="datetimeFigureOut">
               <a:rPr lang="en-US" smtClean="0"/>
-              <a:t>4/9/2023</a:t>
+              <a:t>4/11/23</a:t>
             </a:fld>
             <a:endParaRPr lang="en-US"/>
           </a:p>
@@ -3573,7 +4011,7 @@
           <a:p>
             <a:fld id="{A1FC91CF-9A89-433F-9326-CEE970F8374B}" type="datetimeFigureOut">
               <a:rPr lang="en-US" smtClean="0"/>
-              <a:t>4/9/2023</a:t>
+              <a:t>4/11/23</a:t>
             </a:fld>
             <a:endParaRPr lang="en-US"/>
           </a:p>
@@ -3814,7 +4252,7 @@
           <a:p>
             <a:fld id="{A1FC91CF-9A89-433F-9326-CEE970F8374B}" type="datetimeFigureOut">
               <a:rPr lang="en-US" smtClean="0"/>
-              <a:t>4/9/2023</a:t>
+              <a:t>4/11/23</a:t>
             </a:fld>
             <a:endParaRPr lang="en-US"/>
           </a:p>
@@ -4277,12 +4715,28 @@
             <p:ph type="subTitle" idx="1"/>
           </p:nvPr>
         </p:nvSpPr>
-        <p:spPr/>
-        <p:txBody>
-          <a:bodyPr/>
-          <a:lstStyle/>
-          <a:p>
-            <a:endParaRPr lang="en-US" dirty="0"/>
+        <p:spPr>
+          <a:xfrm>
+            <a:off x="1524000" y="4562934"/>
+            <a:ext cx="9144000" cy="474016"/>
+          </a:xfrm>
+        </p:spPr>
+        <p:txBody>
+          <a:bodyPr/>
+          <a:lstStyle/>
+          <a:p>
+            <a:r>
+              <a:rPr lang="en-US" dirty="0"/>
+              <a:t>Presented by: Anthony Lopes, </a:t>
+            </a:r>
+            <a:r>
+              <a:rPr lang="en-US" dirty="0" err="1"/>
+              <a:t>Haikun</a:t>
+            </a:r>
+            <a:r>
+              <a:rPr lang="en-US" dirty="0"/>
+              <a:t> Zhao, James Chung</a:t>
+            </a:r>
           </a:p>
         </p:txBody>
       </p:sp>
@@ -4290,6 +4744,105 @@
     <p:extLst>
       <p:ext uri="{BB962C8B-B14F-4D97-AF65-F5344CB8AC3E}">
         <p14:creationId xmlns:p14="http://schemas.microsoft.com/office/powerpoint/2010/main" val="3248704038"/>
+      </p:ext>
+    </p:extLst>
+  </p:cSld>
+  <p:clrMapOvr>
+    <a:masterClrMapping/>
+  </p:clrMapOvr>
+</p:sld>
+</file>
+
+<file path=ppt/slides/slide10.xml><?xml version="1.0" encoding="utf-8"?>
+<p:sld xmlns:a="http://schemas.openxmlformats.org/drawingml/2006/main" xmlns:r="http://schemas.openxmlformats.org/officeDocument/2006/relationships" xmlns:p="http://schemas.openxmlformats.org/presentationml/2006/main">
+  <p:cSld>
+    <p:spTree>
+      <p:nvGrpSpPr>
+        <p:cNvPr id="1" name=""/>
+        <p:cNvGrpSpPr/>
+        <p:nvPr/>
+      </p:nvGrpSpPr>
+      <p:grpSpPr>
+        <a:xfrm>
+          <a:off x="0" y="0"/>
+          <a:ext cx="0" cy="0"/>
+          <a:chOff x="0" y="0"/>
+          <a:chExt cx="0" cy="0"/>
+        </a:xfrm>
+      </p:grpSpPr>
+      <p:sp>
+        <p:nvSpPr>
+          <p:cNvPr id="2" name="Title 1">
+            <a:extLst>
+              <a:ext uri="{FF2B5EF4-FFF2-40B4-BE49-F238E27FC236}">
+                <a16:creationId xmlns:a16="http://schemas.microsoft.com/office/drawing/2014/main" id="{A057D7B9-BCDA-3615-7691-EE082087EAC4}"/>
+              </a:ext>
+            </a:extLst>
+          </p:cNvPr>
+          <p:cNvSpPr>
+            <a:spLocks noGrp="1"/>
+          </p:cNvSpPr>
+          <p:nvPr>
+            <p:ph type="title"/>
+          </p:nvPr>
+        </p:nvSpPr>
+        <p:spPr/>
+        <p:txBody>
+          <a:bodyPr/>
+          <a:lstStyle/>
+          <a:p>
+            <a:r>
+              <a:rPr lang="en-US" dirty="0"/>
+              <a:t>Overall Conclusion</a:t>
+            </a:r>
+          </a:p>
+        </p:txBody>
+      </p:sp>
+      <p:sp>
+        <p:nvSpPr>
+          <p:cNvPr id="3" name="Content Placeholder 2">
+            <a:extLst>
+              <a:ext uri="{FF2B5EF4-FFF2-40B4-BE49-F238E27FC236}">
+                <a16:creationId xmlns:a16="http://schemas.microsoft.com/office/drawing/2014/main" id="{ADAC37DA-57D7-7584-D2C2-5A485CFFDD5A}"/>
+              </a:ext>
+            </a:extLst>
+          </p:cNvPr>
+          <p:cNvSpPr>
+            <a:spLocks noGrp="1"/>
+          </p:cNvSpPr>
+          <p:nvPr>
+            <p:ph idx="1"/>
+          </p:nvPr>
+        </p:nvSpPr>
+        <p:spPr/>
+        <p:txBody>
+          <a:bodyPr/>
+          <a:lstStyle/>
+          <a:p>
+            <a:r>
+              <a:rPr lang="en-US" dirty="0"/>
+              <a:t>Kong found organ and compartment specific responses to acute and chronic inflammation</a:t>
+            </a:r>
+          </a:p>
+          <a:p>
+            <a:r>
+              <a:rPr lang="en-US" dirty="0"/>
+              <a:t>Most immune changes were in cell composition and transcriptional changes dominated among epithelial and stromal cells</a:t>
+            </a:r>
+          </a:p>
+          <a:p>
+            <a:pPr lvl="1"/>
+            <a:r>
+              <a:rPr lang="en-US" dirty="0"/>
+              <a:t>disease-associated markers of myofibroblast activation were identified</a:t>
+            </a:r>
+          </a:p>
+        </p:txBody>
+      </p:sp>
+    </p:spTree>
+    <p:extLst>
+      <p:ext uri="{BB962C8B-B14F-4D97-AF65-F5344CB8AC3E}">
+        <p14:creationId xmlns:p14="http://schemas.microsoft.com/office/powerpoint/2010/main" val="1860092264"/>
       </p:ext>
     </p:extLst>
   </p:cSld>
@@ -4762,7 +5315,7 @@
           <p:cNvPr id="2" name="Title 1">
             <a:extLst>
               <a:ext uri="{FF2B5EF4-FFF2-40B4-BE49-F238E27FC236}">
-                <a16:creationId xmlns:a16="http://schemas.microsoft.com/office/drawing/2014/main" id="{A057D7B9-BCDA-3615-7691-EE082087EAC4}"/>
+                <a16:creationId xmlns:a16="http://schemas.microsoft.com/office/drawing/2014/main" id="{3EFC597A-4510-00E7-659F-A6A8871230CC}"/>
               </a:ext>
             </a:extLst>
           </p:cNvPr>
@@ -4780,7 +5333,7 @@
           <a:p>
             <a:r>
               <a:rPr lang="en-US" dirty="0"/>
-              <a:t>Overall Conclusion</a:t>
+              <a:t>Differential Expression with MAST</a:t>
             </a:r>
           </a:p>
         </p:txBody>
@@ -4790,7 +5343,7 @@
           <p:cNvPr id="3" name="Content Placeholder 2">
             <a:extLst>
               <a:ext uri="{FF2B5EF4-FFF2-40B4-BE49-F238E27FC236}">
-                <a16:creationId xmlns:a16="http://schemas.microsoft.com/office/drawing/2014/main" id="{ADAC37DA-57D7-7584-D2C2-5A485CFFDD5A}"/>
+                <a16:creationId xmlns:a16="http://schemas.microsoft.com/office/drawing/2014/main" id="{BD9BAFEE-C30C-BB55-A479-965EAFA644A9}"/>
               </a:ext>
             </a:extLst>
           </p:cNvPr>
@@ -4801,27 +5354,66 @@
             <p:ph idx="1"/>
           </p:nvPr>
         </p:nvSpPr>
-        <p:spPr/>
+        <p:spPr>
+          <a:xfrm>
+            <a:off x="625744" y="1887619"/>
+            <a:ext cx="10940512" cy="4351338"/>
+          </a:xfrm>
+        </p:spPr>
         <p:txBody>
           <a:bodyPr/>
           <a:lstStyle/>
           <a:p>
             <a:r>
               <a:rPr lang="en-US" dirty="0"/>
-              <a:t>Kong found organ and compartment specific responses to acute and chronic inflammation</a:t>
-            </a:r>
-          </a:p>
-          <a:p>
+              <a:t>MAST – </a:t>
+            </a:r>
+            <a:r>
+              <a:rPr lang="en-US" dirty="0" err="1"/>
+              <a:t>Finak</a:t>
+            </a:r>
             <a:r>
               <a:rPr lang="en-US" dirty="0"/>
-              <a:t>Most immune changes were in cell composition and transcriptional changes dominated among epithelial and stromal cells</a:t>
+              <a:t> et al. (2015)</a:t>
+            </a:r>
+          </a:p>
+          <a:p>
+            <a:r>
+              <a:rPr lang="en-US" dirty="0"/>
+              <a:t>Analysis has two parts (hurdle model): </a:t>
             </a:r>
           </a:p>
           <a:p>
             <a:pPr lvl="1"/>
             <a:r>
               <a:rPr lang="en-US" dirty="0"/>
-              <a:t>disease-associated markers of myofibroblast activation were identified</a:t>
+              <a:t>(1) discrete component of gene expression (binary – a gene is expressed or not)</a:t>
+            </a:r>
+          </a:p>
+          <a:p>
+            <a:pPr lvl="1"/>
+            <a:r>
+              <a:rPr lang="en-US" dirty="0"/>
+              <a:t>(2) continuous component (expression level given that a gene is expressed)</a:t>
+            </a:r>
+          </a:p>
+          <a:p>
+            <a:r>
+              <a:rPr lang="en-US" dirty="0"/>
+              <a:t>Standard prep with Seurat (log-transform, normalize)</a:t>
+            </a:r>
+          </a:p>
+          <a:p>
+            <a:r>
+              <a:rPr lang="en-US" dirty="0"/>
+              <a:t>Model allows for flexible covariates</a:t>
+            </a:r>
+          </a:p>
+          <a:p>
+            <a:pPr lvl="1"/>
+            <a:r>
+              <a:rPr lang="en-US" dirty="0"/>
+              <a:t>E.g., multiple treatment groups, technical factors (batch/time info)</a:t>
             </a:r>
           </a:p>
         </p:txBody>
@@ -4829,7 +5421,857 @@
     </p:spTree>
     <p:extLst>
       <p:ext uri="{BB962C8B-B14F-4D97-AF65-F5344CB8AC3E}">
-        <p14:creationId xmlns:p14="http://schemas.microsoft.com/office/powerpoint/2010/main" val="1860092264"/>
+        <p14:creationId xmlns:p14="http://schemas.microsoft.com/office/powerpoint/2010/main" val="4147786652"/>
+      </p:ext>
+    </p:extLst>
+  </p:cSld>
+  <p:clrMapOvr>
+    <a:masterClrMapping/>
+  </p:clrMapOvr>
+</p:sld>
+</file>
+
+<file path=ppt/slides/slide6.xml><?xml version="1.0" encoding="utf-8"?>
+<p:sld xmlns:a="http://schemas.openxmlformats.org/drawingml/2006/main" xmlns:r="http://schemas.openxmlformats.org/officeDocument/2006/relationships" xmlns:p="http://schemas.openxmlformats.org/presentationml/2006/main">
+  <p:cSld>
+    <p:spTree>
+      <p:nvGrpSpPr>
+        <p:cNvPr id="1" name=""/>
+        <p:cNvGrpSpPr/>
+        <p:nvPr/>
+      </p:nvGrpSpPr>
+      <p:grpSpPr>
+        <a:xfrm>
+          <a:off x="0" y="0"/>
+          <a:ext cx="0" cy="0"/>
+          <a:chOff x="0" y="0"/>
+          <a:chExt cx="0" cy="0"/>
+        </a:xfrm>
+      </p:grpSpPr>
+      <p:sp>
+        <p:nvSpPr>
+          <p:cNvPr id="2" name="Title 1">
+            <a:extLst>
+              <a:ext uri="{FF2B5EF4-FFF2-40B4-BE49-F238E27FC236}">
+                <a16:creationId xmlns:a16="http://schemas.microsoft.com/office/drawing/2014/main" id="{DE8184FD-35CF-50B0-3501-06173E886002}"/>
+              </a:ext>
+            </a:extLst>
+          </p:cNvPr>
+          <p:cNvSpPr>
+            <a:spLocks noGrp="1"/>
+          </p:cNvSpPr>
+          <p:nvPr>
+            <p:ph type="title"/>
+          </p:nvPr>
+        </p:nvSpPr>
+        <p:spPr/>
+        <p:txBody>
+          <a:bodyPr/>
+          <a:lstStyle/>
+          <a:p>
+            <a:r>
+              <a:rPr lang="en-US" dirty="0"/>
+              <a:t>MAST – Hurdle Model</a:t>
+            </a:r>
+          </a:p>
+        </p:txBody>
+      </p:sp>
+      <p:sp>
+        <p:nvSpPr>
+          <p:cNvPr id="3" name="Content Placeholder 2">
+            <a:extLst>
+              <a:ext uri="{FF2B5EF4-FFF2-40B4-BE49-F238E27FC236}">
+                <a16:creationId xmlns:a16="http://schemas.microsoft.com/office/drawing/2014/main" id="{C1AB51D5-979C-2650-2B60-8A595A710887}"/>
+              </a:ext>
+            </a:extLst>
+          </p:cNvPr>
+          <p:cNvSpPr>
+            <a:spLocks noGrp="1"/>
+          </p:cNvSpPr>
+          <p:nvPr>
+            <p:ph idx="1"/>
+          </p:nvPr>
+        </p:nvSpPr>
+        <p:spPr>
+          <a:xfrm>
+            <a:off x="419100" y="1690688"/>
+            <a:ext cx="11353800" cy="4351338"/>
+          </a:xfrm>
+        </p:spPr>
+        <p:txBody>
+          <a:bodyPr/>
+          <a:lstStyle/>
+          <a:p>
+            <a:r>
+              <a:rPr lang="en-US" dirty="0"/>
+              <a:t>(1) Logistic regression for discrete component </a:t>
+            </a:r>
+            <a:r>
+              <a:rPr lang="en-US" i="1" dirty="0"/>
+              <a:t>(</a:t>
+            </a:r>
+            <a:r>
+              <a:rPr lang="en-US" i="1" dirty="0">
+                <a:latin typeface="Times New Roman" panose="02020603050405020304" pitchFamily="18" charset="0"/>
+                <a:cs typeface="Times New Roman" panose="02020603050405020304" pitchFamily="18" charset="0"/>
+              </a:rPr>
+              <a:t>Z</a:t>
+            </a:r>
+            <a:r>
+              <a:rPr lang="en-US" i="1" dirty="0"/>
+              <a:t>)</a:t>
+            </a:r>
+          </a:p>
+          <a:p>
+            <a:r>
+              <a:rPr lang="en-US" dirty="0"/>
+              <a:t>(2) Expression level (conditional on </a:t>
+            </a:r>
+            <a:r>
+              <a:rPr lang="en-US" i="1" dirty="0">
+                <a:latin typeface="Times New Roman" panose="02020603050405020304" pitchFamily="18" charset="0"/>
+                <a:cs typeface="Times New Roman" panose="02020603050405020304" pitchFamily="18" charset="0"/>
+              </a:rPr>
+              <a:t>Z</a:t>
+            </a:r>
+            <a:r>
+              <a:rPr lang="en-US" i="1" dirty="0"/>
+              <a:t>)</a:t>
+            </a:r>
+            <a:r>
+              <a:rPr lang="en-US" dirty="0"/>
+              <a:t> is modeled by linear Gaussian </a:t>
+            </a:r>
+            <a:r>
+              <a:rPr lang="en-US" i="1" dirty="0"/>
+              <a:t>(</a:t>
+            </a:r>
+            <a:r>
+              <a:rPr lang="en-US" i="1" dirty="0">
+                <a:latin typeface="Times New Roman" panose="02020603050405020304" pitchFamily="18" charset="0"/>
+                <a:cs typeface="Times New Roman" panose="02020603050405020304" pitchFamily="18" charset="0"/>
+              </a:rPr>
+              <a:t>Y | Z</a:t>
+            </a:r>
+            <a:r>
+              <a:rPr lang="en-US" i="1" dirty="0"/>
+              <a:t>)</a:t>
+            </a:r>
+          </a:p>
+          <a:p>
+            <a:r>
+              <a:rPr lang="en-US" dirty="0"/>
+              <a:t>Use MLE to fit this model</a:t>
+            </a:r>
+          </a:p>
+          <a:p>
+            <a:pPr lvl="1"/>
+            <a:r>
+              <a:rPr lang="en-US" dirty="0"/>
+              <a:t>For each gene, determine regression coefficients below</a:t>
+            </a:r>
+          </a:p>
+          <a:p>
+            <a:r>
+              <a:rPr lang="en-US" dirty="0"/>
+              <a:t>Hypothesis testing to determine significance of covariates’ effects on gene expression</a:t>
+            </a:r>
+          </a:p>
+          <a:p>
+            <a:pPr lvl="1"/>
+            <a:r>
+              <a:rPr lang="en-US" dirty="0"/>
+              <a:t>Genes with p-values below threshold are considered differentially expressed</a:t>
+            </a:r>
+          </a:p>
+        </p:txBody>
+      </p:sp>
+      <p:pic>
+        <p:nvPicPr>
+          <p:cNvPr id="5" name="Picture 4" descr="Text&#10;&#10;Description automatically generated with medium confidence">
+            <a:extLst>
+              <a:ext uri="{FF2B5EF4-FFF2-40B4-BE49-F238E27FC236}">
+                <a16:creationId xmlns:a16="http://schemas.microsoft.com/office/drawing/2014/main" id="{3A4369F0-181A-9D5B-936E-DDF9A3E18F3A}"/>
+              </a:ext>
+            </a:extLst>
+          </p:cNvPr>
+          <p:cNvPicPr>
+            <a:picLocks noChangeAspect="1"/>
+          </p:cNvPicPr>
+          <p:nvPr/>
+        </p:nvPicPr>
+        <p:blipFill>
+          <a:blip r:embed="rId3">
+            <a:extLst>
+              <a:ext uri="{28A0092B-C50C-407E-A947-70E740481C1C}">
+                <a14:useLocalDpi xmlns:a14="http://schemas.microsoft.com/office/drawing/2010/main" val="0"/>
+              </a:ext>
+            </a:extLst>
+          </a:blip>
+          <a:stretch>
+            <a:fillRect/>
+          </a:stretch>
+        </p:blipFill>
+        <p:spPr>
+          <a:xfrm>
+            <a:off x="1398782" y="4957691"/>
+            <a:ext cx="5193572" cy="1693143"/>
+          </a:xfrm>
+          <a:prstGeom prst="rect">
+            <a:avLst/>
+          </a:prstGeom>
+        </p:spPr>
+      </p:pic>
+      <p:pic>
+        <p:nvPicPr>
+          <p:cNvPr id="7" name="Picture 6" descr="Logo&#10;&#10;Description automatically generated with medium confidence">
+            <a:extLst>
+              <a:ext uri="{FF2B5EF4-FFF2-40B4-BE49-F238E27FC236}">
+                <a16:creationId xmlns:a16="http://schemas.microsoft.com/office/drawing/2014/main" id="{97C89865-AABF-6A5B-7D55-2949AF8E3A4F}"/>
+              </a:ext>
+            </a:extLst>
+          </p:cNvPr>
+          <p:cNvPicPr>
+            <a:picLocks noChangeAspect="1"/>
+          </p:cNvPicPr>
+          <p:nvPr/>
+        </p:nvPicPr>
+        <p:blipFill>
+          <a:blip r:embed="rId4">
+            <a:extLst>
+              <a:ext uri="{28A0092B-C50C-407E-A947-70E740481C1C}">
+                <a14:useLocalDpi xmlns:a14="http://schemas.microsoft.com/office/drawing/2010/main" val="0"/>
+              </a:ext>
+            </a:extLst>
+          </a:blip>
+          <a:stretch>
+            <a:fillRect/>
+          </a:stretch>
+        </p:blipFill>
+        <p:spPr>
+          <a:xfrm>
+            <a:off x="6592354" y="5115650"/>
+            <a:ext cx="3103601" cy="1377223"/>
+          </a:xfrm>
+          <a:prstGeom prst="rect">
+            <a:avLst/>
+          </a:prstGeom>
+        </p:spPr>
+      </p:pic>
+    </p:spTree>
+    <p:extLst>
+      <p:ext uri="{BB962C8B-B14F-4D97-AF65-F5344CB8AC3E}">
+        <p14:creationId xmlns:p14="http://schemas.microsoft.com/office/powerpoint/2010/main" val="1773762573"/>
+      </p:ext>
+    </p:extLst>
+  </p:cSld>
+  <p:clrMapOvr>
+    <a:masterClrMapping/>
+  </p:clrMapOvr>
+</p:sld>
+</file>
+
+<file path=ppt/slides/slide7.xml><?xml version="1.0" encoding="utf-8"?>
+<p:sld xmlns:a="http://schemas.openxmlformats.org/drawingml/2006/main" xmlns:r="http://schemas.openxmlformats.org/officeDocument/2006/relationships" xmlns:p="http://schemas.openxmlformats.org/presentationml/2006/main">
+  <p:cSld>
+    <p:spTree>
+      <p:nvGrpSpPr>
+        <p:cNvPr id="1" name=""/>
+        <p:cNvGrpSpPr/>
+        <p:nvPr/>
+      </p:nvGrpSpPr>
+      <p:grpSpPr>
+        <a:xfrm>
+          <a:off x="0" y="0"/>
+          <a:ext cx="0" cy="0"/>
+          <a:chOff x="0" y="0"/>
+          <a:chExt cx="0" cy="0"/>
+        </a:xfrm>
+      </p:grpSpPr>
+      <p:pic>
+        <p:nvPicPr>
+          <p:cNvPr id="1026" name="Picture 2" descr="Provocative results' boost hopes of antibody treatment for COVID-19 |  Science | AAAS">
+            <a:hlinkClick r:id="rId2"/>
+            <a:extLst>
+              <a:ext uri="{FF2B5EF4-FFF2-40B4-BE49-F238E27FC236}">
+                <a16:creationId xmlns:a16="http://schemas.microsoft.com/office/drawing/2014/main" id="{37FFE612-A325-E525-4BF4-436D3DF0094D}"/>
+              </a:ext>
+            </a:extLst>
+          </p:cNvPr>
+          <p:cNvPicPr>
+            <a:picLocks noChangeAspect="1" noChangeArrowheads="1"/>
+          </p:cNvPicPr>
+          <p:nvPr/>
+        </p:nvPicPr>
+        <p:blipFill>
+          <a:blip r:embed="rId3">
+            <a:extLst>
+              <a:ext uri="{28A0092B-C50C-407E-A947-70E740481C1C}">
+                <a14:useLocalDpi xmlns:a14="http://schemas.microsoft.com/office/drawing/2010/main" val="0"/>
+              </a:ext>
+            </a:extLst>
+          </a:blip>
+          <a:srcRect/>
+          <a:stretch>
+            <a:fillRect/>
+          </a:stretch>
+        </p:blipFill>
+        <p:spPr bwMode="auto">
+          <a:xfrm>
+            <a:off x="543236" y="2775720"/>
+            <a:ext cx="3948223" cy="2220876"/>
+          </a:xfrm>
+          <a:prstGeom prst="rect">
+            <a:avLst/>
+          </a:prstGeom>
+          <a:noFill/>
+          <a:extLst>
+            <a:ext uri="{909E8E84-426E-40DD-AFC4-6F175D3DCCD1}">
+              <a14:hiddenFill xmlns:a14="http://schemas.microsoft.com/office/drawing/2010/main">
+                <a:solidFill>
+                  <a:srgbClr val="FFFFFF"/>
+                </a:solidFill>
+              </a14:hiddenFill>
+            </a:ext>
+          </a:extLst>
+        </p:spPr>
+      </p:pic>
+      <p:sp>
+        <p:nvSpPr>
+          <p:cNvPr id="2" name="Title 1">
+            <a:extLst>
+              <a:ext uri="{FF2B5EF4-FFF2-40B4-BE49-F238E27FC236}">
+                <a16:creationId xmlns:a16="http://schemas.microsoft.com/office/drawing/2014/main" id="{CB06464D-05C5-4A8C-4486-E6D46F878ACC}"/>
+              </a:ext>
+            </a:extLst>
+          </p:cNvPr>
+          <p:cNvSpPr>
+            <a:spLocks noGrp="1"/>
+          </p:cNvSpPr>
+          <p:nvPr>
+            <p:ph type="title"/>
+          </p:nvPr>
+        </p:nvSpPr>
+        <p:spPr/>
+        <p:txBody>
+          <a:bodyPr/>
+          <a:lstStyle/>
+          <a:p>
+            <a:r>
+              <a:rPr lang="en-US" dirty="0"/>
+              <a:t>Further Exploration with MAST</a:t>
+            </a:r>
+          </a:p>
+        </p:txBody>
+      </p:sp>
+      <p:sp>
+        <p:nvSpPr>
+          <p:cNvPr id="3" name="Content Placeholder 2">
+            <a:extLst>
+              <a:ext uri="{FF2B5EF4-FFF2-40B4-BE49-F238E27FC236}">
+                <a16:creationId xmlns:a16="http://schemas.microsoft.com/office/drawing/2014/main" id="{02ED8C44-4C73-8749-994B-EB007DF0920F}"/>
+              </a:ext>
+            </a:extLst>
+          </p:cNvPr>
+          <p:cNvSpPr>
+            <a:spLocks noGrp="1"/>
+          </p:cNvSpPr>
+          <p:nvPr>
+            <p:ph idx="1"/>
+          </p:nvPr>
+        </p:nvSpPr>
+        <p:spPr>
+          <a:xfrm>
+            <a:off x="838200" y="1511727"/>
+            <a:ext cx="10515600" cy="4351338"/>
+          </a:xfrm>
+        </p:spPr>
+        <p:txBody>
+          <a:bodyPr/>
+          <a:lstStyle/>
+          <a:p>
+            <a:r>
+              <a:rPr lang="en-US" dirty="0"/>
+              <a:t>Limitation of study: authors aware that patients were on various biologics but did not consider for model </a:t>
+            </a:r>
+          </a:p>
+        </p:txBody>
+      </p:sp>
+      <p:pic>
+        <p:nvPicPr>
+          <p:cNvPr id="5" name="Picture 4" descr="A picture containing text, document, screenshot, receipt&#10;&#10;Description automatically generated">
+            <a:extLst>
+              <a:ext uri="{FF2B5EF4-FFF2-40B4-BE49-F238E27FC236}">
+                <a16:creationId xmlns:a16="http://schemas.microsoft.com/office/drawing/2014/main" id="{FE41B3E7-B994-3A96-7FE1-11203ED299EC}"/>
+              </a:ext>
+            </a:extLst>
+          </p:cNvPr>
+          <p:cNvPicPr>
+            <a:picLocks noChangeAspect="1"/>
+          </p:cNvPicPr>
+          <p:nvPr/>
+        </p:nvPicPr>
+        <p:blipFill rotWithShape="1">
+          <a:blip r:embed="rId4">
+            <a:extLst>
+              <a:ext uri="{28A0092B-C50C-407E-A947-70E740481C1C}">
+                <a14:useLocalDpi xmlns:a14="http://schemas.microsoft.com/office/drawing/2010/main" val="0"/>
+              </a:ext>
+            </a:extLst>
+          </a:blip>
+          <a:srcRect b="30302"/>
+          <a:stretch/>
+        </p:blipFill>
+        <p:spPr>
+          <a:xfrm>
+            <a:off x="2333241" y="3917699"/>
+            <a:ext cx="3071272" cy="2394201"/>
+          </a:xfrm>
+          <a:prstGeom prst="rect">
+            <a:avLst/>
+          </a:prstGeom>
+        </p:spPr>
+      </p:pic>
+      <p:pic>
+        <p:nvPicPr>
+          <p:cNvPr id="1027" name="Picture 3" descr="Provocative results' boost hopes of antibody treatment for COVID-19 |  Science | AAAS">
+            <a:extLst>
+              <a:ext uri="{FF2B5EF4-FFF2-40B4-BE49-F238E27FC236}">
+                <a16:creationId xmlns:a16="http://schemas.microsoft.com/office/drawing/2014/main" id="{0410B3EF-5F78-8E54-FD25-084D07E9F572}"/>
+              </a:ext>
+            </a:extLst>
+          </p:cNvPr>
+          <p:cNvPicPr>
+            <a:picLocks noChangeAspect="1" noChangeArrowheads="1"/>
+          </p:cNvPicPr>
+          <p:nvPr/>
+        </p:nvPicPr>
+        <p:blipFill>
+          <a:blip r:embed="rId5">
+            <a:extLst>
+              <a:ext uri="{28A0092B-C50C-407E-A947-70E740481C1C}">
+                <a14:useLocalDpi xmlns:a14="http://schemas.microsoft.com/office/drawing/2010/main" val="0"/>
+              </a:ext>
+            </a:extLst>
+          </a:blip>
+          <a:srcRect/>
+          <a:stretch>
+            <a:fillRect/>
+          </a:stretch>
+        </p:blipFill>
+        <p:spPr bwMode="auto">
+          <a:xfrm>
+            <a:off x="16510000" y="-4389438"/>
+            <a:ext cx="3810000" cy="2133600"/>
+          </a:xfrm>
+          <a:prstGeom prst="rect">
+            <a:avLst/>
+          </a:prstGeom>
+          <a:noFill/>
+          <a:extLst>
+            <a:ext uri="{909E8E84-426E-40DD-AFC4-6F175D3DCCD1}">
+              <a14:hiddenFill xmlns:a14="http://schemas.microsoft.com/office/drawing/2010/main">
+                <a:solidFill>
+                  <a:srgbClr val="FFFFFF"/>
+                </a:solidFill>
+              </a14:hiddenFill>
+            </a:ext>
+          </a:extLst>
+        </p:spPr>
+      </p:pic>
+      <p:sp>
+        <p:nvSpPr>
+          <p:cNvPr id="8" name="TextBox 7">
+            <a:extLst>
+              <a:ext uri="{FF2B5EF4-FFF2-40B4-BE49-F238E27FC236}">
+                <a16:creationId xmlns:a16="http://schemas.microsoft.com/office/drawing/2014/main" id="{B1A1FDFA-53EB-B1DB-A34D-7217AF366813}"/>
+              </a:ext>
+            </a:extLst>
+          </p:cNvPr>
+          <p:cNvSpPr txBox="1"/>
+          <p:nvPr/>
+        </p:nvSpPr>
+        <p:spPr>
+          <a:xfrm>
+            <a:off x="6349621" y="3592210"/>
+            <a:ext cx="4554940" cy="369332"/>
+          </a:xfrm>
+          <a:prstGeom prst="rect">
+            <a:avLst/>
+          </a:prstGeom>
+          <a:noFill/>
+        </p:spPr>
+        <p:txBody>
+          <a:bodyPr wrap="square">
+            <a:spAutoFit/>
+          </a:bodyPr>
+          <a:lstStyle/>
+          <a:p>
+            <a:r>
+              <a:rPr lang="en-US" sz="1800" i="1" dirty="0">
+                <a:effectLst/>
+                <a:latin typeface="Advhelvneue"/>
+              </a:rPr>
+              <a:t>“Expression </a:t>
+            </a:r>
+            <a:r>
+              <a:rPr lang="en-US" sz="1800" dirty="0">
+                <a:effectLst/>
+                <a:latin typeface="AdvP4C4E74"/>
+              </a:rPr>
+              <a:t>~ </a:t>
+            </a:r>
+            <a:r>
+              <a:rPr lang="en-US" sz="1800" i="1" dirty="0" err="1">
+                <a:effectLst/>
+                <a:latin typeface="Advhelvneue"/>
+              </a:rPr>
+              <a:t>NGenes</a:t>
+            </a:r>
+            <a:r>
+              <a:rPr lang="en-US" sz="1800" i="1" dirty="0">
+                <a:effectLst/>
+                <a:latin typeface="Advhelvneue"/>
+              </a:rPr>
+              <a:t> + Layer + </a:t>
+            </a:r>
+            <a:r>
+              <a:rPr lang="en-US" sz="1800" i="1" dirty="0" err="1">
+                <a:effectLst/>
+                <a:latin typeface="Advhelvneue"/>
+              </a:rPr>
+              <a:t>DiseaseGroup</a:t>
+            </a:r>
+            <a:r>
+              <a:rPr lang="en-US" sz="1800" i="1" dirty="0">
+                <a:effectLst/>
+                <a:latin typeface="Advhelvneue"/>
+              </a:rPr>
+              <a:t>” </a:t>
+            </a:r>
+            <a:endParaRPr lang="en-US" dirty="0"/>
+          </a:p>
+        </p:txBody>
+      </p:sp>
+      <p:sp>
+        <p:nvSpPr>
+          <p:cNvPr id="9" name="TextBox 8">
+            <a:extLst>
+              <a:ext uri="{FF2B5EF4-FFF2-40B4-BE49-F238E27FC236}">
+                <a16:creationId xmlns:a16="http://schemas.microsoft.com/office/drawing/2014/main" id="{E5160DF7-A142-B877-E041-0FD9549623B2}"/>
+              </a:ext>
+            </a:extLst>
+          </p:cNvPr>
+          <p:cNvSpPr txBox="1"/>
+          <p:nvPr/>
+        </p:nvSpPr>
+        <p:spPr>
+          <a:xfrm>
+            <a:off x="5645159" y="3165680"/>
+            <a:ext cx="4554940" cy="369332"/>
+          </a:xfrm>
+          <a:prstGeom prst="rect">
+            <a:avLst/>
+          </a:prstGeom>
+          <a:noFill/>
+        </p:spPr>
+        <p:txBody>
+          <a:bodyPr wrap="square">
+            <a:spAutoFit/>
+          </a:bodyPr>
+          <a:lstStyle/>
+          <a:p>
+            <a:pPr marL="285750" indent="-285750">
+              <a:buFont typeface="Arial" panose="020B0604020202020204" pitchFamily="34" charset="0"/>
+              <a:buChar char="•"/>
+            </a:pPr>
+            <a:r>
+              <a:rPr lang="en-US" dirty="0"/>
+              <a:t>Original MAST model used for study:</a:t>
+            </a:r>
+          </a:p>
+        </p:txBody>
+      </p:sp>
+      <p:sp>
+        <p:nvSpPr>
+          <p:cNvPr id="10" name="TextBox 9">
+            <a:extLst>
+              <a:ext uri="{FF2B5EF4-FFF2-40B4-BE49-F238E27FC236}">
+                <a16:creationId xmlns:a16="http://schemas.microsoft.com/office/drawing/2014/main" id="{81FE492C-B88D-06D8-B21A-4192652304C0}"/>
+              </a:ext>
+            </a:extLst>
+          </p:cNvPr>
+          <p:cNvSpPr txBox="1"/>
+          <p:nvPr/>
+        </p:nvSpPr>
+        <p:spPr>
+          <a:xfrm>
+            <a:off x="5645159" y="5245333"/>
+            <a:ext cx="5013742" cy="646331"/>
+          </a:xfrm>
+          <a:prstGeom prst="rect">
+            <a:avLst/>
+          </a:prstGeom>
+          <a:noFill/>
+        </p:spPr>
+        <p:txBody>
+          <a:bodyPr wrap="square">
+            <a:spAutoFit/>
+          </a:bodyPr>
+          <a:lstStyle/>
+          <a:p>
+            <a:pPr marL="285750" indent="-285750">
+              <a:buFont typeface="Arial" panose="020B0604020202020204" pitchFamily="34" charset="0"/>
+              <a:buChar char="•"/>
+            </a:pPr>
+            <a:r>
+              <a:rPr lang="en-US" dirty="0"/>
+              <a:t>Patients’ treatments are detailed in supplementary data. Could add as covariate.</a:t>
+            </a:r>
+          </a:p>
+        </p:txBody>
+      </p:sp>
+      <p:sp>
+        <p:nvSpPr>
+          <p:cNvPr id="11" name="TextBox 10">
+            <a:extLst>
+              <a:ext uri="{FF2B5EF4-FFF2-40B4-BE49-F238E27FC236}">
+                <a16:creationId xmlns:a16="http://schemas.microsoft.com/office/drawing/2014/main" id="{95DCB4B0-6724-C73E-9673-2DA6BE4595AD}"/>
+              </a:ext>
+            </a:extLst>
+          </p:cNvPr>
+          <p:cNvSpPr txBox="1"/>
+          <p:nvPr/>
+        </p:nvSpPr>
+        <p:spPr>
+          <a:xfrm>
+            <a:off x="5645159" y="4280272"/>
+            <a:ext cx="5409528" cy="646331"/>
+          </a:xfrm>
+          <a:prstGeom prst="rect">
+            <a:avLst/>
+          </a:prstGeom>
+          <a:noFill/>
+        </p:spPr>
+        <p:txBody>
+          <a:bodyPr wrap="square">
+            <a:spAutoFit/>
+          </a:bodyPr>
+          <a:lstStyle/>
+          <a:p>
+            <a:pPr marL="285750" indent="-285750">
+              <a:buFont typeface="Arial" panose="020B0604020202020204" pitchFamily="34" charset="0"/>
+              <a:buChar char="•"/>
+            </a:pPr>
+            <a:r>
+              <a:rPr lang="en-US" dirty="0"/>
+              <a:t>Presence or absence of immunotherapies may affect differential expression esp. </a:t>
+            </a:r>
+            <a:r>
+              <a:rPr lang="en-US" dirty="0" err="1"/>
+              <a:t>w.r.t.</a:t>
+            </a:r>
+            <a:r>
+              <a:rPr lang="en-US" dirty="0"/>
+              <a:t> immune cells.</a:t>
+            </a:r>
+          </a:p>
+        </p:txBody>
+      </p:sp>
+    </p:spTree>
+    <p:extLst>
+      <p:ext uri="{BB962C8B-B14F-4D97-AF65-F5344CB8AC3E}">
+        <p14:creationId xmlns:p14="http://schemas.microsoft.com/office/powerpoint/2010/main" val="2272053007"/>
+      </p:ext>
+    </p:extLst>
+  </p:cSld>
+  <p:clrMapOvr>
+    <a:masterClrMapping/>
+  </p:clrMapOvr>
+</p:sld>
+</file>
+
+<file path=ppt/slides/slide8.xml><?xml version="1.0" encoding="utf-8"?>
+<p:sld xmlns:a="http://schemas.openxmlformats.org/drawingml/2006/main" xmlns:r="http://schemas.openxmlformats.org/officeDocument/2006/relationships" xmlns:p="http://schemas.openxmlformats.org/presentationml/2006/main">
+  <p:cSld>
+    <p:spTree>
+      <p:nvGrpSpPr>
+        <p:cNvPr id="1" name=""/>
+        <p:cNvGrpSpPr/>
+        <p:nvPr/>
+      </p:nvGrpSpPr>
+      <p:grpSpPr>
+        <a:xfrm>
+          <a:off x="0" y="0"/>
+          <a:ext cx="0" cy="0"/>
+          <a:chOff x="0" y="0"/>
+          <a:chExt cx="0" cy="0"/>
+        </a:xfrm>
+      </p:grpSpPr>
+      <p:sp>
+        <p:nvSpPr>
+          <p:cNvPr id="2" name="Title 1">
+            <a:extLst>
+              <a:ext uri="{FF2B5EF4-FFF2-40B4-BE49-F238E27FC236}">
+                <a16:creationId xmlns:a16="http://schemas.microsoft.com/office/drawing/2014/main" id="{E34857E0-4EFA-736F-7C9F-59A4C80672D1}"/>
+              </a:ext>
+            </a:extLst>
+          </p:cNvPr>
+          <p:cNvSpPr>
+            <a:spLocks noGrp="1"/>
+          </p:cNvSpPr>
+          <p:nvPr>
+            <p:ph type="title"/>
+          </p:nvPr>
+        </p:nvSpPr>
+        <p:spPr/>
+        <p:txBody>
+          <a:bodyPr/>
+          <a:lstStyle/>
+          <a:p>
+            <a:r>
+              <a:rPr lang="en-US" dirty="0"/>
+              <a:t>Differential Expression with DESeq2</a:t>
+            </a:r>
+          </a:p>
+        </p:txBody>
+      </p:sp>
+      <p:sp>
+        <p:nvSpPr>
+          <p:cNvPr id="3" name="Content Placeholder 2">
+            <a:extLst>
+              <a:ext uri="{FF2B5EF4-FFF2-40B4-BE49-F238E27FC236}">
+                <a16:creationId xmlns:a16="http://schemas.microsoft.com/office/drawing/2014/main" id="{02B125AA-2610-1632-65C1-699553B90C30}"/>
+              </a:ext>
+            </a:extLst>
+          </p:cNvPr>
+          <p:cNvSpPr>
+            <a:spLocks noGrp="1"/>
+          </p:cNvSpPr>
+          <p:nvPr>
+            <p:ph idx="1"/>
+          </p:nvPr>
+        </p:nvSpPr>
+        <p:spPr/>
+        <p:txBody>
+          <a:bodyPr/>
+          <a:lstStyle/>
+          <a:p>
+            <a:r>
+              <a:rPr lang="en-US" dirty="0"/>
+              <a:t>DESeq2 – Love et al. (2014)</a:t>
+            </a:r>
+          </a:p>
+          <a:p>
+            <a:r>
+              <a:rPr lang="en-US" dirty="0"/>
+              <a:t>Uses negative binomial generalized linear model (GLM)</a:t>
+            </a:r>
+          </a:p>
+          <a:p>
+            <a:r>
+              <a:rPr lang="en-US" dirty="0"/>
+              <a:t>Estimates dispersion and fold change parameters for each gene</a:t>
+            </a:r>
+          </a:p>
+        </p:txBody>
+      </p:sp>
+    </p:spTree>
+    <p:extLst>
+      <p:ext uri="{BB962C8B-B14F-4D97-AF65-F5344CB8AC3E}">
+        <p14:creationId xmlns:p14="http://schemas.microsoft.com/office/powerpoint/2010/main" val="2331975794"/>
+      </p:ext>
+    </p:extLst>
+  </p:cSld>
+  <p:clrMapOvr>
+    <a:masterClrMapping/>
+  </p:clrMapOvr>
+</p:sld>
+</file>
+
+<file path=ppt/slides/slide9.xml><?xml version="1.0" encoding="utf-8"?>
+<p:sld xmlns:a="http://schemas.openxmlformats.org/drawingml/2006/main" xmlns:r="http://schemas.openxmlformats.org/officeDocument/2006/relationships" xmlns:p="http://schemas.openxmlformats.org/presentationml/2006/main">
+  <p:cSld>
+    <p:spTree>
+      <p:nvGrpSpPr>
+        <p:cNvPr id="1" name=""/>
+        <p:cNvGrpSpPr/>
+        <p:nvPr/>
+      </p:nvGrpSpPr>
+      <p:grpSpPr>
+        <a:xfrm>
+          <a:off x="0" y="0"/>
+          <a:ext cx="0" cy="0"/>
+          <a:chOff x="0" y="0"/>
+          <a:chExt cx="0" cy="0"/>
+        </a:xfrm>
+      </p:grpSpPr>
+      <p:sp>
+        <p:nvSpPr>
+          <p:cNvPr id="2" name="Title 1">
+            <a:extLst>
+              <a:ext uri="{FF2B5EF4-FFF2-40B4-BE49-F238E27FC236}">
+                <a16:creationId xmlns:a16="http://schemas.microsoft.com/office/drawing/2014/main" id="{E555A222-B23D-6A34-6423-EBE10D0A12C1}"/>
+              </a:ext>
+            </a:extLst>
+          </p:cNvPr>
+          <p:cNvSpPr>
+            <a:spLocks noGrp="1"/>
+          </p:cNvSpPr>
+          <p:nvPr>
+            <p:ph type="title"/>
+          </p:nvPr>
+        </p:nvSpPr>
+        <p:spPr/>
+        <p:txBody>
+          <a:bodyPr/>
+          <a:lstStyle/>
+          <a:p>
+            <a:r>
+              <a:rPr lang="en-US" dirty="0"/>
+              <a:t>MAST vs. DESeq2</a:t>
+            </a:r>
+          </a:p>
+        </p:txBody>
+      </p:sp>
+      <p:sp>
+        <p:nvSpPr>
+          <p:cNvPr id="3" name="Content Placeholder 2">
+            <a:extLst>
+              <a:ext uri="{FF2B5EF4-FFF2-40B4-BE49-F238E27FC236}">
+                <a16:creationId xmlns:a16="http://schemas.microsoft.com/office/drawing/2014/main" id="{D6969797-CD26-1A85-A6DA-7F87F13F1128}"/>
+              </a:ext>
+            </a:extLst>
+          </p:cNvPr>
+          <p:cNvSpPr>
+            <a:spLocks noGrp="1"/>
+          </p:cNvSpPr>
+          <p:nvPr>
+            <p:ph idx="1"/>
+          </p:nvPr>
+        </p:nvSpPr>
+        <p:spPr/>
+        <p:txBody>
+          <a:bodyPr/>
+          <a:lstStyle/>
+          <a:p>
+            <a:r>
+              <a:rPr lang="en-US" dirty="0"/>
+              <a:t>MAST particularly good at handling ”dropouts” and high variability </a:t>
+            </a:r>
+          </a:p>
+          <a:p>
+            <a:r>
+              <a:rPr lang="en-US" dirty="0"/>
+              <a:t>MAST allows for easy expansion of covariates</a:t>
+            </a:r>
+          </a:p>
+        </p:txBody>
+      </p:sp>
+    </p:spTree>
+    <p:extLst>
+      <p:ext uri="{BB962C8B-B14F-4D97-AF65-F5344CB8AC3E}">
+        <p14:creationId xmlns:p14="http://schemas.microsoft.com/office/powerpoint/2010/main" val="4103673194"/>
       </p:ext>
     </p:extLst>
   </p:cSld>

--- a/cpsc445Presentation.pptx
+++ b/cpsc445Presentation.pptx
@@ -5,7 +5,7 @@
     <p:sldMasterId id="2147483648" r:id="rId1"/>
   </p:sldMasterIdLst>
   <p:notesMasterIdLst>
-    <p:notesMasterId r:id="rId12"/>
+    <p:notesMasterId r:id="rId13"/>
   </p:notesMasterIdLst>
   <p:sldIdLst>
     <p:sldId id="256" r:id="rId2"/>
@@ -16,8 +16,9 @@
     <p:sldId id="262" r:id="rId7"/>
     <p:sldId id="265" r:id="rId8"/>
     <p:sldId id="264" r:id="rId9"/>
-    <p:sldId id="263" r:id="rId10"/>
-    <p:sldId id="260" r:id="rId11"/>
+    <p:sldId id="266" r:id="rId10"/>
+    <p:sldId id="263" r:id="rId11"/>
+    <p:sldId id="260" r:id="rId12"/>
   </p:sldIdLst>
   <p:sldSz cx="12192000" cy="6858000"/>
   <p:notesSz cx="6858000" cy="9144000"/>
@@ -1176,21 +1177,13 @@
           <a:p>
             <a:r>
               <a:rPr lang="en-US" dirty="0"/>
-              <a:t>Dispersion: parameter that Love et al. developed </a:t>
-            </a:r>
-            <a:r>
-              <a:rPr lang="en-US"/>
-              <a:t>– biological variability between samples</a:t>
-            </a:r>
-          </a:p>
-          <a:p>
-            <a:r>
-              <a:rPr lang="en-US"/>
-              <a:t>- </a:t>
-            </a:r>
-            <a:r>
-              <a:rPr lang="en-US" dirty="0"/>
-              <a:t>The dispersion parameter links the variance and mean of the count for the negative binomial distribution.</a:t>
+              <a:t>Dispersion: parameter that Love et al. developed – biological variability between samples</a:t>
+            </a:r>
+          </a:p>
+          <a:p>
+            <a:r>
+              <a:rPr lang="en-US" dirty="0"/>
+              <a:t>- The dispersion parameter links the variance and mean of the count for the negative binomial distribution.</a:t>
             </a:r>
           </a:p>
         </p:txBody>
@@ -1277,15 +1270,67 @@
           <a:p>
             <a:r>
               <a:rPr lang="en-US" dirty="0"/>
-              <a:t>One important characteristic of </a:t>
+              <a:t>X: </a:t>
             </a:r>
             <a:r>
               <a:rPr lang="en-US" dirty="0" err="1"/>
-              <a:t>scRNA</a:t>
-            </a:r>
-            <a:r>
-              <a:rPr lang="en-US" dirty="0"/>
-              <a:t>-seq data that feeds into all these challenges is a phenomenon called “dropout”, where a gene is observed at a low or moderate expression level in one cell but is not detected in another cell of the same cell type</a:t>
+              <a:t>covriates</a:t>
+            </a:r>
+            <a:r>
+              <a:rPr lang="en-US" dirty="0"/>
+              <a:t> (i.e., the elements in design matrix)</a:t>
+            </a:r>
+          </a:p>
+          <a:p>
+            <a:endParaRPr lang="en-US" dirty="0"/>
+          </a:p>
+          <a:p>
+            <a:r>
+              <a:rPr lang="en-US" dirty="0"/>
+              <a:t>a </a:t>
+            </a:r>
+            <a:r>
+              <a:rPr lang="en-US" b="1" dirty="0"/>
+              <a:t>generalized linear model</a:t>
+            </a:r>
+            <a:r>
+              <a:rPr lang="en-US" dirty="0"/>
+              <a:t> (</a:t>
+            </a:r>
+            <a:r>
+              <a:rPr lang="en-US" b="1" dirty="0"/>
+              <a:t>GLM</a:t>
+            </a:r>
+            <a:r>
+              <a:rPr lang="en-US" dirty="0"/>
+              <a:t>) is a flexible generalization of ordinary </a:t>
+            </a:r>
+            <a:r>
+              <a:rPr lang="en-US" dirty="0">
+                <a:hlinkClick r:id="rId3" tooltip="Linear regression"/>
+              </a:rPr>
+              <a:t>linear regression</a:t>
+            </a:r>
+            <a:r>
+              <a:rPr lang="en-US" dirty="0"/>
+              <a:t>. The GLM generalizes linear regression by allowing the linear model to be related to the response variable via a </a:t>
+            </a:r>
+            <a:r>
+              <a:rPr lang="en-US" i="1" dirty="0"/>
+              <a:t>link function</a:t>
+            </a:r>
+            <a:r>
+              <a:rPr lang="en-US" dirty="0"/>
+              <a:t> and by allowing the magnitude of the variance of each measurement to be a function of its predicted value. </a:t>
+            </a:r>
+          </a:p>
+          <a:p>
+            <a:endParaRPr lang="en-US" dirty="0"/>
+          </a:p>
+          <a:p>
+            <a:r>
+              <a:rPr lang="en-US" dirty="0"/>
+              <a:t>ESTIMATING DISPERSION: First, fit negative binomial GLM with the count data &gt; obtain fitted values for mu, and then maximize the “Cox-Reid adjusted likelihood of dispersion” to obtain alpha</a:t>
             </a:r>
           </a:p>
         </p:txBody>
@@ -1316,7 +1361,7 @@
     </p:spTree>
     <p:extLst>
       <p:ext uri="{BB962C8B-B14F-4D97-AF65-F5344CB8AC3E}">
-        <p14:creationId xmlns:p14="http://schemas.microsoft.com/office/powerpoint/2010/main" val="1506489482"/>
+        <p14:creationId xmlns:p14="http://schemas.microsoft.com/office/powerpoint/2010/main" val="1063308843"/>
       </p:ext>
     </p:extLst>
   </p:cSld>
@@ -1370,6 +1415,132 @@
           <a:bodyPr/>
           <a:lstStyle/>
           <a:p>
+            <a:r>
+              <a:rPr lang="en-US" dirty="0"/>
+              <a:t>One important characteristic of </a:t>
+            </a:r>
+            <a:r>
+              <a:rPr lang="en-US" dirty="0" err="1"/>
+              <a:t>scRNA</a:t>
+            </a:r>
+            <a:r>
+              <a:rPr lang="en-US" dirty="0"/>
+              <a:t>-seq data that feeds into all these challenges is a phenomenon called “dropout”, where a gene is observed at a low or moderate expression level in one cell but is not detected in another cell of the same cell type</a:t>
+            </a:r>
+          </a:p>
+          <a:p>
+            <a:endParaRPr lang="en-US" dirty="0"/>
+          </a:p>
+          <a:p>
+            <a:r>
+              <a:rPr lang="en-US" dirty="0"/>
+              <a:t>SENSITIVITY: </a:t>
+            </a:r>
+            <a:r>
+              <a:rPr lang="en-US" b="1" dirty="0"/>
+              <a:t>TP/TP+FN, </a:t>
+            </a:r>
+            <a:r>
+              <a:rPr lang="en-US" dirty="0"/>
+              <a:t>probability that an actual positive will test positive</a:t>
+            </a:r>
+          </a:p>
+          <a:p>
+            <a:r>
+              <a:rPr lang="en-US" dirty="0"/>
+              <a:t>PRECISION: </a:t>
+            </a:r>
+            <a:r>
+              <a:rPr lang="en-US" b="1" dirty="0"/>
+              <a:t>TP/TP+FP, </a:t>
+            </a:r>
+            <a:r>
+              <a:rPr lang="en-US" i="0" dirty="0"/>
+              <a:t>proportion of cases giving positive test results amongst those labeled as positive</a:t>
+            </a:r>
+          </a:p>
+        </p:txBody>
+      </p:sp>
+      <p:sp>
+        <p:nvSpPr>
+          <p:cNvPr id="4" name="Slide Number Placeholder 3"/>
+          <p:cNvSpPr>
+            <a:spLocks noGrp="1"/>
+          </p:cNvSpPr>
+          <p:nvPr>
+            <p:ph type="sldNum" sz="quarter" idx="5"/>
+          </p:nvPr>
+        </p:nvSpPr>
+        <p:spPr/>
+        <p:txBody>
+          <a:bodyPr/>
+          <a:lstStyle/>
+          <a:p>
+            <a:fld id="{737E5D9D-0919-4671-9372-089DE9AECB2C}" type="slidenum">
+              <a:rPr lang="en-US" smtClean="0"/>
+              <a:t>10</a:t>
+            </a:fld>
+            <a:endParaRPr lang="en-US"/>
+          </a:p>
+        </p:txBody>
+      </p:sp>
+    </p:spTree>
+    <p:extLst>
+      <p:ext uri="{BB962C8B-B14F-4D97-AF65-F5344CB8AC3E}">
+        <p14:creationId xmlns:p14="http://schemas.microsoft.com/office/powerpoint/2010/main" val="1506489482"/>
+      </p:ext>
+    </p:extLst>
+  </p:cSld>
+  <p:clrMapOvr>
+    <a:masterClrMapping/>
+  </p:clrMapOvr>
+</p:notes>
+</file>
+
+<file path=ppt/notesSlides/notesSlide9.xml><?xml version="1.0" encoding="utf-8"?>
+<p:notes xmlns:a="http://schemas.openxmlformats.org/drawingml/2006/main" xmlns:r="http://schemas.openxmlformats.org/officeDocument/2006/relationships" xmlns:p="http://schemas.openxmlformats.org/presentationml/2006/main">
+  <p:cSld>
+    <p:spTree>
+      <p:nvGrpSpPr>
+        <p:cNvPr id="1" name=""/>
+        <p:cNvGrpSpPr/>
+        <p:nvPr/>
+      </p:nvGrpSpPr>
+      <p:grpSpPr>
+        <a:xfrm>
+          <a:off x="0" y="0"/>
+          <a:ext cx="0" cy="0"/>
+          <a:chOff x="0" y="0"/>
+          <a:chExt cx="0" cy="0"/>
+        </a:xfrm>
+      </p:grpSpPr>
+      <p:sp>
+        <p:nvSpPr>
+          <p:cNvPr id="2" name="Slide Image Placeholder 1"/>
+          <p:cNvSpPr>
+            <a:spLocks noGrp="1" noRot="1" noChangeAspect="1"/>
+          </p:cNvSpPr>
+          <p:nvPr>
+            <p:ph type="sldImg"/>
+          </p:nvPr>
+        </p:nvSpPr>
+        <p:spPr/>
+      </p:sp>
+      <p:sp>
+        <p:nvSpPr>
+          <p:cNvPr id="3" name="Notes Placeholder 2"/>
+          <p:cNvSpPr>
+            <a:spLocks noGrp="1"/>
+          </p:cNvSpPr>
+          <p:nvPr>
+            <p:ph type="body" idx="1"/>
+          </p:nvPr>
+        </p:nvSpPr>
+        <p:spPr/>
+        <p:txBody>
+          <a:bodyPr/>
+          <a:lstStyle/>
+          <a:p>
             <a:pPr marL="285750" indent="-285750">
               <a:buFontTx/>
               <a:buChar char="-"/>
@@ -1436,7 +1607,7 @@
           <a:p>
             <a:fld id="{737E5D9D-0919-4671-9372-089DE9AECB2C}" type="slidenum">
               <a:rPr lang="en-US" smtClean="0"/>
-              <a:t>10</a:t>
+              <a:t>11</a:t>
             </a:fld>
             <a:endParaRPr lang="en-US"/>
           </a:p>
@@ -4775,6 +4946,142 @@
           <p:cNvPr id="2" name="Title 1">
             <a:extLst>
               <a:ext uri="{FF2B5EF4-FFF2-40B4-BE49-F238E27FC236}">
+                <a16:creationId xmlns:a16="http://schemas.microsoft.com/office/drawing/2014/main" id="{E555A222-B23D-6A34-6423-EBE10D0A12C1}"/>
+              </a:ext>
+            </a:extLst>
+          </p:cNvPr>
+          <p:cNvSpPr>
+            <a:spLocks noGrp="1"/>
+          </p:cNvSpPr>
+          <p:nvPr>
+            <p:ph type="title"/>
+          </p:nvPr>
+        </p:nvSpPr>
+        <p:spPr/>
+        <p:txBody>
+          <a:bodyPr/>
+          <a:lstStyle/>
+          <a:p>
+            <a:r>
+              <a:rPr lang="en-US" dirty="0"/>
+              <a:t>MAST vs. DESeq2</a:t>
+            </a:r>
+          </a:p>
+        </p:txBody>
+      </p:sp>
+      <p:sp>
+        <p:nvSpPr>
+          <p:cNvPr id="3" name="Content Placeholder 2">
+            <a:extLst>
+              <a:ext uri="{FF2B5EF4-FFF2-40B4-BE49-F238E27FC236}">
+                <a16:creationId xmlns:a16="http://schemas.microsoft.com/office/drawing/2014/main" id="{D6969797-CD26-1A85-A6DA-7F87F13F1128}"/>
+              </a:ext>
+            </a:extLst>
+          </p:cNvPr>
+          <p:cNvSpPr>
+            <a:spLocks noGrp="1"/>
+          </p:cNvSpPr>
+          <p:nvPr>
+            <p:ph idx="1"/>
+          </p:nvPr>
+        </p:nvSpPr>
+        <p:spPr/>
+        <p:txBody>
+          <a:bodyPr>
+            <a:normAutofit lnSpcReduction="10000"/>
+          </a:bodyPr>
+          <a:lstStyle/>
+          <a:p>
+            <a:r>
+              <a:rPr lang="en-US" dirty="0"/>
+              <a:t>MAST particularly good at handling ”dropouts” and high variability </a:t>
+            </a:r>
+          </a:p>
+          <a:p>
+            <a:pPr lvl="1"/>
+            <a:r>
+              <a:rPr lang="en-US" dirty="0"/>
+              <a:t>DESeq2 originally designed for bulk RNA-seq, so not great in this regard</a:t>
+            </a:r>
+          </a:p>
+          <a:p>
+            <a:r>
+              <a:rPr lang="en-US" dirty="0"/>
+              <a:t>Both MAST and DESeq2 allow for easy expansion of covariates</a:t>
+            </a:r>
+          </a:p>
+          <a:p>
+            <a:r>
+              <a:rPr lang="en-US" dirty="0"/>
+              <a:t>MAST does not account for dispersion</a:t>
+            </a:r>
+          </a:p>
+          <a:p>
+            <a:r>
+              <a:rPr lang="en-US" dirty="0"/>
+              <a:t>Wang et al. (2019) – Comparative analysis of DE tools</a:t>
+            </a:r>
+          </a:p>
+          <a:p>
+            <a:pPr lvl="1"/>
+            <a:r>
+              <a:rPr lang="en-US" dirty="0"/>
+              <a:t>Trade-off between sensitivity and precision</a:t>
+            </a:r>
+          </a:p>
+          <a:p>
+            <a:pPr lvl="1"/>
+            <a:r>
+              <a:rPr lang="en-US" dirty="0"/>
+              <a:t>MAST has high precision but low sensitivity; DESeq2 more balanced</a:t>
+            </a:r>
+          </a:p>
+          <a:p>
+            <a:endParaRPr lang="en-US" dirty="0"/>
+          </a:p>
+          <a:p>
+            <a:r>
+              <a:rPr lang="en-US" dirty="0"/>
+              <a:t>We expect that DESeq2 will not identify as many up-regulated or down-regulated genes across healthy vs. inflamed</a:t>
+            </a:r>
+          </a:p>
+        </p:txBody>
+      </p:sp>
+    </p:spTree>
+    <p:extLst>
+      <p:ext uri="{BB962C8B-B14F-4D97-AF65-F5344CB8AC3E}">
+        <p14:creationId xmlns:p14="http://schemas.microsoft.com/office/powerpoint/2010/main" val="4103673194"/>
+      </p:ext>
+    </p:extLst>
+  </p:cSld>
+  <p:clrMapOvr>
+    <a:masterClrMapping/>
+  </p:clrMapOvr>
+</p:sld>
+</file>
+
+<file path=ppt/slides/slide11.xml><?xml version="1.0" encoding="utf-8"?>
+<p:sld xmlns:a="http://schemas.openxmlformats.org/drawingml/2006/main" xmlns:r="http://schemas.openxmlformats.org/officeDocument/2006/relationships" xmlns:p="http://schemas.openxmlformats.org/presentationml/2006/main">
+  <p:cSld>
+    <p:spTree>
+      <p:nvGrpSpPr>
+        <p:cNvPr id="1" name=""/>
+        <p:cNvGrpSpPr/>
+        <p:nvPr/>
+      </p:nvGrpSpPr>
+      <p:grpSpPr>
+        <a:xfrm>
+          <a:off x="0" y="0"/>
+          <a:ext cx="0" cy="0"/>
+          <a:chOff x="0" y="0"/>
+          <a:chExt cx="0" cy="0"/>
+        </a:xfrm>
+      </p:grpSpPr>
+      <p:sp>
+        <p:nvSpPr>
+          <p:cNvPr id="2" name="Title 1">
+            <a:extLst>
+              <a:ext uri="{FF2B5EF4-FFF2-40B4-BE49-F238E27FC236}">
                 <a16:creationId xmlns:a16="http://schemas.microsoft.com/office/drawing/2014/main" id="{A057D7B9-BCDA-3615-7691-EE082087EAC4}"/>
               </a:ext>
             </a:extLst>
@@ -6171,7 +6478,7 @@
           <a:p>
             <a:r>
               <a:rPr lang="en-US" dirty="0"/>
-              <a:t>Estimates dispersion and fold change parameters for each gene</a:t>
+              <a:t>Incorporates dispersion and fold change parameters for each gene</a:t>
             </a:r>
           </a:p>
         </p:txBody>
@@ -6211,7 +6518,7 @@
           <p:cNvPr id="2" name="Title 1">
             <a:extLst>
               <a:ext uri="{FF2B5EF4-FFF2-40B4-BE49-F238E27FC236}">
-                <a16:creationId xmlns:a16="http://schemas.microsoft.com/office/drawing/2014/main" id="{E555A222-B23D-6A34-6423-EBE10D0A12C1}"/>
+                <a16:creationId xmlns:a16="http://schemas.microsoft.com/office/drawing/2014/main" id="{72EF261C-D26E-8AC5-577D-59EC27EF572E}"/>
               </a:ext>
             </a:extLst>
           </p:cNvPr>
@@ -6229,49 +6536,333 @@
           <a:p>
             <a:r>
               <a:rPr lang="en-US" dirty="0"/>
-              <a:t>MAST vs. DESeq2</a:t>
-            </a:r>
-          </a:p>
-        </p:txBody>
-      </p:sp>
-      <p:sp>
-        <p:nvSpPr>
-          <p:cNvPr id="3" name="Content Placeholder 2">
-            <a:extLst>
-              <a:ext uri="{FF2B5EF4-FFF2-40B4-BE49-F238E27FC236}">
-                <a16:creationId xmlns:a16="http://schemas.microsoft.com/office/drawing/2014/main" id="{D6969797-CD26-1A85-A6DA-7F87F13F1128}"/>
-              </a:ext>
-            </a:extLst>
-          </p:cNvPr>
-          <p:cNvSpPr>
-            <a:spLocks noGrp="1"/>
-          </p:cNvSpPr>
+              <a:t>DESeq2</a:t>
+            </a:r>
+          </a:p>
+        </p:txBody>
+      </p:sp>
+      <p:pic>
+        <p:nvPicPr>
+          <p:cNvPr id="5" name="Content Placeholder 4" descr="Text, letter&#10;&#10;Description automatically generated">
+            <a:extLst>
+              <a:ext uri="{FF2B5EF4-FFF2-40B4-BE49-F238E27FC236}">
+                <a16:creationId xmlns:a16="http://schemas.microsoft.com/office/drawing/2014/main" id="{9E7EDA1D-B67D-CA98-1C48-0F3103D6B277}"/>
+              </a:ext>
+            </a:extLst>
+          </p:cNvPr>
+          <p:cNvPicPr>
+            <a:picLocks noGrp="1" noChangeAspect="1"/>
+          </p:cNvPicPr>
           <p:nvPr>
             <p:ph idx="1"/>
           </p:nvPr>
-        </p:nvSpPr>
-        <p:spPr/>
-        <p:txBody>
-          <a:bodyPr/>
-          <a:lstStyle/>
-          <a:p>
-            <a:r>
-              <a:rPr lang="en-US" dirty="0"/>
-              <a:t>MAST particularly good at handling ”dropouts” and high variability </a:t>
-            </a:r>
-          </a:p>
-          <a:p>
-            <a:r>
-              <a:rPr lang="en-US" dirty="0"/>
-              <a:t>MAST allows for easy expansion of covariates</a:t>
-            </a:r>
-          </a:p>
-        </p:txBody>
-      </p:sp>
+        </p:nvPicPr>
+        <p:blipFill>
+          <a:blip r:embed="rId3">
+            <a:extLst>
+              <a:ext uri="{28A0092B-C50C-407E-A947-70E740481C1C}">
+                <a14:useLocalDpi xmlns:a14="http://schemas.microsoft.com/office/drawing/2010/main" val="0"/>
+              </a:ext>
+            </a:extLst>
+          </a:blip>
+          <a:stretch>
+            <a:fillRect/>
+          </a:stretch>
+        </p:blipFill>
+        <p:spPr>
+          <a:xfrm>
+            <a:off x="1201904" y="4303713"/>
+            <a:ext cx="4533900" cy="1873250"/>
+          </a:xfrm>
+        </p:spPr>
+      </p:pic>
+      <p:sp>
+        <p:nvSpPr>
+          <p:cNvPr id="6" name="Content Placeholder 2">
+            <a:extLst>
+              <a:ext uri="{FF2B5EF4-FFF2-40B4-BE49-F238E27FC236}">
+                <a16:creationId xmlns:a16="http://schemas.microsoft.com/office/drawing/2014/main" id="{F167BF4C-CC97-8C88-C85B-226C268F28C0}"/>
+              </a:ext>
+            </a:extLst>
+          </p:cNvPr>
+          <p:cNvSpPr txBox="1">
+            <a:spLocks/>
+          </p:cNvSpPr>
+          <p:nvPr/>
+        </p:nvSpPr>
+        <p:spPr>
+          <a:xfrm>
+            <a:off x="838200" y="1825625"/>
+            <a:ext cx="10515600" cy="4351338"/>
+          </a:xfrm>
+          <a:prstGeom prst="rect">
+            <a:avLst/>
+          </a:prstGeom>
+        </p:spPr>
+        <p:txBody>
+          <a:bodyPr vert="horz" lIns="91440" tIns="45720" rIns="91440" bIns="45720" rtlCol="0">
+            <a:normAutofit/>
+          </a:bodyPr>
+          <a:lstStyle>
+            <a:lvl1pPr marL="228600" indent="-228600" algn="l" defTabSz="914400" rtl="0" eaLnBrk="1" latinLnBrk="0" hangingPunct="1">
+              <a:lnSpc>
+                <a:spcPct val="90000"/>
+              </a:lnSpc>
+              <a:spcBef>
+                <a:spcPts val="1000"/>
+              </a:spcBef>
+              <a:buFont typeface="Arial" panose="020B0604020202020204" pitchFamily="34" charset="0"/>
+              <a:buChar char="•"/>
+              <a:defRPr sz="2800" kern="1200">
+                <a:solidFill>
+                  <a:schemeClr val="tx1"/>
+                </a:solidFill>
+                <a:latin typeface="+mn-lt"/>
+                <a:ea typeface="+mn-ea"/>
+                <a:cs typeface="+mn-cs"/>
+              </a:defRPr>
+            </a:lvl1pPr>
+            <a:lvl2pPr marL="685800" indent="-228600" algn="l" defTabSz="914400" rtl="0" eaLnBrk="1" latinLnBrk="0" hangingPunct="1">
+              <a:lnSpc>
+                <a:spcPct val="90000"/>
+              </a:lnSpc>
+              <a:spcBef>
+                <a:spcPts val="500"/>
+              </a:spcBef>
+              <a:buFont typeface="Arial" panose="020B0604020202020204" pitchFamily="34" charset="0"/>
+              <a:buChar char="•"/>
+              <a:defRPr sz="2400" kern="1200">
+                <a:solidFill>
+                  <a:schemeClr val="tx1"/>
+                </a:solidFill>
+                <a:latin typeface="+mn-lt"/>
+                <a:ea typeface="+mn-ea"/>
+                <a:cs typeface="+mn-cs"/>
+              </a:defRPr>
+            </a:lvl2pPr>
+            <a:lvl3pPr marL="1143000" indent="-228600" algn="l" defTabSz="914400" rtl="0" eaLnBrk="1" latinLnBrk="0" hangingPunct="1">
+              <a:lnSpc>
+                <a:spcPct val="90000"/>
+              </a:lnSpc>
+              <a:spcBef>
+                <a:spcPts val="500"/>
+              </a:spcBef>
+              <a:buFont typeface="Arial" panose="020B0604020202020204" pitchFamily="34" charset="0"/>
+              <a:buChar char="•"/>
+              <a:defRPr sz="2000" kern="1200">
+                <a:solidFill>
+                  <a:schemeClr val="tx1"/>
+                </a:solidFill>
+                <a:latin typeface="+mn-lt"/>
+                <a:ea typeface="+mn-ea"/>
+                <a:cs typeface="+mn-cs"/>
+              </a:defRPr>
+            </a:lvl3pPr>
+            <a:lvl4pPr marL="1600200" indent="-228600" algn="l" defTabSz="914400" rtl="0" eaLnBrk="1" latinLnBrk="0" hangingPunct="1">
+              <a:lnSpc>
+                <a:spcPct val="90000"/>
+              </a:lnSpc>
+              <a:spcBef>
+                <a:spcPts val="500"/>
+              </a:spcBef>
+              <a:buFont typeface="Arial" panose="020B0604020202020204" pitchFamily="34" charset="0"/>
+              <a:buChar char="•"/>
+              <a:defRPr sz="1800" kern="1200">
+                <a:solidFill>
+                  <a:schemeClr val="tx1"/>
+                </a:solidFill>
+                <a:latin typeface="+mn-lt"/>
+                <a:ea typeface="+mn-ea"/>
+                <a:cs typeface="+mn-cs"/>
+              </a:defRPr>
+            </a:lvl4pPr>
+            <a:lvl5pPr marL="2057400" indent="-228600" algn="l" defTabSz="914400" rtl="0" eaLnBrk="1" latinLnBrk="0" hangingPunct="1">
+              <a:lnSpc>
+                <a:spcPct val="90000"/>
+              </a:lnSpc>
+              <a:spcBef>
+                <a:spcPts val="500"/>
+              </a:spcBef>
+              <a:buFont typeface="Arial" panose="020B0604020202020204" pitchFamily="34" charset="0"/>
+              <a:buChar char="•"/>
+              <a:defRPr sz="1800" kern="1200">
+                <a:solidFill>
+                  <a:schemeClr val="tx1"/>
+                </a:solidFill>
+                <a:latin typeface="+mn-lt"/>
+                <a:ea typeface="+mn-ea"/>
+                <a:cs typeface="+mn-cs"/>
+              </a:defRPr>
+            </a:lvl5pPr>
+            <a:lvl6pPr marL="2514600" indent="-228600" algn="l" defTabSz="914400" rtl="0" eaLnBrk="1" latinLnBrk="0" hangingPunct="1">
+              <a:lnSpc>
+                <a:spcPct val="90000"/>
+              </a:lnSpc>
+              <a:spcBef>
+                <a:spcPts val="500"/>
+              </a:spcBef>
+              <a:buFont typeface="Arial" panose="020B0604020202020204" pitchFamily="34" charset="0"/>
+              <a:buChar char="•"/>
+              <a:defRPr sz="1800" kern="1200">
+                <a:solidFill>
+                  <a:schemeClr val="tx1"/>
+                </a:solidFill>
+                <a:latin typeface="+mn-lt"/>
+                <a:ea typeface="+mn-ea"/>
+                <a:cs typeface="+mn-cs"/>
+              </a:defRPr>
+            </a:lvl6pPr>
+            <a:lvl7pPr marL="2971800" indent="-228600" algn="l" defTabSz="914400" rtl="0" eaLnBrk="1" latinLnBrk="0" hangingPunct="1">
+              <a:lnSpc>
+                <a:spcPct val="90000"/>
+              </a:lnSpc>
+              <a:spcBef>
+                <a:spcPts val="500"/>
+              </a:spcBef>
+              <a:buFont typeface="Arial" panose="020B0604020202020204" pitchFamily="34" charset="0"/>
+              <a:buChar char="•"/>
+              <a:defRPr sz="1800" kern="1200">
+                <a:solidFill>
+                  <a:schemeClr val="tx1"/>
+                </a:solidFill>
+                <a:latin typeface="+mn-lt"/>
+                <a:ea typeface="+mn-ea"/>
+                <a:cs typeface="+mn-cs"/>
+              </a:defRPr>
+            </a:lvl7pPr>
+            <a:lvl8pPr marL="3429000" indent="-228600" algn="l" defTabSz="914400" rtl="0" eaLnBrk="1" latinLnBrk="0" hangingPunct="1">
+              <a:lnSpc>
+                <a:spcPct val="90000"/>
+              </a:lnSpc>
+              <a:spcBef>
+                <a:spcPts val="500"/>
+              </a:spcBef>
+              <a:buFont typeface="Arial" panose="020B0604020202020204" pitchFamily="34" charset="0"/>
+              <a:buChar char="•"/>
+              <a:defRPr sz="1800" kern="1200">
+                <a:solidFill>
+                  <a:schemeClr val="tx1"/>
+                </a:solidFill>
+                <a:latin typeface="+mn-lt"/>
+                <a:ea typeface="+mn-ea"/>
+                <a:cs typeface="+mn-cs"/>
+              </a:defRPr>
+            </a:lvl8pPr>
+            <a:lvl9pPr marL="3886200" indent="-228600" algn="l" defTabSz="914400" rtl="0" eaLnBrk="1" latinLnBrk="0" hangingPunct="1">
+              <a:lnSpc>
+                <a:spcPct val="90000"/>
+              </a:lnSpc>
+              <a:spcBef>
+                <a:spcPts val="500"/>
+              </a:spcBef>
+              <a:buFont typeface="Arial" panose="020B0604020202020204" pitchFamily="34" charset="0"/>
+              <a:buChar char="•"/>
+              <a:defRPr sz="1800" kern="1200">
+                <a:solidFill>
+                  <a:schemeClr val="tx1"/>
+                </a:solidFill>
+                <a:latin typeface="+mn-lt"/>
+                <a:ea typeface="+mn-ea"/>
+                <a:cs typeface="+mn-cs"/>
+              </a:defRPr>
+            </a:lvl9pPr>
+          </a:lstStyle>
+          <a:p>
+            <a:r>
+              <a:rPr lang="en-US" dirty="0"/>
+              <a:t>GLM: generalizes ordinary linear regression, by relating the linear model to the response vars via a </a:t>
+            </a:r>
+            <a:r>
+              <a:rPr lang="en-US" i="1" dirty="0"/>
+              <a:t>link function </a:t>
+            </a:r>
+          </a:p>
+          <a:p>
+            <a:r>
+              <a:rPr lang="en-US" dirty="0"/>
+              <a:t>In DESeq2, read counts (</a:t>
+            </a:r>
+            <a:r>
+              <a:rPr lang="en-US" i="1" dirty="0" err="1"/>
+              <a:t>K</a:t>
+            </a:r>
+            <a:r>
+              <a:rPr lang="en-US" i="1" baseline="-25000" dirty="0" err="1"/>
+              <a:t>ij</a:t>
+            </a:r>
+            <a:r>
+              <a:rPr lang="en-US" i="1" dirty="0"/>
+              <a:t> </a:t>
+            </a:r>
+            <a:r>
+              <a:rPr lang="en-US" dirty="0"/>
+              <a:t>for gene </a:t>
+            </a:r>
+            <a:r>
+              <a:rPr lang="en-US" i="1" dirty="0" err="1"/>
+              <a:t>i</a:t>
+            </a:r>
+            <a:r>
+              <a:rPr lang="en-US" dirty="0"/>
+              <a:t> in sample </a:t>
+            </a:r>
+            <a:r>
+              <a:rPr lang="en-US" i="1" dirty="0"/>
+              <a:t>j</a:t>
+            </a:r>
+            <a:r>
+              <a:rPr lang="en-US" dirty="0"/>
+              <a:t>) are distributed by a GLM of negative binomial family with logarithmic link function</a:t>
+            </a:r>
+          </a:p>
+          <a:p>
+            <a:r>
+              <a:rPr lang="en-US" dirty="0"/>
+              <a:t>Dispersion estimates for each gene</a:t>
+            </a:r>
+          </a:p>
+        </p:txBody>
+      </p:sp>
+      <p:pic>
+        <p:nvPicPr>
+          <p:cNvPr id="8" name="Picture 7" descr="Text, letter&#10;&#10;Description automatically generated">
+            <a:extLst>
+              <a:ext uri="{FF2B5EF4-FFF2-40B4-BE49-F238E27FC236}">
+                <a16:creationId xmlns:a16="http://schemas.microsoft.com/office/drawing/2014/main" id="{8526F3FD-1CEB-F132-8345-7713C6ED70CF}"/>
+              </a:ext>
+            </a:extLst>
+          </p:cNvPr>
+          <p:cNvPicPr>
+            <a:picLocks noChangeAspect="1"/>
+          </p:cNvPicPr>
+          <p:nvPr/>
+        </p:nvPicPr>
+        <p:blipFill>
+          <a:blip r:embed="rId4">
+            <a:extLst>
+              <a:ext uri="{28A0092B-C50C-407E-A947-70E740481C1C}">
+                <a14:useLocalDpi xmlns:a14="http://schemas.microsoft.com/office/drawing/2010/main" val="0"/>
+              </a:ext>
+            </a:extLst>
+          </a:blip>
+          <a:stretch>
+            <a:fillRect/>
+          </a:stretch>
+        </p:blipFill>
+        <p:spPr>
+          <a:xfrm>
+            <a:off x="6548962" y="4114800"/>
+            <a:ext cx="4343400" cy="2197100"/>
+          </a:xfrm>
+          <a:prstGeom prst="rect">
+            <a:avLst/>
+          </a:prstGeom>
+        </p:spPr>
+      </p:pic>
     </p:spTree>
     <p:extLst>
       <p:ext uri="{BB962C8B-B14F-4D97-AF65-F5344CB8AC3E}">
-        <p14:creationId xmlns:p14="http://schemas.microsoft.com/office/powerpoint/2010/main" val="4103673194"/>
+        <p14:creationId xmlns:p14="http://schemas.microsoft.com/office/powerpoint/2010/main" val="3399437386"/>
       </p:ext>
     </p:extLst>
   </p:cSld>

--- a/cpsc445Presentation.pptx
+++ b/cpsc445Presentation.pptx
@@ -5,7 +5,7 @@
     <p:sldMasterId id="2147483648" r:id="rId1"/>
   </p:sldMasterIdLst>
   <p:notesMasterIdLst>
-    <p:notesMasterId r:id="rId13"/>
+    <p:notesMasterId r:id="rId17"/>
   </p:notesMasterIdLst>
   <p:sldIdLst>
     <p:sldId id="256" r:id="rId2"/>
@@ -16,9 +16,13 @@
     <p:sldId id="262" r:id="rId7"/>
     <p:sldId id="265" r:id="rId8"/>
     <p:sldId id="264" r:id="rId9"/>
-    <p:sldId id="266" r:id="rId10"/>
-    <p:sldId id="263" r:id="rId11"/>
-    <p:sldId id="260" r:id="rId12"/>
+    <p:sldId id="267" r:id="rId10"/>
+    <p:sldId id="266" r:id="rId11"/>
+    <p:sldId id="268" r:id="rId12"/>
+    <p:sldId id="263" r:id="rId13"/>
+    <p:sldId id="269" r:id="rId14"/>
+    <p:sldId id="270" r:id="rId15"/>
+    <p:sldId id="260" r:id="rId16"/>
   </p:sldIdLst>
   <p:sldSz cx="12192000" cy="6858000"/>
   <p:notesSz cx="6858000" cy="9144000"/>
@@ -129,12 +133,175 @@
 <p1510:revInfo xmlns:a="http://schemas.openxmlformats.org/drawingml/2006/main" xmlns:r="http://schemas.openxmlformats.org/officeDocument/2006/relationships" xmlns:p1510="http://schemas.microsoft.com/office/powerpoint/2015/10/main">
   <p1510:revLst>
     <p1510:client id="{9476401C-BAA5-4D02-A1DC-E00AD8C7B2E4}" v="1" dt="2023-04-10T22:46:55.160"/>
+    <p1510:client id="{C8F5B3C5-4068-4D12-BCBB-EC280ED188D6}" v="162" dt="2023-04-11T21:36:37.432"/>
   </p1510:revLst>
 </p1510:revInfo>
 </file>
 
 <file path=ppt/changesInfos/changesInfo1.xml><?xml version="1.0" encoding="utf-8"?>
 <pc:chgInfo xmlns:a="http://schemas.openxmlformats.org/drawingml/2006/main" xmlns:r="http://schemas.openxmlformats.org/officeDocument/2006/relationships" xmlns:ac="http://schemas.microsoft.com/office/drawing/2013/main/command" xmlns:pc="http://schemas.microsoft.com/office/powerpoint/2013/main/command">
+  <pc:docChgLst>
+    <pc:chgData name="Zhao Haikun" userId="452556dfea8778ce" providerId="LiveId" clId="{C8F5B3C5-4068-4D12-BCBB-EC280ED188D6}"/>
+    <pc:docChg chg="undo custSel addSld modSld sldOrd">
+      <pc:chgData name="Zhao Haikun" userId="452556dfea8778ce" providerId="LiveId" clId="{C8F5B3C5-4068-4D12-BCBB-EC280ED188D6}" dt="2023-04-11T21:36:37.432" v="173" actId="20577"/>
+      <pc:docMkLst>
+        <pc:docMk/>
+      </pc:docMkLst>
+      <pc:sldChg chg="modSp mod">
+        <pc:chgData name="Zhao Haikun" userId="452556dfea8778ce" providerId="LiveId" clId="{C8F5B3C5-4068-4D12-BCBB-EC280ED188D6}" dt="2023-04-11T21:33:18.604" v="145" actId="27636"/>
+        <pc:sldMkLst>
+          <pc:docMk/>
+          <pc:sldMk cId="4103673194" sldId="263"/>
+        </pc:sldMkLst>
+        <pc:spChg chg="mod">
+          <ac:chgData name="Zhao Haikun" userId="452556dfea8778ce" providerId="LiveId" clId="{C8F5B3C5-4068-4D12-BCBB-EC280ED188D6}" dt="2023-04-11T21:33:18.604" v="145" actId="27636"/>
+          <ac:spMkLst>
+            <pc:docMk/>
+            <pc:sldMk cId="4103673194" sldId="263"/>
+            <ac:spMk id="3" creationId="{D6969797-CD26-1A85-A6DA-7F87F13F1128}"/>
+          </ac:spMkLst>
+        </pc:spChg>
+      </pc:sldChg>
+      <pc:sldChg chg="modSp mod modNotesTx">
+        <pc:chgData name="Zhao Haikun" userId="452556dfea8778ce" providerId="LiveId" clId="{C8F5B3C5-4068-4D12-BCBB-EC280ED188D6}" dt="2023-04-11T21:36:37.432" v="173" actId="20577"/>
+        <pc:sldMkLst>
+          <pc:docMk/>
+          <pc:sldMk cId="2331975794" sldId="264"/>
+        </pc:sldMkLst>
+        <pc:spChg chg="mod">
+          <ac:chgData name="Zhao Haikun" userId="452556dfea8778ce" providerId="LiveId" clId="{C8F5B3C5-4068-4D12-BCBB-EC280ED188D6}" dt="2023-04-11T21:17:25.180" v="0" actId="20577"/>
+          <ac:spMkLst>
+            <pc:docMk/>
+            <pc:sldMk cId="2331975794" sldId="264"/>
+            <ac:spMk id="2" creationId="{E34857E0-4EFA-736F-7C9F-59A4C80672D1}"/>
+          </ac:spMkLst>
+        </pc:spChg>
+        <pc:spChg chg="mod">
+          <ac:chgData name="Zhao Haikun" userId="452556dfea8778ce" providerId="LiveId" clId="{C8F5B3C5-4068-4D12-BCBB-EC280ED188D6}" dt="2023-04-11T21:23:01.112" v="43" actId="20577"/>
+          <ac:spMkLst>
+            <pc:docMk/>
+            <pc:sldMk cId="2331975794" sldId="264"/>
+            <ac:spMk id="3" creationId="{02B125AA-2610-1632-65C1-699553B90C30}"/>
+          </ac:spMkLst>
+        </pc:spChg>
+      </pc:sldChg>
+      <pc:sldChg chg="modSp mod ord modNotesTx">
+        <pc:chgData name="Zhao Haikun" userId="452556dfea8778ce" providerId="LiveId" clId="{C8F5B3C5-4068-4D12-BCBB-EC280ED188D6}" dt="2023-04-11T21:35:28.658" v="157" actId="20577"/>
+        <pc:sldMkLst>
+          <pc:docMk/>
+          <pc:sldMk cId="3399437386" sldId="266"/>
+        </pc:sldMkLst>
+        <pc:spChg chg="mod">
+          <ac:chgData name="Zhao Haikun" userId="452556dfea8778ce" providerId="LiveId" clId="{C8F5B3C5-4068-4D12-BCBB-EC280ED188D6}" dt="2023-04-11T21:34:42.500" v="155" actId="20577"/>
+          <ac:spMkLst>
+            <pc:docMk/>
+            <pc:sldMk cId="3399437386" sldId="266"/>
+            <ac:spMk id="2" creationId="{72EF261C-D26E-8AC5-577D-59EC27EF572E}"/>
+          </ac:spMkLst>
+        </pc:spChg>
+        <pc:spChg chg="mod">
+          <ac:chgData name="Zhao Haikun" userId="452556dfea8778ce" providerId="LiveId" clId="{C8F5B3C5-4068-4D12-BCBB-EC280ED188D6}" dt="2023-04-11T21:34:52.901" v="156" actId="21"/>
+          <ac:spMkLst>
+            <pc:docMk/>
+            <pc:sldMk cId="3399437386" sldId="266"/>
+            <ac:spMk id="6" creationId="{F167BF4C-CC97-8C88-C85B-226C268F28C0}"/>
+          </ac:spMkLst>
+        </pc:spChg>
+      </pc:sldChg>
+      <pc:sldChg chg="modSp new mod modNotesTx">
+        <pc:chgData name="Zhao Haikun" userId="452556dfea8778ce" providerId="LiveId" clId="{C8F5B3C5-4068-4D12-BCBB-EC280ED188D6}" dt="2023-04-11T21:36:15.492" v="169" actId="20577"/>
+        <pc:sldMkLst>
+          <pc:docMk/>
+          <pc:sldMk cId="2300574271" sldId="267"/>
+        </pc:sldMkLst>
+        <pc:spChg chg="mod">
+          <ac:chgData name="Zhao Haikun" userId="452556dfea8778ce" providerId="LiveId" clId="{C8F5B3C5-4068-4D12-BCBB-EC280ED188D6}" dt="2023-04-11T21:21:34.085" v="32"/>
+          <ac:spMkLst>
+            <pc:docMk/>
+            <pc:sldMk cId="2300574271" sldId="267"/>
+            <ac:spMk id="2" creationId="{D484E3FD-EE5C-E1E8-9408-401FA7523D37}"/>
+          </ac:spMkLst>
+        </pc:spChg>
+        <pc:spChg chg="mod">
+          <ac:chgData name="Zhao Haikun" userId="452556dfea8778ce" providerId="LiveId" clId="{C8F5B3C5-4068-4D12-BCBB-EC280ED188D6}" dt="2023-04-11T21:22:16.897" v="41"/>
+          <ac:spMkLst>
+            <pc:docMk/>
+            <pc:sldMk cId="2300574271" sldId="267"/>
+            <ac:spMk id="3" creationId="{911EEAEE-27E9-DAAE-D539-2A0D8704C456}"/>
+          </ac:spMkLst>
+        </pc:spChg>
+      </pc:sldChg>
+      <pc:sldChg chg="modSp new mod modNotesTx">
+        <pc:chgData name="Zhao Haikun" userId="452556dfea8778ce" providerId="LiveId" clId="{C8F5B3C5-4068-4D12-BCBB-EC280ED188D6}" dt="2023-04-11T21:27:31.209" v="114" actId="27636"/>
+        <pc:sldMkLst>
+          <pc:docMk/>
+          <pc:sldMk cId="2362833774" sldId="268"/>
+        </pc:sldMkLst>
+        <pc:spChg chg="mod">
+          <ac:chgData name="Zhao Haikun" userId="452556dfea8778ce" providerId="LiveId" clId="{C8F5B3C5-4068-4D12-BCBB-EC280ED188D6}" dt="2023-04-11T21:27:14.623" v="112" actId="20577"/>
+          <ac:spMkLst>
+            <pc:docMk/>
+            <pc:sldMk cId="2362833774" sldId="268"/>
+            <ac:spMk id="2" creationId="{D2A17CC1-81B7-58D5-909F-E84F8520F6A8}"/>
+          </ac:spMkLst>
+        </pc:spChg>
+        <pc:spChg chg="mod">
+          <ac:chgData name="Zhao Haikun" userId="452556dfea8778ce" providerId="LiveId" clId="{C8F5B3C5-4068-4D12-BCBB-EC280ED188D6}" dt="2023-04-11T21:27:31.209" v="114" actId="27636"/>
+          <ac:spMkLst>
+            <pc:docMk/>
+            <pc:sldMk cId="2362833774" sldId="268"/>
+            <ac:spMk id="3" creationId="{ABFC1F0F-0B9A-A01F-FF9F-9AF27CA0E527}"/>
+          </ac:spMkLst>
+        </pc:spChg>
+      </pc:sldChg>
+      <pc:sldChg chg="modSp new mod">
+        <pc:chgData name="Zhao Haikun" userId="452556dfea8778ce" providerId="LiveId" clId="{C8F5B3C5-4068-4D12-BCBB-EC280ED188D6}" dt="2023-04-11T21:31:49.876" v="131"/>
+        <pc:sldMkLst>
+          <pc:docMk/>
+          <pc:sldMk cId="2198632889" sldId="269"/>
+        </pc:sldMkLst>
+        <pc:spChg chg="mod">
+          <ac:chgData name="Zhao Haikun" userId="452556dfea8778ce" providerId="LiveId" clId="{C8F5B3C5-4068-4D12-BCBB-EC280ED188D6}" dt="2023-04-11T21:31:45.114" v="130" actId="20577"/>
+          <ac:spMkLst>
+            <pc:docMk/>
+            <pc:sldMk cId="2198632889" sldId="269"/>
+            <ac:spMk id="2" creationId="{BF8F45F7-6635-C3F1-111C-A09123B8AE46}"/>
+          </ac:spMkLst>
+        </pc:spChg>
+        <pc:spChg chg="mod">
+          <ac:chgData name="Zhao Haikun" userId="452556dfea8778ce" providerId="LiveId" clId="{C8F5B3C5-4068-4D12-BCBB-EC280ED188D6}" dt="2023-04-11T21:31:49.876" v="131"/>
+          <ac:spMkLst>
+            <pc:docMk/>
+            <pc:sldMk cId="2198632889" sldId="269"/>
+            <ac:spMk id="3" creationId="{2BDAFE44-190D-4A8C-D066-DD88ECCE2F0A}"/>
+          </ac:spMkLst>
+        </pc:spChg>
+      </pc:sldChg>
+      <pc:sldChg chg="modSp new mod">
+        <pc:chgData name="Zhao Haikun" userId="452556dfea8778ce" providerId="LiveId" clId="{C8F5B3C5-4068-4D12-BCBB-EC280ED188D6}" dt="2023-04-11T21:32:53.875" v="143"/>
+        <pc:sldMkLst>
+          <pc:docMk/>
+          <pc:sldMk cId="2534191992" sldId="270"/>
+        </pc:sldMkLst>
+        <pc:spChg chg="mod">
+          <ac:chgData name="Zhao Haikun" userId="452556dfea8778ce" providerId="LiveId" clId="{C8F5B3C5-4068-4D12-BCBB-EC280ED188D6}" dt="2023-04-11T21:32:34.249" v="137" actId="20577"/>
+          <ac:spMkLst>
+            <pc:docMk/>
+            <pc:sldMk cId="2534191992" sldId="270"/>
+            <ac:spMk id="2" creationId="{E49F0AAC-D39D-8D0F-097A-0383B629530E}"/>
+          </ac:spMkLst>
+        </pc:spChg>
+        <pc:spChg chg="mod">
+          <ac:chgData name="Zhao Haikun" userId="452556dfea8778ce" providerId="LiveId" clId="{C8F5B3C5-4068-4D12-BCBB-EC280ED188D6}" dt="2023-04-11T21:32:53.875" v="143"/>
+          <ac:spMkLst>
+            <pc:docMk/>
+            <pc:sldMk cId="2534191992" sldId="270"/>
+            <ac:spMk id="3" creationId="{AE249F84-1C34-4181-7D2A-A17317BEB7FF}"/>
+          </ac:spMkLst>
+        </pc:spChg>
+      </pc:sldChg>
+    </pc:docChg>
+  </pc:docChgLst>
   <pc:docChgLst>
     <pc:chgData name="Anthony Lopes" userId="8a3648614b5352e2" providerId="LiveId" clId="{9476401C-BAA5-4D02-A1DC-E00AD8C7B2E4}"/>
     <pc:docChg chg="custSel modSld">
@@ -283,7 +450,7 @@
           <a:p>
             <a:fld id="{17678552-9710-40DD-AA4F-1C19A533D258}" type="datetimeFigureOut">
               <a:rPr lang="en-US" smtClean="0"/>
-              <a:t>4/11/23</a:t>
+              <a:t>4/11/2023</a:t>
             </a:fld>
             <a:endParaRPr lang="en-US"/>
           </a:p>
@@ -658,6 +825,261 @@
 </p:notes>
 </file>
 
+<file path=ppt/notesSlides/notesSlide10.xml><?xml version="1.0" encoding="utf-8"?>
+<p:notes xmlns:a="http://schemas.openxmlformats.org/drawingml/2006/main" xmlns:r="http://schemas.openxmlformats.org/officeDocument/2006/relationships" xmlns:p="http://schemas.openxmlformats.org/presentationml/2006/main">
+  <p:cSld>
+    <p:spTree>
+      <p:nvGrpSpPr>
+        <p:cNvPr id="1" name=""/>
+        <p:cNvGrpSpPr/>
+        <p:nvPr/>
+      </p:nvGrpSpPr>
+      <p:grpSpPr>
+        <a:xfrm>
+          <a:off x="0" y="0"/>
+          <a:ext cx="0" cy="0"/>
+          <a:chOff x="0" y="0"/>
+          <a:chExt cx="0" cy="0"/>
+        </a:xfrm>
+      </p:grpSpPr>
+      <p:sp>
+        <p:nvSpPr>
+          <p:cNvPr id="2" name="Slide Image Placeholder 1"/>
+          <p:cNvSpPr>
+            <a:spLocks noGrp="1" noRot="1" noChangeAspect="1"/>
+          </p:cNvSpPr>
+          <p:nvPr>
+            <p:ph type="sldImg"/>
+          </p:nvPr>
+        </p:nvSpPr>
+        <p:spPr/>
+      </p:sp>
+      <p:sp>
+        <p:nvSpPr>
+          <p:cNvPr id="3" name="Notes Placeholder 2"/>
+          <p:cNvSpPr>
+            <a:spLocks noGrp="1"/>
+          </p:cNvSpPr>
+          <p:nvPr>
+            <p:ph type="body" idx="1"/>
+          </p:nvPr>
+        </p:nvSpPr>
+        <p:spPr/>
+        <p:txBody>
+          <a:bodyPr/>
+          <a:lstStyle/>
+          <a:p>
+            <a:r>
+              <a:rPr lang="en-US" dirty="0"/>
+              <a:t>One important characteristic of </a:t>
+            </a:r>
+            <a:r>
+              <a:rPr lang="en-US" dirty="0" err="1"/>
+              <a:t>scRNA</a:t>
+            </a:r>
+            <a:r>
+              <a:rPr lang="en-US" dirty="0"/>
+              <a:t>-seq data that feeds into all these challenges is a phenomenon called “dropout”, where a gene is observed at a low or moderate expression level in one cell but is not detected in another cell of the same cell type</a:t>
+            </a:r>
+          </a:p>
+          <a:p>
+            <a:endParaRPr lang="en-US" dirty="0"/>
+          </a:p>
+          <a:p>
+            <a:r>
+              <a:rPr lang="en-US" dirty="0"/>
+              <a:t>SENSITIVITY: </a:t>
+            </a:r>
+            <a:r>
+              <a:rPr lang="en-US" b="1" dirty="0"/>
+              <a:t>TP/TP+FN, </a:t>
+            </a:r>
+            <a:r>
+              <a:rPr lang="en-US" dirty="0"/>
+              <a:t>probability that an actual positive will test positive</a:t>
+            </a:r>
+          </a:p>
+          <a:p>
+            <a:r>
+              <a:rPr lang="en-US" dirty="0"/>
+              <a:t>PRECISION: </a:t>
+            </a:r>
+            <a:r>
+              <a:rPr lang="en-US" b="1" dirty="0"/>
+              <a:t>TP/TP+FP, </a:t>
+            </a:r>
+            <a:r>
+              <a:rPr lang="en-US" i="0" dirty="0"/>
+              <a:t>proportion of cases giving positive test results amongst those labeled as positive</a:t>
+            </a:r>
+          </a:p>
+        </p:txBody>
+      </p:sp>
+      <p:sp>
+        <p:nvSpPr>
+          <p:cNvPr id="4" name="Slide Number Placeholder 3"/>
+          <p:cNvSpPr>
+            <a:spLocks noGrp="1"/>
+          </p:cNvSpPr>
+          <p:nvPr>
+            <p:ph type="sldNum" sz="quarter" idx="5"/>
+          </p:nvPr>
+        </p:nvSpPr>
+        <p:spPr/>
+        <p:txBody>
+          <a:bodyPr/>
+          <a:lstStyle/>
+          <a:p>
+            <a:fld id="{737E5D9D-0919-4671-9372-089DE9AECB2C}" type="slidenum">
+              <a:rPr lang="en-US" smtClean="0"/>
+              <a:t>12</a:t>
+            </a:fld>
+            <a:endParaRPr lang="en-US"/>
+          </a:p>
+        </p:txBody>
+      </p:sp>
+    </p:spTree>
+    <p:extLst>
+      <p:ext uri="{BB962C8B-B14F-4D97-AF65-F5344CB8AC3E}">
+        <p14:creationId xmlns:p14="http://schemas.microsoft.com/office/powerpoint/2010/main" val="1506489482"/>
+      </p:ext>
+    </p:extLst>
+  </p:cSld>
+  <p:clrMapOvr>
+    <a:masterClrMapping/>
+  </p:clrMapOvr>
+</p:notes>
+</file>
+
+<file path=ppt/notesSlides/notesSlide11.xml><?xml version="1.0" encoding="utf-8"?>
+<p:notes xmlns:a="http://schemas.openxmlformats.org/drawingml/2006/main" xmlns:r="http://schemas.openxmlformats.org/officeDocument/2006/relationships" xmlns:p="http://schemas.openxmlformats.org/presentationml/2006/main">
+  <p:cSld>
+    <p:spTree>
+      <p:nvGrpSpPr>
+        <p:cNvPr id="1" name=""/>
+        <p:cNvGrpSpPr/>
+        <p:nvPr/>
+      </p:nvGrpSpPr>
+      <p:grpSpPr>
+        <a:xfrm>
+          <a:off x="0" y="0"/>
+          <a:ext cx="0" cy="0"/>
+          <a:chOff x="0" y="0"/>
+          <a:chExt cx="0" cy="0"/>
+        </a:xfrm>
+      </p:grpSpPr>
+      <p:sp>
+        <p:nvSpPr>
+          <p:cNvPr id="2" name="Slide Image Placeholder 1"/>
+          <p:cNvSpPr>
+            <a:spLocks noGrp="1" noRot="1" noChangeAspect="1"/>
+          </p:cNvSpPr>
+          <p:nvPr>
+            <p:ph type="sldImg"/>
+          </p:nvPr>
+        </p:nvSpPr>
+        <p:spPr/>
+      </p:sp>
+      <p:sp>
+        <p:nvSpPr>
+          <p:cNvPr id="3" name="Notes Placeholder 2"/>
+          <p:cNvSpPr>
+            <a:spLocks noGrp="1"/>
+          </p:cNvSpPr>
+          <p:nvPr>
+            <p:ph type="body" idx="1"/>
+          </p:nvPr>
+        </p:nvSpPr>
+        <p:spPr/>
+        <p:txBody>
+          <a:bodyPr/>
+          <a:lstStyle/>
+          <a:p>
+            <a:pPr marL="285750" indent="-285750">
+              <a:buFontTx/>
+              <a:buChar char="-"/>
+            </a:pPr>
+            <a:r>
+              <a:rPr lang="en-US" sz="1800" dirty="0">
+                <a:effectLst/>
+                <a:latin typeface="Calibri" panose="020F0502020204030204" pitchFamily="34" charset="0"/>
+                <a:ea typeface="Calibri" panose="020F0502020204030204" pitchFamily="34" charset="0"/>
+                <a:cs typeface="Times New Roman" panose="02020603050405020304" pitchFamily="18" charset="0"/>
+              </a:rPr>
+              <a:t>Altogether, these results contribute to the wholistic understanding of cell-type and organ specific differences in Crohn’s disease and therefore elude to potential directions for therapeutic development.</a:t>
+            </a:r>
+          </a:p>
+          <a:p>
+            <a:pPr marL="171450" indent="-171450">
+              <a:buFontTx/>
+              <a:buChar char="-"/>
+            </a:pPr>
+            <a:r>
+              <a:rPr lang="en-US" b="0" i="0" dirty="0">
+                <a:solidFill>
+                  <a:srgbClr val="D1D5DB"/>
+                </a:solidFill>
+                <a:effectLst/>
+                <a:latin typeface="Söhne"/>
+              </a:rPr>
+              <a:t>Myofibroblasts are specialized cells that are involved in wound healing, tissue repair, and tissue remodeling</a:t>
+            </a:r>
+          </a:p>
+          <a:p>
+            <a:pPr marL="171450" indent="-171450">
+              <a:buFontTx/>
+              <a:buChar char="-"/>
+            </a:pPr>
+            <a:r>
+              <a:rPr lang="en-US" b="0" i="0" dirty="0">
+                <a:solidFill>
+                  <a:srgbClr val="2E2E2E"/>
+                </a:solidFill>
+                <a:effectLst/>
+                <a:latin typeface="ElsevierGulliver"/>
+              </a:rPr>
+              <a:t>These genes may therefore be involved in CD-related fibrotic strictures and suggest novel therapeutic hypotheses for the management of this complication</a:t>
+            </a:r>
+            <a:endParaRPr lang="en-US" dirty="0"/>
+          </a:p>
+        </p:txBody>
+      </p:sp>
+      <p:sp>
+        <p:nvSpPr>
+          <p:cNvPr id="4" name="Slide Number Placeholder 3"/>
+          <p:cNvSpPr>
+            <a:spLocks noGrp="1"/>
+          </p:cNvSpPr>
+          <p:nvPr>
+            <p:ph type="sldNum" sz="quarter" idx="5"/>
+          </p:nvPr>
+        </p:nvSpPr>
+        <p:spPr/>
+        <p:txBody>
+          <a:bodyPr/>
+          <a:lstStyle/>
+          <a:p>
+            <a:fld id="{737E5D9D-0919-4671-9372-089DE9AECB2C}" type="slidenum">
+              <a:rPr lang="en-US" smtClean="0"/>
+              <a:t>15</a:t>
+            </a:fld>
+            <a:endParaRPr lang="en-US"/>
+          </a:p>
+        </p:txBody>
+      </p:sp>
+    </p:spTree>
+    <p:extLst>
+      <p:ext uri="{BB962C8B-B14F-4D97-AF65-F5344CB8AC3E}">
+        <p14:creationId xmlns:p14="http://schemas.microsoft.com/office/powerpoint/2010/main" val="190068649"/>
+      </p:ext>
+    </p:extLst>
+  </p:cSld>
+  <p:clrMapOvr>
+    <a:masterClrMapping/>
+  </p:clrMapOvr>
+</p:notes>
+</file>
+
 <file path=ppt/notesSlides/notesSlide2.xml><?xml version="1.0" encoding="utf-8"?>
 <p:notes xmlns:a="http://schemas.openxmlformats.org/drawingml/2006/main" xmlns:r="http://schemas.openxmlformats.org/officeDocument/2006/relationships" xmlns:p="http://schemas.openxmlformats.org/presentationml/2006/main">
   <p:cSld>
@@ -1170,21 +1592,47 @@
           <a:lstStyle/>
           <a:p>
             <a:r>
-              <a:rPr lang="en-US" dirty="0"/>
-              <a:t>Fold change: is a measure describing how much a quantity changes between an original and a subsequent measurement. </a:t>
-            </a:r>
-          </a:p>
-          <a:p>
-            <a:r>
-              <a:rPr lang="en-US" dirty="0"/>
-              <a:t>Dispersion: parameter that Love et al. developed – biological variability between samples</a:t>
-            </a:r>
-          </a:p>
-          <a:p>
-            <a:r>
-              <a:rPr lang="en-US" dirty="0"/>
-              <a:t>- The dispersion parameter links the variance and mean of the count for the negative binomial distribution.</a:t>
-            </a:r>
+              <a:rPr lang="en-US" b="0" i="0" dirty="0">
+                <a:solidFill>
+                  <a:srgbClr val="D1D5DB"/>
+                </a:solidFill>
+                <a:effectLst/>
+                <a:latin typeface="Söhne"/>
+              </a:rPr>
+              <a:t>GLMs: Generalize ordinary linear regression by relating the linear model to the response variables via a </a:t>
+            </a:r>
+            <a:r>
+              <a:rPr lang="en-US" b="0" i="0">
+                <a:solidFill>
+                  <a:srgbClr val="D1D5DB"/>
+                </a:solidFill>
+                <a:effectLst/>
+                <a:latin typeface="Söhne"/>
+              </a:rPr>
+              <a:t>link function</a:t>
+            </a:r>
+          </a:p>
+          <a:p>
+            <a:endParaRPr lang="en-US" b="0" i="0" dirty="0">
+              <a:solidFill>
+                <a:srgbClr val="D1D5DB"/>
+              </a:solidFill>
+              <a:effectLst/>
+              <a:latin typeface="Söhne"/>
+            </a:endParaRPr>
+          </a:p>
+          <a:p>
+            <a:r>
+              <a:rPr lang="en-US" b="0" i="0" dirty="0">
+                <a:solidFill>
+                  <a:srgbClr val="D1D5DB"/>
+                </a:solidFill>
+                <a:effectLst/>
+                <a:latin typeface="Söhne"/>
+              </a:rPr>
+              <a:t>Extend the linear model to accommodate non-normal response variables</a:t>
+            </a:r>
+            <a:endParaRPr lang="en-US" dirty="0"/>
           </a:p>
         </p:txBody>
       </p:sp>
@@ -1270,58 +1718,85 @@
           <a:p>
             <a:r>
               <a:rPr lang="en-US" dirty="0"/>
-              <a:t>X: </a:t>
+              <a:t>Normalization: DESeq2 uses a normalization method based on the assumption that the majority of genes are not differentially expressed. It calculates size factors to adjust for library size differences between samples, ensuring accurate comparisons of gene expression levels.</a:t>
+            </a:r>
+          </a:p>
+          <a:p>
+            <a:endParaRPr lang="en-US" dirty="0"/>
+          </a:p>
+          <a:p>
+            <a:r>
+              <a:rPr lang="en-US" dirty="0"/>
+              <a:t>Dispersion estimation: DESeq2 estimates the dispersion of count data, which represents the biological variability among replicates. This is essential for identifying DEGs while minimizing false positives.</a:t>
+            </a:r>
+          </a:p>
+          <a:p>
+            <a:endParaRPr lang="en-US" dirty="0"/>
+          </a:p>
+          <a:p>
+            <a:pPr marL="0" marR="0" lvl="0" indent="0" algn="l" defTabSz="914400" rtl="0" eaLnBrk="1" fontAlgn="auto" latinLnBrk="0" hangingPunct="1">
+              <a:lnSpc>
+                <a:spcPct val="100000"/>
+              </a:lnSpc>
+              <a:spcBef>
+                <a:spcPts val="0"/>
+              </a:spcBef>
+              <a:spcAft>
+                <a:spcPts val="0"/>
+              </a:spcAft>
+              <a:buClrTx/>
+              <a:buSzTx/>
+              <a:buFontTx/>
+              <a:buNone/>
+              <a:tabLst/>
+              <a:defRPr/>
+            </a:pPr>
+            <a:r>
+              <a:rPr lang="en-US" dirty="0"/>
+              <a:t>Dispersion: parameter that Love et al. developed – biological variability between samples - The dispersion parameter links the variance and mean of the count for the negative binomial distribution.</a:t>
+            </a:r>
+          </a:p>
+          <a:p>
+            <a:endParaRPr lang="en-US" dirty="0"/>
+          </a:p>
+          <a:p>
+            <a:r>
+              <a:rPr lang="en-US" dirty="0"/>
+              <a:t>Differential expression analysis: DESeq2 fits a negative binomial generalized linear model to the count data and tests for differential expression using the Wald test or the likelihood ratio test. It provides log2 fold changes, p-values, and adjusted p-values (using the </a:t>
             </a:r>
             <a:r>
               <a:rPr lang="en-US" dirty="0" err="1"/>
-              <a:t>covriates</a:t>
-            </a:r>
-            <a:r>
-              <a:rPr lang="en-US" dirty="0"/>
-              <a:t> (i.e., the elements in design matrix)</a:t>
+              <a:t>Benjamini</a:t>
+            </a:r>
+            <a:r>
+              <a:rPr lang="en-US" dirty="0"/>
+              <a:t>-Hochberg procedure) to control for false discovery rates.</a:t>
             </a:r>
           </a:p>
           <a:p>
             <a:endParaRPr lang="en-US" dirty="0"/>
           </a:p>
           <a:p>
-            <a:r>
-              <a:rPr lang="en-US" dirty="0"/>
-              <a:t>a </a:t>
-            </a:r>
-            <a:r>
-              <a:rPr lang="en-US" b="1" dirty="0"/>
-              <a:t>generalized linear model</a:t>
-            </a:r>
-            <a:r>
-              <a:rPr lang="en-US" dirty="0"/>
-              <a:t> (</a:t>
-            </a:r>
-            <a:r>
-              <a:rPr lang="en-US" b="1" dirty="0"/>
-              <a:t>GLM</a:t>
-            </a:r>
-            <a:r>
-              <a:rPr lang="en-US" dirty="0"/>
-              <a:t>) is a flexible generalization of ordinary </a:t>
-            </a:r>
-            <a:r>
-              <a:rPr lang="en-US" dirty="0">
-                <a:hlinkClick r:id="rId3" tooltip="Linear regression"/>
-              </a:rPr>
-              <a:t>linear regression</a:t>
-            </a:r>
-            <a:r>
-              <a:rPr lang="en-US" dirty="0"/>
-              <a:t>. The GLM generalizes linear regression by allowing the linear model to be related to the response variable via a </a:t>
-            </a:r>
-            <a:r>
-              <a:rPr lang="en-US" i="1" dirty="0"/>
-              <a:t>link function</a:t>
-            </a:r>
-            <a:r>
-              <a:rPr lang="en-US" dirty="0"/>
-              <a:t> and by allowing the magnitude of the variance of each measurement to be a function of its predicted value. </a:t>
+            <a:pPr marL="0" marR="0" lvl="0" indent="0" algn="l" defTabSz="914400" rtl="0" eaLnBrk="1" fontAlgn="auto" latinLnBrk="0" hangingPunct="1">
+              <a:lnSpc>
+                <a:spcPct val="100000"/>
+              </a:lnSpc>
+              <a:spcBef>
+                <a:spcPts val="0"/>
+              </a:spcBef>
+              <a:spcAft>
+                <a:spcPts val="0"/>
+              </a:spcAft>
+              <a:buClrTx/>
+              <a:buSzTx/>
+              <a:buFontTx/>
+              <a:buNone/>
+              <a:tabLst/>
+              <a:defRPr/>
+            </a:pPr>
+            <a:r>
+              <a:rPr lang="en-US" dirty="0"/>
+              <a:t>Fold change: is a measure describing how much a quantity changes between an original and a subsequent measurement. </a:t>
             </a:r>
           </a:p>
           <a:p>
@@ -1330,8 +1805,11 @@
           <a:p>
             <a:r>
               <a:rPr lang="en-US" dirty="0"/>
-              <a:t>ESTIMATING DISPERSION: First, fit negative binomial GLM with the count data &gt; obtain fitted values for mu, and then maximize the “Cox-Reid adjusted likelihood of dispersion” to obtain alpha</a:t>
-            </a:r>
+              <a:t>Result visualization: DESeq2 offers various visualization options, including MA plots, volcano plots, and heatmaps, to facilitate the interpretation and presentation of differential expression results.</a:t>
+            </a:r>
+          </a:p>
+          <a:p>
+            <a:endParaRPr lang="en-US" dirty="0"/>
           </a:p>
         </p:txBody>
       </p:sp>
@@ -1361,7 +1839,7 @@
     </p:spTree>
     <p:extLst>
       <p:ext uri="{BB962C8B-B14F-4D97-AF65-F5344CB8AC3E}">
-        <p14:creationId xmlns:p14="http://schemas.microsoft.com/office/powerpoint/2010/main" val="1063308843"/>
+        <p14:creationId xmlns:p14="http://schemas.microsoft.com/office/powerpoint/2010/main" val="3733465719"/>
       </p:ext>
     </p:extLst>
   </p:cSld>
@@ -1417,15 +1895,7 @@
           <a:p>
             <a:r>
               <a:rPr lang="en-US" dirty="0"/>
-              <a:t>One important characteristic of </a:t>
-            </a:r>
-            <a:r>
-              <a:rPr lang="en-US" dirty="0" err="1"/>
-              <a:t>scRNA</a:t>
-            </a:r>
-            <a:r>
-              <a:rPr lang="en-US" dirty="0"/>
-              <a:t>-seq data that feeds into all these challenges is a phenomenon called “dropout”, where a gene is observed at a low or moderate expression level in one cell but is not detected in another cell of the same cell type</a:t>
+              <a:t>X: covariates (i.e., the elements in design matrix)</a:t>
             </a:r>
           </a:p>
           <a:p>
@@ -1434,29 +1904,7 @@
           <a:p>
             <a:r>
               <a:rPr lang="en-US" dirty="0"/>
-              <a:t>SENSITIVITY: </a:t>
-            </a:r>
-            <a:r>
-              <a:rPr lang="en-US" b="1" dirty="0"/>
-              <a:t>TP/TP+FN, </a:t>
-            </a:r>
-            <a:r>
-              <a:rPr lang="en-US" dirty="0"/>
-              <a:t>probability that an actual positive will test positive</a:t>
-            </a:r>
-          </a:p>
-          <a:p>
-            <a:r>
-              <a:rPr lang="en-US" dirty="0"/>
-              <a:t>PRECISION: </a:t>
-            </a:r>
-            <a:r>
-              <a:rPr lang="en-US" b="1" dirty="0"/>
-              <a:t>TP/TP+FP, </a:t>
-            </a:r>
-            <a:r>
-              <a:rPr lang="en-US" i="0" dirty="0"/>
-              <a:t>proportion of cases giving positive test results amongst those labeled as positive</a:t>
+              <a:t>ESTIMATING DISPERSION: First, fit negative binomial GLM with the count data &gt; obtain fitted values for mu, and then maximize the “Cox-Reid adjusted likelihood of dispersion” to obtain alpha</a:t>
             </a:r>
           </a:p>
         </p:txBody>
@@ -1487,7 +1935,7 @@
     </p:spTree>
     <p:extLst>
       <p:ext uri="{BB962C8B-B14F-4D97-AF65-F5344CB8AC3E}">
-        <p14:creationId xmlns:p14="http://schemas.microsoft.com/office/powerpoint/2010/main" val="1506489482"/>
+        <p14:creationId xmlns:p14="http://schemas.microsoft.com/office/powerpoint/2010/main" val="1063308843"/>
       </p:ext>
     </p:extLst>
   </p:cSld>
@@ -1541,51 +1989,6 @@
           <a:bodyPr/>
           <a:lstStyle/>
           <a:p>
-            <a:pPr marL="285750" indent="-285750">
-              <a:buFontTx/>
-              <a:buChar char="-"/>
-            </a:pPr>
-            <a:r>
-              <a:rPr lang="en-US" sz="1800" dirty="0">
-                <a:effectLst/>
-                <a:latin typeface="Calibri" panose="020F0502020204030204" pitchFamily="34" charset="0"/>
-                <a:ea typeface="Calibri" panose="020F0502020204030204" pitchFamily="34" charset="0"/>
-                <a:cs typeface="Times New Roman" panose="02020603050405020304" pitchFamily="18" charset="0"/>
-              </a:rPr>
-              <a:t>Altogether, these results contribute to the wholistic understanding of cell-type and organ specific differences in Crohn’s disease and therefore elude to potential directions for therapeutic development.</a:t>
-            </a:r>
-          </a:p>
-          <a:p>
-            <a:pPr marL="171450" indent="-171450">
-              <a:buFontTx/>
-              <a:buChar char="-"/>
-            </a:pPr>
-            <a:r>
-              <a:rPr lang="en-US" b="0" i="0" dirty="0">
-                <a:solidFill>
-                  <a:srgbClr val="D1D5DB"/>
-                </a:solidFill>
-                <a:effectLst/>
-                <a:latin typeface="Söhne"/>
-              </a:rPr>
-              <a:t>Myofibroblasts are specialized cells that are involved in wound healing, tissue repair, and tissue remodeling</a:t>
-            </a:r>
-          </a:p>
-          <a:p>
-            <a:pPr marL="171450" indent="-171450">
-              <a:buFontTx/>
-              <a:buChar char="-"/>
-            </a:pPr>
-            <a:r>
-              <a:rPr lang="en-US" b="0" i="0" dirty="0">
-                <a:solidFill>
-                  <a:srgbClr val="2E2E2E"/>
-                </a:solidFill>
-                <a:effectLst/>
-                <a:latin typeface="ElsevierGulliver"/>
-              </a:rPr>
-              <a:t>These genes may therefore be involved in CD-related fibrotic strictures and suggest novel therapeutic hypotheses for the management of this complication</a:t>
-            </a:r>
             <a:endParaRPr lang="en-US" dirty="0"/>
           </a:p>
         </p:txBody>
@@ -1616,7 +2019,7 @@
     </p:spTree>
     <p:extLst>
       <p:ext uri="{BB962C8B-B14F-4D97-AF65-F5344CB8AC3E}">
-        <p14:creationId xmlns:p14="http://schemas.microsoft.com/office/powerpoint/2010/main" val="190068649"/>
+        <p14:creationId xmlns:p14="http://schemas.microsoft.com/office/powerpoint/2010/main" val="3012503803"/>
       </p:ext>
     </p:extLst>
   </p:cSld>
@@ -1773,7 +2176,7 @@
           <a:p>
             <a:fld id="{A1FC91CF-9A89-433F-9326-CEE970F8374B}" type="datetimeFigureOut">
               <a:rPr lang="en-US" smtClean="0"/>
-              <a:t>4/11/23</a:t>
+              <a:t>4/11/2023</a:t>
             </a:fld>
             <a:endParaRPr lang="en-US"/>
           </a:p>
@@ -1971,7 +2374,7 @@
           <a:p>
             <a:fld id="{A1FC91CF-9A89-433F-9326-CEE970F8374B}" type="datetimeFigureOut">
               <a:rPr lang="en-US" smtClean="0"/>
-              <a:t>4/11/23</a:t>
+              <a:t>4/11/2023</a:t>
             </a:fld>
             <a:endParaRPr lang="en-US"/>
           </a:p>
@@ -2179,7 +2582,7 @@
           <a:p>
             <a:fld id="{A1FC91CF-9A89-433F-9326-CEE970F8374B}" type="datetimeFigureOut">
               <a:rPr lang="en-US" smtClean="0"/>
-              <a:t>4/11/23</a:t>
+              <a:t>4/11/2023</a:t>
             </a:fld>
             <a:endParaRPr lang="en-US"/>
           </a:p>
@@ -2377,7 +2780,7 @@
           <a:p>
             <a:fld id="{A1FC91CF-9A89-433F-9326-CEE970F8374B}" type="datetimeFigureOut">
               <a:rPr lang="en-US" smtClean="0"/>
-              <a:t>4/11/23</a:t>
+              <a:t>4/11/2023</a:t>
             </a:fld>
             <a:endParaRPr lang="en-US"/>
           </a:p>
@@ -2652,7 +3055,7 @@
           <a:p>
             <a:fld id="{A1FC91CF-9A89-433F-9326-CEE970F8374B}" type="datetimeFigureOut">
               <a:rPr lang="en-US" smtClean="0"/>
-              <a:t>4/11/23</a:t>
+              <a:t>4/11/2023</a:t>
             </a:fld>
             <a:endParaRPr lang="en-US"/>
           </a:p>
@@ -2917,7 +3320,7 @@
           <a:p>
             <a:fld id="{A1FC91CF-9A89-433F-9326-CEE970F8374B}" type="datetimeFigureOut">
               <a:rPr lang="en-US" smtClean="0"/>
-              <a:t>4/11/23</a:t>
+              <a:t>4/11/2023</a:t>
             </a:fld>
             <a:endParaRPr lang="en-US"/>
           </a:p>
@@ -3329,7 +3732,7 @@
           <a:p>
             <a:fld id="{A1FC91CF-9A89-433F-9326-CEE970F8374B}" type="datetimeFigureOut">
               <a:rPr lang="en-US" smtClean="0"/>
-              <a:t>4/11/23</a:t>
+              <a:t>4/11/2023</a:t>
             </a:fld>
             <a:endParaRPr lang="en-US"/>
           </a:p>
@@ -3470,7 +3873,7 @@
           <a:p>
             <a:fld id="{A1FC91CF-9A89-433F-9326-CEE970F8374B}" type="datetimeFigureOut">
               <a:rPr lang="en-US" smtClean="0"/>
-              <a:t>4/11/23</a:t>
+              <a:t>4/11/2023</a:t>
             </a:fld>
             <a:endParaRPr lang="en-US"/>
           </a:p>
@@ -3583,7 +3986,7 @@
           <a:p>
             <a:fld id="{A1FC91CF-9A89-433F-9326-CEE970F8374B}" type="datetimeFigureOut">
               <a:rPr lang="en-US" smtClean="0"/>
-              <a:t>4/11/23</a:t>
+              <a:t>4/11/2023</a:t>
             </a:fld>
             <a:endParaRPr lang="en-US"/>
           </a:p>
@@ -3894,7 +4297,7 @@
           <a:p>
             <a:fld id="{A1FC91CF-9A89-433F-9326-CEE970F8374B}" type="datetimeFigureOut">
               <a:rPr lang="en-US" smtClean="0"/>
-              <a:t>4/11/23</a:t>
+              <a:t>4/11/2023</a:t>
             </a:fld>
             <a:endParaRPr lang="en-US"/>
           </a:p>
@@ -4182,7 +4585,7 @@
           <a:p>
             <a:fld id="{A1FC91CF-9A89-433F-9326-CEE970F8374B}" type="datetimeFigureOut">
               <a:rPr lang="en-US" smtClean="0"/>
-              <a:t>4/11/23</a:t>
+              <a:t>4/11/2023</a:t>
             </a:fld>
             <a:endParaRPr lang="en-US"/>
           </a:p>
@@ -4423,7 +4826,7 @@
           <a:p>
             <a:fld id="{A1FC91CF-9A89-433F-9326-CEE970F8374B}" type="datetimeFigureOut">
               <a:rPr lang="en-US" smtClean="0"/>
-              <a:t>4/11/23</a:t>
+              <a:t>4/11/2023</a:t>
             </a:fld>
             <a:endParaRPr lang="en-US"/>
           </a:p>
@@ -4946,7 +5349,7 @@
           <p:cNvPr id="2" name="Title 1">
             <a:extLst>
               <a:ext uri="{FF2B5EF4-FFF2-40B4-BE49-F238E27FC236}">
-                <a16:creationId xmlns:a16="http://schemas.microsoft.com/office/drawing/2014/main" id="{E555A222-B23D-6A34-6423-EBE10D0A12C1}"/>
+                <a16:creationId xmlns:a16="http://schemas.microsoft.com/office/drawing/2014/main" id="{72EF261C-D26E-8AC5-577D-59EC27EF572E}"/>
               </a:ext>
             </a:extLst>
           </p:cNvPr>
@@ -4964,1579 +5367,7 @@
           <a:p>
             <a:r>
               <a:rPr lang="en-US" dirty="0"/>
-              <a:t>MAST vs. DESeq2</a:t>
-            </a:r>
-          </a:p>
-        </p:txBody>
-      </p:sp>
-      <p:sp>
-        <p:nvSpPr>
-          <p:cNvPr id="3" name="Content Placeholder 2">
-            <a:extLst>
-              <a:ext uri="{FF2B5EF4-FFF2-40B4-BE49-F238E27FC236}">
-                <a16:creationId xmlns:a16="http://schemas.microsoft.com/office/drawing/2014/main" id="{D6969797-CD26-1A85-A6DA-7F87F13F1128}"/>
-              </a:ext>
-            </a:extLst>
-          </p:cNvPr>
-          <p:cNvSpPr>
-            <a:spLocks noGrp="1"/>
-          </p:cNvSpPr>
-          <p:nvPr>
-            <p:ph idx="1"/>
-          </p:nvPr>
-        </p:nvSpPr>
-        <p:spPr/>
-        <p:txBody>
-          <a:bodyPr>
-            <a:normAutofit lnSpcReduction="10000"/>
-          </a:bodyPr>
-          <a:lstStyle/>
-          <a:p>
-            <a:r>
-              <a:rPr lang="en-US" dirty="0"/>
-              <a:t>MAST particularly good at handling ”dropouts” and high variability </a:t>
-            </a:r>
-          </a:p>
-          <a:p>
-            <a:pPr lvl="1"/>
-            <a:r>
-              <a:rPr lang="en-US" dirty="0"/>
-              <a:t>DESeq2 originally designed for bulk RNA-seq, so not great in this regard</a:t>
-            </a:r>
-          </a:p>
-          <a:p>
-            <a:r>
-              <a:rPr lang="en-US" dirty="0"/>
-              <a:t>Both MAST and DESeq2 allow for easy expansion of covariates</a:t>
-            </a:r>
-          </a:p>
-          <a:p>
-            <a:r>
-              <a:rPr lang="en-US" dirty="0"/>
-              <a:t>MAST does not account for dispersion</a:t>
-            </a:r>
-          </a:p>
-          <a:p>
-            <a:r>
-              <a:rPr lang="en-US" dirty="0"/>
-              <a:t>Wang et al. (2019) – Comparative analysis of DE tools</a:t>
-            </a:r>
-          </a:p>
-          <a:p>
-            <a:pPr lvl="1"/>
-            <a:r>
-              <a:rPr lang="en-US" dirty="0"/>
-              <a:t>Trade-off between sensitivity and precision</a:t>
-            </a:r>
-          </a:p>
-          <a:p>
-            <a:pPr lvl="1"/>
-            <a:r>
-              <a:rPr lang="en-US" dirty="0"/>
-              <a:t>MAST has high precision but low sensitivity; DESeq2 more balanced</a:t>
-            </a:r>
-          </a:p>
-          <a:p>
-            <a:endParaRPr lang="en-US" dirty="0"/>
-          </a:p>
-          <a:p>
-            <a:r>
-              <a:rPr lang="en-US" dirty="0"/>
-              <a:t>We expect that DESeq2 will not identify as many up-regulated or down-regulated genes across healthy vs. inflamed</a:t>
-            </a:r>
-          </a:p>
-        </p:txBody>
-      </p:sp>
-    </p:spTree>
-    <p:extLst>
-      <p:ext uri="{BB962C8B-B14F-4D97-AF65-F5344CB8AC3E}">
-        <p14:creationId xmlns:p14="http://schemas.microsoft.com/office/powerpoint/2010/main" val="4103673194"/>
-      </p:ext>
-    </p:extLst>
-  </p:cSld>
-  <p:clrMapOvr>
-    <a:masterClrMapping/>
-  </p:clrMapOvr>
-</p:sld>
-</file>
-
-<file path=ppt/slides/slide11.xml><?xml version="1.0" encoding="utf-8"?>
-<p:sld xmlns:a="http://schemas.openxmlformats.org/drawingml/2006/main" xmlns:r="http://schemas.openxmlformats.org/officeDocument/2006/relationships" xmlns:p="http://schemas.openxmlformats.org/presentationml/2006/main">
-  <p:cSld>
-    <p:spTree>
-      <p:nvGrpSpPr>
-        <p:cNvPr id="1" name=""/>
-        <p:cNvGrpSpPr/>
-        <p:nvPr/>
-      </p:nvGrpSpPr>
-      <p:grpSpPr>
-        <a:xfrm>
-          <a:off x="0" y="0"/>
-          <a:ext cx="0" cy="0"/>
-          <a:chOff x="0" y="0"/>
-          <a:chExt cx="0" cy="0"/>
-        </a:xfrm>
-      </p:grpSpPr>
-      <p:sp>
-        <p:nvSpPr>
-          <p:cNvPr id="2" name="Title 1">
-            <a:extLst>
-              <a:ext uri="{FF2B5EF4-FFF2-40B4-BE49-F238E27FC236}">
-                <a16:creationId xmlns:a16="http://schemas.microsoft.com/office/drawing/2014/main" id="{A057D7B9-BCDA-3615-7691-EE082087EAC4}"/>
-              </a:ext>
-            </a:extLst>
-          </p:cNvPr>
-          <p:cNvSpPr>
-            <a:spLocks noGrp="1"/>
-          </p:cNvSpPr>
-          <p:nvPr>
-            <p:ph type="title"/>
-          </p:nvPr>
-        </p:nvSpPr>
-        <p:spPr/>
-        <p:txBody>
-          <a:bodyPr/>
-          <a:lstStyle/>
-          <a:p>
-            <a:r>
-              <a:rPr lang="en-US" dirty="0"/>
-              <a:t>Overall Conclusion</a:t>
-            </a:r>
-          </a:p>
-        </p:txBody>
-      </p:sp>
-      <p:sp>
-        <p:nvSpPr>
-          <p:cNvPr id="3" name="Content Placeholder 2">
-            <a:extLst>
-              <a:ext uri="{FF2B5EF4-FFF2-40B4-BE49-F238E27FC236}">
-                <a16:creationId xmlns:a16="http://schemas.microsoft.com/office/drawing/2014/main" id="{ADAC37DA-57D7-7584-D2C2-5A485CFFDD5A}"/>
-              </a:ext>
-            </a:extLst>
-          </p:cNvPr>
-          <p:cNvSpPr>
-            <a:spLocks noGrp="1"/>
-          </p:cNvSpPr>
-          <p:nvPr>
-            <p:ph idx="1"/>
-          </p:nvPr>
-        </p:nvSpPr>
-        <p:spPr/>
-        <p:txBody>
-          <a:bodyPr/>
-          <a:lstStyle/>
-          <a:p>
-            <a:r>
-              <a:rPr lang="en-US" dirty="0"/>
-              <a:t>Kong found organ and compartment specific responses to acute and chronic inflammation</a:t>
-            </a:r>
-          </a:p>
-          <a:p>
-            <a:r>
-              <a:rPr lang="en-US" dirty="0"/>
-              <a:t>Most immune changes were in cell composition and transcriptional changes dominated among epithelial and stromal cells</a:t>
-            </a:r>
-          </a:p>
-          <a:p>
-            <a:pPr lvl="1"/>
-            <a:r>
-              <a:rPr lang="en-US" dirty="0"/>
-              <a:t>disease-associated markers of myofibroblast activation were identified</a:t>
-            </a:r>
-          </a:p>
-        </p:txBody>
-      </p:sp>
-    </p:spTree>
-    <p:extLst>
-      <p:ext uri="{BB962C8B-B14F-4D97-AF65-F5344CB8AC3E}">
-        <p14:creationId xmlns:p14="http://schemas.microsoft.com/office/powerpoint/2010/main" val="1860092264"/>
-      </p:ext>
-    </p:extLst>
-  </p:cSld>
-  <p:clrMapOvr>
-    <a:masterClrMapping/>
-  </p:clrMapOvr>
-</p:sld>
-</file>
-
-<file path=ppt/slides/slide2.xml><?xml version="1.0" encoding="utf-8"?>
-<p:sld xmlns:a="http://schemas.openxmlformats.org/drawingml/2006/main" xmlns:r="http://schemas.openxmlformats.org/officeDocument/2006/relationships" xmlns:p="http://schemas.openxmlformats.org/presentationml/2006/main">
-  <p:cSld>
-    <p:spTree>
-      <p:nvGrpSpPr>
-        <p:cNvPr id="1" name=""/>
-        <p:cNvGrpSpPr/>
-        <p:nvPr/>
-      </p:nvGrpSpPr>
-      <p:grpSpPr>
-        <a:xfrm>
-          <a:off x="0" y="0"/>
-          <a:ext cx="0" cy="0"/>
-          <a:chOff x="0" y="0"/>
-          <a:chExt cx="0" cy="0"/>
-        </a:xfrm>
-      </p:grpSpPr>
-      <p:sp>
-        <p:nvSpPr>
-          <p:cNvPr id="2" name="Title 1">
-            <a:extLst>
-              <a:ext uri="{FF2B5EF4-FFF2-40B4-BE49-F238E27FC236}">
-                <a16:creationId xmlns:a16="http://schemas.microsoft.com/office/drawing/2014/main" id="{ED192FF6-7DBC-7E71-89DA-53C1F9F114AE}"/>
-              </a:ext>
-            </a:extLst>
-          </p:cNvPr>
-          <p:cNvSpPr>
-            <a:spLocks noGrp="1"/>
-          </p:cNvSpPr>
-          <p:nvPr>
-            <p:ph type="title"/>
-          </p:nvPr>
-        </p:nvSpPr>
-        <p:spPr/>
-        <p:txBody>
-          <a:bodyPr/>
-          <a:lstStyle/>
-          <a:p>
-            <a:r>
-              <a:rPr lang="en-US" dirty="0"/>
-              <a:t>Introduction</a:t>
-            </a:r>
-          </a:p>
-        </p:txBody>
-      </p:sp>
-      <p:sp>
-        <p:nvSpPr>
-          <p:cNvPr id="3" name="Content Placeholder 2">
-            <a:extLst>
-              <a:ext uri="{FF2B5EF4-FFF2-40B4-BE49-F238E27FC236}">
-                <a16:creationId xmlns:a16="http://schemas.microsoft.com/office/drawing/2014/main" id="{08AF71F3-7AE9-541F-DE87-A6F83A8A3B41}"/>
-              </a:ext>
-            </a:extLst>
-          </p:cNvPr>
-          <p:cNvSpPr>
-            <a:spLocks noGrp="1"/>
-          </p:cNvSpPr>
-          <p:nvPr>
-            <p:ph idx="1"/>
-          </p:nvPr>
-        </p:nvSpPr>
-        <p:spPr/>
-        <p:txBody>
-          <a:bodyPr/>
-          <a:lstStyle/>
-          <a:p>
-            <a:r>
-              <a:rPr lang="en-US" dirty="0"/>
-              <a:t>Kong investigated alterations in gene expression across diverse cell types within the GI tract affected by Crohn’s disease</a:t>
-            </a:r>
-          </a:p>
-          <a:p>
-            <a:r>
-              <a:rPr lang="en-US" dirty="0"/>
-              <a:t>Crohn’s disease is multifactorial. There have been discoveries of risk genes related to:</a:t>
-            </a:r>
-          </a:p>
-          <a:p>
-            <a:pPr lvl="1"/>
-            <a:r>
-              <a:rPr lang="en-US" dirty="0"/>
-              <a:t>Epithelial barrier function</a:t>
-            </a:r>
-          </a:p>
-          <a:p>
-            <a:pPr lvl="1"/>
-            <a:r>
-              <a:rPr lang="en-US" dirty="0"/>
-              <a:t>Microbe sensing and restriction</a:t>
-            </a:r>
-          </a:p>
-          <a:p>
-            <a:pPr lvl="1"/>
-            <a:r>
-              <a:rPr lang="en-US" dirty="0"/>
-              <a:t>Adaptive immunity</a:t>
-            </a:r>
-          </a:p>
-          <a:p>
-            <a:pPr lvl="1"/>
-            <a:endParaRPr lang="en-US" dirty="0"/>
-          </a:p>
-        </p:txBody>
-      </p:sp>
-    </p:spTree>
-    <p:extLst>
-      <p:ext uri="{BB962C8B-B14F-4D97-AF65-F5344CB8AC3E}">
-        <p14:creationId xmlns:p14="http://schemas.microsoft.com/office/powerpoint/2010/main" val="500570318"/>
-      </p:ext>
-    </p:extLst>
-  </p:cSld>
-  <p:clrMapOvr>
-    <a:masterClrMapping/>
-  </p:clrMapOvr>
-</p:sld>
-</file>
-
-<file path=ppt/slides/slide3.xml><?xml version="1.0" encoding="utf-8"?>
-<p:sld xmlns:a="http://schemas.openxmlformats.org/drawingml/2006/main" xmlns:r="http://schemas.openxmlformats.org/officeDocument/2006/relationships" xmlns:p="http://schemas.openxmlformats.org/presentationml/2006/main">
-  <p:cSld>
-    <p:spTree>
-      <p:nvGrpSpPr>
-        <p:cNvPr id="1" name=""/>
-        <p:cNvGrpSpPr/>
-        <p:nvPr/>
-      </p:nvGrpSpPr>
-      <p:grpSpPr>
-        <a:xfrm>
-          <a:off x="0" y="0"/>
-          <a:ext cx="0" cy="0"/>
-          <a:chOff x="0" y="0"/>
-          <a:chExt cx="0" cy="0"/>
-        </a:xfrm>
-      </p:grpSpPr>
-      <p:sp>
-        <p:nvSpPr>
-          <p:cNvPr id="2" name="Title 1">
-            <a:extLst>
-              <a:ext uri="{FF2B5EF4-FFF2-40B4-BE49-F238E27FC236}">
-                <a16:creationId xmlns:a16="http://schemas.microsoft.com/office/drawing/2014/main" id="{7FCBDF63-7F37-E2F6-B33D-2BB7BE1F6196}"/>
-              </a:ext>
-            </a:extLst>
-          </p:cNvPr>
-          <p:cNvSpPr>
-            <a:spLocks noGrp="1"/>
-          </p:cNvSpPr>
-          <p:nvPr>
-            <p:ph type="title"/>
-          </p:nvPr>
-        </p:nvSpPr>
-        <p:spPr/>
-        <p:txBody>
-          <a:bodyPr/>
-          <a:lstStyle/>
-          <a:p>
-            <a:r>
-              <a:rPr lang="en-US" dirty="0"/>
-              <a:t>Investigating Differential Cell Expression</a:t>
-            </a:r>
-          </a:p>
-        </p:txBody>
-      </p:sp>
-      <p:sp>
-        <p:nvSpPr>
-          <p:cNvPr id="3" name="Content Placeholder 2">
-            <a:extLst>
-              <a:ext uri="{FF2B5EF4-FFF2-40B4-BE49-F238E27FC236}">
-                <a16:creationId xmlns:a16="http://schemas.microsoft.com/office/drawing/2014/main" id="{2E27C9C2-8245-368C-BCC1-D67F2750A5AA}"/>
-              </a:ext>
-            </a:extLst>
-          </p:cNvPr>
-          <p:cNvSpPr>
-            <a:spLocks noGrp="1"/>
-          </p:cNvSpPr>
-          <p:nvPr>
-            <p:ph idx="1"/>
-          </p:nvPr>
-        </p:nvSpPr>
-        <p:spPr/>
-        <p:txBody>
-          <a:bodyPr/>
-          <a:lstStyle/>
-          <a:p>
-            <a:r>
-              <a:rPr lang="en-US" dirty="0"/>
-              <a:t>Kong used Model-Based Analysis of Single-Cell Transcriptomics (MAST) to find the expression of different cells</a:t>
-            </a:r>
-          </a:p>
-          <a:p>
-            <a:pPr lvl="1"/>
-            <a:r>
-              <a:rPr lang="en-US" dirty="0"/>
-              <a:t>Kong compared the expression of different cells amongst healthy, non-inflamed and inflamed tissues</a:t>
-            </a:r>
-          </a:p>
-          <a:p>
-            <a:pPr lvl="1"/>
-            <a:r>
-              <a:rPr lang="en-US" dirty="0"/>
-              <a:t>All genes with no disease-related difference were filtered out</a:t>
-            </a:r>
-          </a:p>
-        </p:txBody>
-      </p:sp>
-    </p:spTree>
-    <p:extLst>
-      <p:ext uri="{BB962C8B-B14F-4D97-AF65-F5344CB8AC3E}">
-        <p14:creationId xmlns:p14="http://schemas.microsoft.com/office/powerpoint/2010/main" val="3243696164"/>
-      </p:ext>
-    </p:extLst>
-  </p:cSld>
-  <p:clrMapOvr>
-    <a:masterClrMapping/>
-  </p:clrMapOvr>
-</p:sld>
-</file>
-
-<file path=ppt/slides/slide4.xml><?xml version="1.0" encoding="utf-8"?>
-<p:sld xmlns:a="http://schemas.openxmlformats.org/drawingml/2006/main" xmlns:r="http://schemas.openxmlformats.org/officeDocument/2006/relationships" xmlns:p="http://schemas.openxmlformats.org/presentationml/2006/main">
-  <p:cSld>
-    <p:bg>
-      <p:bgPr>
-        <a:solidFill>
-          <a:schemeClr val="bg1"/>
-        </a:solidFill>
-        <a:effectLst/>
-      </p:bgPr>
-    </p:bg>
-    <p:spTree>
-      <p:nvGrpSpPr>
-        <p:cNvPr id="1" name=""/>
-        <p:cNvGrpSpPr/>
-        <p:nvPr/>
-      </p:nvGrpSpPr>
-      <p:grpSpPr>
-        <a:xfrm>
-          <a:off x="0" y="0"/>
-          <a:ext cx="0" cy="0"/>
-          <a:chOff x="0" y="0"/>
-          <a:chExt cx="0" cy="0"/>
-        </a:xfrm>
-      </p:grpSpPr>
-      <p:sp>
-        <p:nvSpPr>
-          <p:cNvPr id="14" name="Rectangle 13">
-            <a:extLst>
-              <a:ext uri="{FF2B5EF4-FFF2-40B4-BE49-F238E27FC236}">
-                <a16:creationId xmlns:a16="http://schemas.microsoft.com/office/drawing/2014/main" id="{42A4FC2C-047E-45A5-965D-8E1E3BF09BC6}"/>
-              </a:ext>
-              <a:ext uri="{C183D7F6-B498-43B3-948B-1728B52AA6E4}">
-                <adec:decorative xmlns:adec="http://schemas.microsoft.com/office/drawing/2017/decorative" val="1"/>
-              </a:ext>
-            </a:extLst>
-          </p:cNvPr>
-          <p:cNvSpPr>
-            <a:spLocks noGrp="1" noRot="1" noChangeAspect="1" noMove="1" noResize="1" noEditPoints="1" noAdjustHandles="1" noChangeArrowheads="1" noChangeShapeType="1" noTextEdit="1"/>
-          </p:cNvSpPr>
-          <p:nvPr>
-            <p:extLst>
-              <p:ext uri="{386F3935-93C4-4BCD-93E2-E3B085C9AB24}">
-                <p16:designElem xmlns:p16="http://schemas.microsoft.com/office/powerpoint/2015/main" val="1"/>
-              </p:ext>
-            </p:extLst>
-          </p:nvPr>
-        </p:nvSpPr>
-        <p:spPr bwMode="white">
-          <a:xfrm>
-            <a:off x="1524" y="0"/>
-            <a:ext cx="12188952" cy="6858000"/>
-          </a:xfrm>
-          <a:prstGeom prst="rect">
-            <a:avLst/>
-          </a:prstGeom>
-          <a:noFill/>
-          <a:ln>
-            <a:noFill/>
-          </a:ln>
-        </p:spPr>
-        <p:style>
-          <a:lnRef idx="2">
-            <a:schemeClr val="accent1">
-              <a:shade val="50000"/>
-            </a:schemeClr>
-          </a:lnRef>
-          <a:fillRef idx="1">
-            <a:schemeClr val="accent1"/>
-          </a:fillRef>
-          <a:effectRef idx="0">
-            <a:schemeClr val="accent1"/>
-          </a:effectRef>
-          <a:fontRef idx="minor">
-            <a:schemeClr val="lt1"/>
-          </a:fontRef>
-        </p:style>
-        <p:txBody>
-          <a:bodyPr rtlCol="0" anchor="ctr"/>
-          <a:lstStyle>
-            <a:defPPr>
-              <a:defRPr lang="en-US"/>
-            </a:defPPr>
-            <a:lvl1pPr marL="0" algn="l" defTabSz="914400" rtl="0" eaLnBrk="1" latinLnBrk="0" hangingPunct="1">
-              <a:defRPr sz="1800" kern="1200">
-                <a:solidFill>
-                  <a:schemeClr val="lt1"/>
-                </a:solidFill>
-                <a:latin typeface="+mn-lt"/>
-                <a:ea typeface="+mn-ea"/>
-                <a:cs typeface="+mn-cs"/>
-              </a:defRPr>
-            </a:lvl1pPr>
-            <a:lvl2pPr marL="457200" algn="l" defTabSz="914400" rtl="0" eaLnBrk="1" latinLnBrk="0" hangingPunct="1">
-              <a:defRPr sz="1800" kern="1200">
-                <a:solidFill>
-                  <a:schemeClr val="lt1"/>
-                </a:solidFill>
-                <a:latin typeface="+mn-lt"/>
-                <a:ea typeface="+mn-ea"/>
-                <a:cs typeface="+mn-cs"/>
-              </a:defRPr>
-            </a:lvl2pPr>
-            <a:lvl3pPr marL="914400" algn="l" defTabSz="914400" rtl="0" eaLnBrk="1" latinLnBrk="0" hangingPunct="1">
-              <a:defRPr sz="1800" kern="1200">
-                <a:solidFill>
-                  <a:schemeClr val="lt1"/>
-                </a:solidFill>
-                <a:latin typeface="+mn-lt"/>
-                <a:ea typeface="+mn-ea"/>
-                <a:cs typeface="+mn-cs"/>
-              </a:defRPr>
-            </a:lvl3pPr>
-            <a:lvl4pPr marL="1371600" algn="l" defTabSz="914400" rtl="0" eaLnBrk="1" latinLnBrk="0" hangingPunct="1">
-              <a:defRPr sz="1800" kern="1200">
-                <a:solidFill>
-                  <a:schemeClr val="lt1"/>
-                </a:solidFill>
-                <a:latin typeface="+mn-lt"/>
-                <a:ea typeface="+mn-ea"/>
-                <a:cs typeface="+mn-cs"/>
-              </a:defRPr>
-            </a:lvl4pPr>
-            <a:lvl5pPr marL="1828800" algn="l" defTabSz="914400" rtl="0" eaLnBrk="1" latinLnBrk="0" hangingPunct="1">
-              <a:defRPr sz="1800" kern="1200">
-                <a:solidFill>
-                  <a:schemeClr val="lt1"/>
-                </a:solidFill>
-                <a:latin typeface="+mn-lt"/>
-                <a:ea typeface="+mn-ea"/>
-                <a:cs typeface="+mn-cs"/>
-              </a:defRPr>
-            </a:lvl5pPr>
-            <a:lvl6pPr marL="2286000" algn="l" defTabSz="914400" rtl="0" eaLnBrk="1" latinLnBrk="0" hangingPunct="1">
-              <a:defRPr sz="1800" kern="1200">
-                <a:solidFill>
-                  <a:schemeClr val="lt1"/>
-                </a:solidFill>
-                <a:latin typeface="+mn-lt"/>
-                <a:ea typeface="+mn-ea"/>
-                <a:cs typeface="+mn-cs"/>
-              </a:defRPr>
-            </a:lvl6pPr>
-            <a:lvl7pPr marL="2743200" algn="l" defTabSz="914400" rtl="0" eaLnBrk="1" latinLnBrk="0" hangingPunct="1">
-              <a:defRPr sz="1800" kern="1200">
-                <a:solidFill>
-                  <a:schemeClr val="lt1"/>
-                </a:solidFill>
-                <a:latin typeface="+mn-lt"/>
-                <a:ea typeface="+mn-ea"/>
-                <a:cs typeface="+mn-cs"/>
-              </a:defRPr>
-            </a:lvl7pPr>
-            <a:lvl8pPr marL="3200400" algn="l" defTabSz="914400" rtl="0" eaLnBrk="1" latinLnBrk="0" hangingPunct="1">
-              <a:defRPr sz="1800" kern="1200">
-                <a:solidFill>
-                  <a:schemeClr val="lt1"/>
-                </a:solidFill>
-                <a:latin typeface="+mn-lt"/>
-                <a:ea typeface="+mn-ea"/>
-                <a:cs typeface="+mn-cs"/>
-              </a:defRPr>
-            </a:lvl8pPr>
-            <a:lvl9pPr marL="3657600" algn="l" defTabSz="914400" rtl="0" eaLnBrk="1" latinLnBrk="0" hangingPunct="1">
-              <a:defRPr sz="1800" kern="1200">
-                <a:solidFill>
-                  <a:schemeClr val="lt1"/>
-                </a:solidFill>
-                <a:latin typeface="+mn-lt"/>
-                <a:ea typeface="+mn-ea"/>
-                <a:cs typeface="+mn-cs"/>
-              </a:defRPr>
-            </a:lvl9pPr>
-          </a:lstStyle>
-          <a:p>
-            <a:pPr algn="ctr"/>
-            <a:endParaRPr lang="en-US"/>
-          </a:p>
-        </p:txBody>
-      </p:sp>
-      <p:pic>
-        <p:nvPicPr>
-          <p:cNvPr id="7" name="Content Placeholder 6">
-            <a:extLst>
-              <a:ext uri="{FF2B5EF4-FFF2-40B4-BE49-F238E27FC236}">
-                <a16:creationId xmlns:a16="http://schemas.microsoft.com/office/drawing/2014/main" id="{F7A9F909-D50B-FD33-9D36-EE195AE43840}"/>
-              </a:ext>
-            </a:extLst>
-          </p:cNvPr>
-          <p:cNvPicPr>
-            <a:picLocks noGrp="1" noChangeAspect="1"/>
-          </p:cNvPicPr>
-          <p:nvPr>
-            <p:ph idx="1"/>
-          </p:nvPr>
-        </p:nvPicPr>
-        <p:blipFill rotWithShape="1">
-          <a:blip r:embed="rId3"/>
-          <a:srcRect l="5760"/>
-          <a:stretch/>
-        </p:blipFill>
-        <p:spPr>
-          <a:xfrm>
-            <a:off x="20" y="1282"/>
-            <a:ext cx="12191980" cy="6856718"/>
-          </a:xfrm>
-          <a:prstGeom prst="rect">
-            <a:avLst/>
-          </a:prstGeom>
-        </p:spPr>
-      </p:pic>
-    </p:spTree>
-    <p:extLst>
-      <p:ext uri="{BB962C8B-B14F-4D97-AF65-F5344CB8AC3E}">
-        <p14:creationId xmlns:p14="http://schemas.microsoft.com/office/powerpoint/2010/main" val="4190790413"/>
-      </p:ext>
-    </p:extLst>
-  </p:cSld>
-  <p:clrMapOvr>
-    <a:masterClrMapping/>
-  </p:clrMapOvr>
-</p:sld>
-</file>
-
-<file path=ppt/slides/slide5.xml><?xml version="1.0" encoding="utf-8"?>
-<p:sld xmlns:a="http://schemas.openxmlformats.org/drawingml/2006/main" xmlns:r="http://schemas.openxmlformats.org/officeDocument/2006/relationships" xmlns:p="http://schemas.openxmlformats.org/presentationml/2006/main">
-  <p:cSld>
-    <p:spTree>
-      <p:nvGrpSpPr>
-        <p:cNvPr id="1" name=""/>
-        <p:cNvGrpSpPr/>
-        <p:nvPr/>
-      </p:nvGrpSpPr>
-      <p:grpSpPr>
-        <a:xfrm>
-          <a:off x="0" y="0"/>
-          <a:ext cx="0" cy="0"/>
-          <a:chOff x="0" y="0"/>
-          <a:chExt cx="0" cy="0"/>
-        </a:xfrm>
-      </p:grpSpPr>
-      <p:sp>
-        <p:nvSpPr>
-          <p:cNvPr id="2" name="Title 1">
-            <a:extLst>
-              <a:ext uri="{FF2B5EF4-FFF2-40B4-BE49-F238E27FC236}">
-                <a16:creationId xmlns:a16="http://schemas.microsoft.com/office/drawing/2014/main" id="{3EFC597A-4510-00E7-659F-A6A8871230CC}"/>
-              </a:ext>
-            </a:extLst>
-          </p:cNvPr>
-          <p:cNvSpPr>
-            <a:spLocks noGrp="1"/>
-          </p:cNvSpPr>
-          <p:nvPr>
-            <p:ph type="title"/>
-          </p:nvPr>
-        </p:nvSpPr>
-        <p:spPr/>
-        <p:txBody>
-          <a:bodyPr/>
-          <a:lstStyle/>
-          <a:p>
-            <a:r>
-              <a:rPr lang="en-US" dirty="0"/>
-              <a:t>Differential Expression with MAST</a:t>
-            </a:r>
-          </a:p>
-        </p:txBody>
-      </p:sp>
-      <p:sp>
-        <p:nvSpPr>
-          <p:cNvPr id="3" name="Content Placeholder 2">
-            <a:extLst>
-              <a:ext uri="{FF2B5EF4-FFF2-40B4-BE49-F238E27FC236}">
-                <a16:creationId xmlns:a16="http://schemas.microsoft.com/office/drawing/2014/main" id="{BD9BAFEE-C30C-BB55-A479-965EAFA644A9}"/>
-              </a:ext>
-            </a:extLst>
-          </p:cNvPr>
-          <p:cNvSpPr>
-            <a:spLocks noGrp="1"/>
-          </p:cNvSpPr>
-          <p:nvPr>
-            <p:ph idx="1"/>
-          </p:nvPr>
-        </p:nvSpPr>
-        <p:spPr>
-          <a:xfrm>
-            <a:off x="625744" y="1887619"/>
-            <a:ext cx="10940512" cy="4351338"/>
-          </a:xfrm>
-        </p:spPr>
-        <p:txBody>
-          <a:bodyPr/>
-          <a:lstStyle/>
-          <a:p>
-            <a:r>
-              <a:rPr lang="en-US" dirty="0"/>
-              <a:t>MAST – </a:t>
-            </a:r>
-            <a:r>
-              <a:rPr lang="en-US" dirty="0" err="1"/>
-              <a:t>Finak</a:t>
-            </a:r>
-            <a:r>
-              <a:rPr lang="en-US" dirty="0"/>
-              <a:t> et al. (2015)</a:t>
-            </a:r>
-          </a:p>
-          <a:p>
-            <a:r>
-              <a:rPr lang="en-US" dirty="0"/>
-              <a:t>Analysis has two parts (hurdle model): </a:t>
-            </a:r>
-          </a:p>
-          <a:p>
-            <a:pPr lvl="1"/>
-            <a:r>
-              <a:rPr lang="en-US" dirty="0"/>
-              <a:t>(1) discrete component of gene expression (binary – a gene is expressed or not)</a:t>
-            </a:r>
-          </a:p>
-          <a:p>
-            <a:pPr lvl="1"/>
-            <a:r>
-              <a:rPr lang="en-US" dirty="0"/>
-              <a:t>(2) continuous component (expression level given that a gene is expressed)</a:t>
-            </a:r>
-          </a:p>
-          <a:p>
-            <a:r>
-              <a:rPr lang="en-US" dirty="0"/>
-              <a:t>Standard prep with Seurat (log-transform, normalize)</a:t>
-            </a:r>
-          </a:p>
-          <a:p>
-            <a:r>
-              <a:rPr lang="en-US" dirty="0"/>
-              <a:t>Model allows for flexible covariates</a:t>
-            </a:r>
-          </a:p>
-          <a:p>
-            <a:pPr lvl="1"/>
-            <a:r>
-              <a:rPr lang="en-US" dirty="0"/>
-              <a:t>E.g., multiple treatment groups, technical factors (batch/time info)</a:t>
-            </a:r>
-          </a:p>
-        </p:txBody>
-      </p:sp>
-    </p:spTree>
-    <p:extLst>
-      <p:ext uri="{BB962C8B-B14F-4D97-AF65-F5344CB8AC3E}">
-        <p14:creationId xmlns:p14="http://schemas.microsoft.com/office/powerpoint/2010/main" val="4147786652"/>
-      </p:ext>
-    </p:extLst>
-  </p:cSld>
-  <p:clrMapOvr>
-    <a:masterClrMapping/>
-  </p:clrMapOvr>
-</p:sld>
-</file>
-
-<file path=ppt/slides/slide6.xml><?xml version="1.0" encoding="utf-8"?>
-<p:sld xmlns:a="http://schemas.openxmlformats.org/drawingml/2006/main" xmlns:r="http://schemas.openxmlformats.org/officeDocument/2006/relationships" xmlns:p="http://schemas.openxmlformats.org/presentationml/2006/main">
-  <p:cSld>
-    <p:spTree>
-      <p:nvGrpSpPr>
-        <p:cNvPr id="1" name=""/>
-        <p:cNvGrpSpPr/>
-        <p:nvPr/>
-      </p:nvGrpSpPr>
-      <p:grpSpPr>
-        <a:xfrm>
-          <a:off x="0" y="0"/>
-          <a:ext cx="0" cy="0"/>
-          <a:chOff x="0" y="0"/>
-          <a:chExt cx="0" cy="0"/>
-        </a:xfrm>
-      </p:grpSpPr>
-      <p:sp>
-        <p:nvSpPr>
-          <p:cNvPr id="2" name="Title 1">
-            <a:extLst>
-              <a:ext uri="{FF2B5EF4-FFF2-40B4-BE49-F238E27FC236}">
-                <a16:creationId xmlns:a16="http://schemas.microsoft.com/office/drawing/2014/main" id="{DE8184FD-35CF-50B0-3501-06173E886002}"/>
-              </a:ext>
-            </a:extLst>
-          </p:cNvPr>
-          <p:cNvSpPr>
-            <a:spLocks noGrp="1"/>
-          </p:cNvSpPr>
-          <p:nvPr>
-            <p:ph type="title"/>
-          </p:nvPr>
-        </p:nvSpPr>
-        <p:spPr/>
-        <p:txBody>
-          <a:bodyPr/>
-          <a:lstStyle/>
-          <a:p>
-            <a:r>
-              <a:rPr lang="en-US" dirty="0"/>
-              <a:t>MAST – Hurdle Model</a:t>
-            </a:r>
-          </a:p>
-        </p:txBody>
-      </p:sp>
-      <p:sp>
-        <p:nvSpPr>
-          <p:cNvPr id="3" name="Content Placeholder 2">
-            <a:extLst>
-              <a:ext uri="{FF2B5EF4-FFF2-40B4-BE49-F238E27FC236}">
-                <a16:creationId xmlns:a16="http://schemas.microsoft.com/office/drawing/2014/main" id="{C1AB51D5-979C-2650-2B60-8A595A710887}"/>
-              </a:ext>
-            </a:extLst>
-          </p:cNvPr>
-          <p:cNvSpPr>
-            <a:spLocks noGrp="1"/>
-          </p:cNvSpPr>
-          <p:nvPr>
-            <p:ph idx="1"/>
-          </p:nvPr>
-        </p:nvSpPr>
-        <p:spPr>
-          <a:xfrm>
-            <a:off x="419100" y="1690688"/>
-            <a:ext cx="11353800" cy="4351338"/>
-          </a:xfrm>
-        </p:spPr>
-        <p:txBody>
-          <a:bodyPr/>
-          <a:lstStyle/>
-          <a:p>
-            <a:r>
-              <a:rPr lang="en-US" dirty="0"/>
-              <a:t>(1) Logistic regression for discrete component </a:t>
-            </a:r>
-            <a:r>
-              <a:rPr lang="en-US" i="1" dirty="0"/>
-              <a:t>(</a:t>
-            </a:r>
-            <a:r>
-              <a:rPr lang="en-US" i="1" dirty="0">
-                <a:latin typeface="Times New Roman" panose="02020603050405020304" pitchFamily="18" charset="0"/>
-                <a:cs typeface="Times New Roman" panose="02020603050405020304" pitchFamily="18" charset="0"/>
-              </a:rPr>
-              <a:t>Z</a:t>
-            </a:r>
-            <a:r>
-              <a:rPr lang="en-US" i="1" dirty="0"/>
-              <a:t>)</a:t>
-            </a:r>
-          </a:p>
-          <a:p>
-            <a:r>
-              <a:rPr lang="en-US" dirty="0"/>
-              <a:t>(2) Expression level (conditional on </a:t>
-            </a:r>
-            <a:r>
-              <a:rPr lang="en-US" i="1" dirty="0">
-                <a:latin typeface="Times New Roman" panose="02020603050405020304" pitchFamily="18" charset="0"/>
-                <a:cs typeface="Times New Roman" panose="02020603050405020304" pitchFamily="18" charset="0"/>
-              </a:rPr>
-              <a:t>Z</a:t>
-            </a:r>
-            <a:r>
-              <a:rPr lang="en-US" i="1" dirty="0"/>
-              <a:t>)</a:t>
-            </a:r>
-            <a:r>
-              <a:rPr lang="en-US" dirty="0"/>
-              <a:t> is modeled by linear Gaussian </a:t>
-            </a:r>
-            <a:r>
-              <a:rPr lang="en-US" i="1" dirty="0"/>
-              <a:t>(</a:t>
-            </a:r>
-            <a:r>
-              <a:rPr lang="en-US" i="1" dirty="0">
-                <a:latin typeface="Times New Roman" panose="02020603050405020304" pitchFamily="18" charset="0"/>
-                <a:cs typeface="Times New Roman" panose="02020603050405020304" pitchFamily="18" charset="0"/>
-              </a:rPr>
-              <a:t>Y | Z</a:t>
-            </a:r>
-            <a:r>
-              <a:rPr lang="en-US" i="1" dirty="0"/>
-              <a:t>)</a:t>
-            </a:r>
-          </a:p>
-          <a:p>
-            <a:r>
-              <a:rPr lang="en-US" dirty="0"/>
-              <a:t>Use MLE to fit this model</a:t>
-            </a:r>
-          </a:p>
-          <a:p>
-            <a:pPr lvl="1"/>
-            <a:r>
-              <a:rPr lang="en-US" dirty="0"/>
-              <a:t>For each gene, determine regression coefficients below</a:t>
-            </a:r>
-          </a:p>
-          <a:p>
-            <a:r>
-              <a:rPr lang="en-US" dirty="0"/>
-              <a:t>Hypothesis testing to determine significance of covariates’ effects on gene expression</a:t>
-            </a:r>
-          </a:p>
-          <a:p>
-            <a:pPr lvl="1"/>
-            <a:r>
-              <a:rPr lang="en-US" dirty="0"/>
-              <a:t>Genes with p-values below threshold are considered differentially expressed</a:t>
-            </a:r>
-          </a:p>
-        </p:txBody>
-      </p:sp>
-      <p:pic>
-        <p:nvPicPr>
-          <p:cNvPr id="5" name="Picture 4" descr="Text&#10;&#10;Description automatically generated with medium confidence">
-            <a:extLst>
-              <a:ext uri="{FF2B5EF4-FFF2-40B4-BE49-F238E27FC236}">
-                <a16:creationId xmlns:a16="http://schemas.microsoft.com/office/drawing/2014/main" id="{3A4369F0-181A-9D5B-936E-DDF9A3E18F3A}"/>
-              </a:ext>
-            </a:extLst>
-          </p:cNvPr>
-          <p:cNvPicPr>
-            <a:picLocks noChangeAspect="1"/>
-          </p:cNvPicPr>
-          <p:nvPr/>
-        </p:nvPicPr>
-        <p:blipFill>
-          <a:blip r:embed="rId3">
-            <a:extLst>
-              <a:ext uri="{28A0092B-C50C-407E-A947-70E740481C1C}">
-                <a14:useLocalDpi xmlns:a14="http://schemas.microsoft.com/office/drawing/2010/main" val="0"/>
-              </a:ext>
-            </a:extLst>
-          </a:blip>
-          <a:stretch>
-            <a:fillRect/>
-          </a:stretch>
-        </p:blipFill>
-        <p:spPr>
-          <a:xfrm>
-            <a:off x="1398782" y="4957691"/>
-            <a:ext cx="5193572" cy="1693143"/>
-          </a:xfrm>
-          <a:prstGeom prst="rect">
-            <a:avLst/>
-          </a:prstGeom>
-        </p:spPr>
-      </p:pic>
-      <p:pic>
-        <p:nvPicPr>
-          <p:cNvPr id="7" name="Picture 6" descr="Logo&#10;&#10;Description automatically generated with medium confidence">
-            <a:extLst>
-              <a:ext uri="{FF2B5EF4-FFF2-40B4-BE49-F238E27FC236}">
-                <a16:creationId xmlns:a16="http://schemas.microsoft.com/office/drawing/2014/main" id="{97C89865-AABF-6A5B-7D55-2949AF8E3A4F}"/>
-              </a:ext>
-            </a:extLst>
-          </p:cNvPr>
-          <p:cNvPicPr>
-            <a:picLocks noChangeAspect="1"/>
-          </p:cNvPicPr>
-          <p:nvPr/>
-        </p:nvPicPr>
-        <p:blipFill>
-          <a:blip r:embed="rId4">
-            <a:extLst>
-              <a:ext uri="{28A0092B-C50C-407E-A947-70E740481C1C}">
-                <a14:useLocalDpi xmlns:a14="http://schemas.microsoft.com/office/drawing/2010/main" val="0"/>
-              </a:ext>
-            </a:extLst>
-          </a:blip>
-          <a:stretch>
-            <a:fillRect/>
-          </a:stretch>
-        </p:blipFill>
-        <p:spPr>
-          <a:xfrm>
-            <a:off x="6592354" y="5115650"/>
-            <a:ext cx="3103601" cy="1377223"/>
-          </a:xfrm>
-          <a:prstGeom prst="rect">
-            <a:avLst/>
-          </a:prstGeom>
-        </p:spPr>
-      </p:pic>
-    </p:spTree>
-    <p:extLst>
-      <p:ext uri="{BB962C8B-B14F-4D97-AF65-F5344CB8AC3E}">
-        <p14:creationId xmlns:p14="http://schemas.microsoft.com/office/powerpoint/2010/main" val="1773762573"/>
-      </p:ext>
-    </p:extLst>
-  </p:cSld>
-  <p:clrMapOvr>
-    <a:masterClrMapping/>
-  </p:clrMapOvr>
-</p:sld>
-</file>
-
-<file path=ppt/slides/slide7.xml><?xml version="1.0" encoding="utf-8"?>
-<p:sld xmlns:a="http://schemas.openxmlformats.org/drawingml/2006/main" xmlns:r="http://schemas.openxmlformats.org/officeDocument/2006/relationships" xmlns:p="http://schemas.openxmlformats.org/presentationml/2006/main">
-  <p:cSld>
-    <p:spTree>
-      <p:nvGrpSpPr>
-        <p:cNvPr id="1" name=""/>
-        <p:cNvGrpSpPr/>
-        <p:nvPr/>
-      </p:nvGrpSpPr>
-      <p:grpSpPr>
-        <a:xfrm>
-          <a:off x="0" y="0"/>
-          <a:ext cx="0" cy="0"/>
-          <a:chOff x="0" y="0"/>
-          <a:chExt cx="0" cy="0"/>
-        </a:xfrm>
-      </p:grpSpPr>
-      <p:pic>
-        <p:nvPicPr>
-          <p:cNvPr id="1026" name="Picture 2" descr="Provocative results' boost hopes of antibody treatment for COVID-19 |  Science | AAAS">
-            <a:hlinkClick r:id="rId2"/>
-            <a:extLst>
-              <a:ext uri="{FF2B5EF4-FFF2-40B4-BE49-F238E27FC236}">
-                <a16:creationId xmlns:a16="http://schemas.microsoft.com/office/drawing/2014/main" id="{37FFE612-A325-E525-4BF4-436D3DF0094D}"/>
-              </a:ext>
-            </a:extLst>
-          </p:cNvPr>
-          <p:cNvPicPr>
-            <a:picLocks noChangeAspect="1" noChangeArrowheads="1"/>
-          </p:cNvPicPr>
-          <p:nvPr/>
-        </p:nvPicPr>
-        <p:blipFill>
-          <a:blip r:embed="rId3">
-            <a:extLst>
-              <a:ext uri="{28A0092B-C50C-407E-A947-70E740481C1C}">
-                <a14:useLocalDpi xmlns:a14="http://schemas.microsoft.com/office/drawing/2010/main" val="0"/>
-              </a:ext>
-            </a:extLst>
-          </a:blip>
-          <a:srcRect/>
-          <a:stretch>
-            <a:fillRect/>
-          </a:stretch>
-        </p:blipFill>
-        <p:spPr bwMode="auto">
-          <a:xfrm>
-            <a:off x="543236" y="2775720"/>
-            <a:ext cx="3948223" cy="2220876"/>
-          </a:xfrm>
-          <a:prstGeom prst="rect">
-            <a:avLst/>
-          </a:prstGeom>
-          <a:noFill/>
-          <a:extLst>
-            <a:ext uri="{909E8E84-426E-40DD-AFC4-6F175D3DCCD1}">
-              <a14:hiddenFill xmlns:a14="http://schemas.microsoft.com/office/drawing/2010/main">
-                <a:solidFill>
-                  <a:srgbClr val="FFFFFF"/>
-                </a:solidFill>
-              </a14:hiddenFill>
-            </a:ext>
-          </a:extLst>
-        </p:spPr>
-      </p:pic>
-      <p:sp>
-        <p:nvSpPr>
-          <p:cNvPr id="2" name="Title 1">
-            <a:extLst>
-              <a:ext uri="{FF2B5EF4-FFF2-40B4-BE49-F238E27FC236}">
-                <a16:creationId xmlns:a16="http://schemas.microsoft.com/office/drawing/2014/main" id="{CB06464D-05C5-4A8C-4486-E6D46F878ACC}"/>
-              </a:ext>
-            </a:extLst>
-          </p:cNvPr>
-          <p:cNvSpPr>
-            <a:spLocks noGrp="1"/>
-          </p:cNvSpPr>
-          <p:nvPr>
-            <p:ph type="title"/>
-          </p:nvPr>
-        </p:nvSpPr>
-        <p:spPr/>
-        <p:txBody>
-          <a:bodyPr/>
-          <a:lstStyle/>
-          <a:p>
-            <a:r>
-              <a:rPr lang="en-US" dirty="0"/>
-              <a:t>Further Exploration with MAST</a:t>
-            </a:r>
-          </a:p>
-        </p:txBody>
-      </p:sp>
-      <p:sp>
-        <p:nvSpPr>
-          <p:cNvPr id="3" name="Content Placeholder 2">
-            <a:extLst>
-              <a:ext uri="{FF2B5EF4-FFF2-40B4-BE49-F238E27FC236}">
-                <a16:creationId xmlns:a16="http://schemas.microsoft.com/office/drawing/2014/main" id="{02ED8C44-4C73-8749-994B-EB007DF0920F}"/>
-              </a:ext>
-            </a:extLst>
-          </p:cNvPr>
-          <p:cNvSpPr>
-            <a:spLocks noGrp="1"/>
-          </p:cNvSpPr>
-          <p:nvPr>
-            <p:ph idx="1"/>
-          </p:nvPr>
-        </p:nvSpPr>
-        <p:spPr>
-          <a:xfrm>
-            <a:off x="838200" y="1511727"/>
-            <a:ext cx="10515600" cy="4351338"/>
-          </a:xfrm>
-        </p:spPr>
-        <p:txBody>
-          <a:bodyPr/>
-          <a:lstStyle/>
-          <a:p>
-            <a:r>
-              <a:rPr lang="en-US" dirty="0"/>
-              <a:t>Limitation of study: authors aware that patients were on various biologics but did not consider for model </a:t>
-            </a:r>
-          </a:p>
-        </p:txBody>
-      </p:sp>
-      <p:pic>
-        <p:nvPicPr>
-          <p:cNvPr id="5" name="Picture 4" descr="A picture containing text, document, screenshot, receipt&#10;&#10;Description automatically generated">
-            <a:extLst>
-              <a:ext uri="{FF2B5EF4-FFF2-40B4-BE49-F238E27FC236}">
-                <a16:creationId xmlns:a16="http://schemas.microsoft.com/office/drawing/2014/main" id="{FE41B3E7-B994-3A96-7FE1-11203ED299EC}"/>
-              </a:ext>
-            </a:extLst>
-          </p:cNvPr>
-          <p:cNvPicPr>
-            <a:picLocks noChangeAspect="1"/>
-          </p:cNvPicPr>
-          <p:nvPr/>
-        </p:nvPicPr>
-        <p:blipFill rotWithShape="1">
-          <a:blip r:embed="rId4">
-            <a:extLst>
-              <a:ext uri="{28A0092B-C50C-407E-A947-70E740481C1C}">
-                <a14:useLocalDpi xmlns:a14="http://schemas.microsoft.com/office/drawing/2010/main" val="0"/>
-              </a:ext>
-            </a:extLst>
-          </a:blip>
-          <a:srcRect b="30302"/>
-          <a:stretch/>
-        </p:blipFill>
-        <p:spPr>
-          <a:xfrm>
-            <a:off x="2333241" y="3917699"/>
-            <a:ext cx="3071272" cy="2394201"/>
-          </a:xfrm>
-          <a:prstGeom prst="rect">
-            <a:avLst/>
-          </a:prstGeom>
-        </p:spPr>
-      </p:pic>
-      <p:pic>
-        <p:nvPicPr>
-          <p:cNvPr id="1027" name="Picture 3" descr="Provocative results' boost hopes of antibody treatment for COVID-19 |  Science | AAAS">
-            <a:extLst>
-              <a:ext uri="{FF2B5EF4-FFF2-40B4-BE49-F238E27FC236}">
-                <a16:creationId xmlns:a16="http://schemas.microsoft.com/office/drawing/2014/main" id="{0410B3EF-5F78-8E54-FD25-084D07E9F572}"/>
-              </a:ext>
-            </a:extLst>
-          </p:cNvPr>
-          <p:cNvPicPr>
-            <a:picLocks noChangeAspect="1" noChangeArrowheads="1"/>
-          </p:cNvPicPr>
-          <p:nvPr/>
-        </p:nvPicPr>
-        <p:blipFill>
-          <a:blip r:embed="rId5">
-            <a:extLst>
-              <a:ext uri="{28A0092B-C50C-407E-A947-70E740481C1C}">
-                <a14:useLocalDpi xmlns:a14="http://schemas.microsoft.com/office/drawing/2010/main" val="0"/>
-              </a:ext>
-            </a:extLst>
-          </a:blip>
-          <a:srcRect/>
-          <a:stretch>
-            <a:fillRect/>
-          </a:stretch>
-        </p:blipFill>
-        <p:spPr bwMode="auto">
-          <a:xfrm>
-            <a:off x="16510000" y="-4389438"/>
-            <a:ext cx="3810000" cy="2133600"/>
-          </a:xfrm>
-          <a:prstGeom prst="rect">
-            <a:avLst/>
-          </a:prstGeom>
-          <a:noFill/>
-          <a:extLst>
-            <a:ext uri="{909E8E84-426E-40DD-AFC4-6F175D3DCCD1}">
-              <a14:hiddenFill xmlns:a14="http://schemas.microsoft.com/office/drawing/2010/main">
-                <a:solidFill>
-                  <a:srgbClr val="FFFFFF"/>
-                </a:solidFill>
-              </a14:hiddenFill>
-            </a:ext>
-          </a:extLst>
-        </p:spPr>
-      </p:pic>
-      <p:sp>
-        <p:nvSpPr>
-          <p:cNvPr id="8" name="TextBox 7">
-            <a:extLst>
-              <a:ext uri="{FF2B5EF4-FFF2-40B4-BE49-F238E27FC236}">
-                <a16:creationId xmlns:a16="http://schemas.microsoft.com/office/drawing/2014/main" id="{B1A1FDFA-53EB-B1DB-A34D-7217AF366813}"/>
-              </a:ext>
-            </a:extLst>
-          </p:cNvPr>
-          <p:cNvSpPr txBox="1"/>
-          <p:nvPr/>
-        </p:nvSpPr>
-        <p:spPr>
-          <a:xfrm>
-            <a:off x="6349621" y="3592210"/>
-            <a:ext cx="4554940" cy="369332"/>
-          </a:xfrm>
-          <a:prstGeom prst="rect">
-            <a:avLst/>
-          </a:prstGeom>
-          <a:noFill/>
-        </p:spPr>
-        <p:txBody>
-          <a:bodyPr wrap="square">
-            <a:spAutoFit/>
-          </a:bodyPr>
-          <a:lstStyle/>
-          <a:p>
-            <a:r>
-              <a:rPr lang="en-US" sz="1800" i="1" dirty="0">
-                <a:effectLst/>
-                <a:latin typeface="Advhelvneue"/>
-              </a:rPr>
-              <a:t>“Expression </a:t>
-            </a:r>
-            <a:r>
-              <a:rPr lang="en-US" sz="1800" dirty="0">
-                <a:effectLst/>
-                <a:latin typeface="AdvP4C4E74"/>
-              </a:rPr>
-              <a:t>~ </a:t>
-            </a:r>
-            <a:r>
-              <a:rPr lang="en-US" sz="1800" i="1" dirty="0" err="1">
-                <a:effectLst/>
-                <a:latin typeface="Advhelvneue"/>
-              </a:rPr>
-              <a:t>NGenes</a:t>
-            </a:r>
-            <a:r>
-              <a:rPr lang="en-US" sz="1800" i="1" dirty="0">
-                <a:effectLst/>
-                <a:latin typeface="Advhelvneue"/>
-              </a:rPr>
-              <a:t> + Layer + </a:t>
-            </a:r>
-            <a:r>
-              <a:rPr lang="en-US" sz="1800" i="1" dirty="0" err="1">
-                <a:effectLst/>
-                <a:latin typeface="Advhelvneue"/>
-              </a:rPr>
-              <a:t>DiseaseGroup</a:t>
-            </a:r>
-            <a:r>
-              <a:rPr lang="en-US" sz="1800" i="1" dirty="0">
-                <a:effectLst/>
-                <a:latin typeface="Advhelvneue"/>
-              </a:rPr>
-              <a:t>” </a:t>
-            </a:r>
-            <a:endParaRPr lang="en-US" dirty="0"/>
-          </a:p>
-        </p:txBody>
-      </p:sp>
-      <p:sp>
-        <p:nvSpPr>
-          <p:cNvPr id="9" name="TextBox 8">
-            <a:extLst>
-              <a:ext uri="{FF2B5EF4-FFF2-40B4-BE49-F238E27FC236}">
-                <a16:creationId xmlns:a16="http://schemas.microsoft.com/office/drawing/2014/main" id="{E5160DF7-A142-B877-E041-0FD9549623B2}"/>
-              </a:ext>
-            </a:extLst>
-          </p:cNvPr>
-          <p:cNvSpPr txBox="1"/>
-          <p:nvPr/>
-        </p:nvSpPr>
-        <p:spPr>
-          <a:xfrm>
-            <a:off x="5645159" y="3165680"/>
-            <a:ext cx="4554940" cy="369332"/>
-          </a:xfrm>
-          <a:prstGeom prst="rect">
-            <a:avLst/>
-          </a:prstGeom>
-          <a:noFill/>
-        </p:spPr>
-        <p:txBody>
-          <a:bodyPr wrap="square">
-            <a:spAutoFit/>
-          </a:bodyPr>
-          <a:lstStyle/>
-          <a:p>
-            <a:pPr marL="285750" indent="-285750">
-              <a:buFont typeface="Arial" panose="020B0604020202020204" pitchFamily="34" charset="0"/>
-              <a:buChar char="•"/>
-            </a:pPr>
-            <a:r>
-              <a:rPr lang="en-US" dirty="0"/>
-              <a:t>Original MAST model used for study:</a:t>
-            </a:r>
-          </a:p>
-        </p:txBody>
-      </p:sp>
-      <p:sp>
-        <p:nvSpPr>
-          <p:cNvPr id="10" name="TextBox 9">
-            <a:extLst>
-              <a:ext uri="{FF2B5EF4-FFF2-40B4-BE49-F238E27FC236}">
-                <a16:creationId xmlns:a16="http://schemas.microsoft.com/office/drawing/2014/main" id="{81FE492C-B88D-06D8-B21A-4192652304C0}"/>
-              </a:ext>
-            </a:extLst>
-          </p:cNvPr>
-          <p:cNvSpPr txBox="1"/>
-          <p:nvPr/>
-        </p:nvSpPr>
-        <p:spPr>
-          <a:xfrm>
-            <a:off x="5645159" y="5245333"/>
-            <a:ext cx="5013742" cy="646331"/>
-          </a:xfrm>
-          <a:prstGeom prst="rect">
-            <a:avLst/>
-          </a:prstGeom>
-          <a:noFill/>
-        </p:spPr>
-        <p:txBody>
-          <a:bodyPr wrap="square">
-            <a:spAutoFit/>
-          </a:bodyPr>
-          <a:lstStyle/>
-          <a:p>
-            <a:pPr marL="285750" indent="-285750">
-              <a:buFont typeface="Arial" panose="020B0604020202020204" pitchFamily="34" charset="0"/>
-              <a:buChar char="•"/>
-            </a:pPr>
-            <a:r>
-              <a:rPr lang="en-US" dirty="0"/>
-              <a:t>Patients’ treatments are detailed in supplementary data. Could add as covariate.</a:t>
-            </a:r>
-          </a:p>
-        </p:txBody>
-      </p:sp>
-      <p:sp>
-        <p:nvSpPr>
-          <p:cNvPr id="11" name="TextBox 10">
-            <a:extLst>
-              <a:ext uri="{FF2B5EF4-FFF2-40B4-BE49-F238E27FC236}">
-                <a16:creationId xmlns:a16="http://schemas.microsoft.com/office/drawing/2014/main" id="{95DCB4B0-6724-C73E-9673-2DA6BE4595AD}"/>
-              </a:ext>
-            </a:extLst>
-          </p:cNvPr>
-          <p:cNvSpPr txBox="1"/>
-          <p:nvPr/>
-        </p:nvSpPr>
-        <p:spPr>
-          <a:xfrm>
-            <a:off x="5645159" y="4280272"/>
-            <a:ext cx="5409528" cy="646331"/>
-          </a:xfrm>
-          <a:prstGeom prst="rect">
-            <a:avLst/>
-          </a:prstGeom>
-          <a:noFill/>
-        </p:spPr>
-        <p:txBody>
-          <a:bodyPr wrap="square">
-            <a:spAutoFit/>
-          </a:bodyPr>
-          <a:lstStyle/>
-          <a:p>
-            <a:pPr marL="285750" indent="-285750">
-              <a:buFont typeface="Arial" panose="020B0604020202020204" pitchFamily="34" charset="0"/>
-              <a:buChar char="•"/>
-            </a:pPr>
-            <a:r>
-              <a:rPr lang="en-US" dirty="0"/>
-              <a:t>Presence or absence of immunotherapies may affect differential expression esp. </a:t>
-            </a:r>
-            <a:r>
-              <a:rPr lang="en-US" dirty="0" err="1"/>
-              <a:t>w.r.t.</a:t>
-            </a:r>
-            <a:r>
-              <a:rPr lang="en-US" dirty="0"/>
-              <a:t> immune cells.</a:t>
-            </a:r>
-          </a:p>
-        </p:txBody>
-      </p:sp>
-    </p:spTree>
-    <p:extLst>
-      <p:ext uri="{BB962C8B-B14F-4D97-AF65-F5344CB8AC3E}">
-        <p14:creationId xmlns:p14="http://schemas.microsoft.com/office/powerpoint/2010/main" val="2272053007"/>
-      </p:ext>
-    </p:extLst>
-  </p:cSld>
-  <p:clrMapOvr>
-    <a:masterClrMapping/>
-  </p:clrMapOvr>
-</p:sld>
-</file>
-
-<file path=ppt/slides/slide8.xml><?xml version="1.0" encoding="utf-8"?>
-<p:sld xmlns:a="http://schemas.openxmlformats.org/drawingml/2006/main" xmlns:r="http://schemas.openxmlformats.org/officeDocument/2006/relationships" xmlns:p="http://schemas.openxmlformats.org/presentationml/2006/main">
-  <p:cSld>
-    <p:spTree>
-      <p:nvGrpSpPr>
-        <p:cNvPr id="1" name=""/>
-        <p:cNvGrpSpPr/>
-        <p:nvPr/>
-      </p:nvGrpSpPr>
-      <p:grpSpPr>
-        <a:xfrm>
-          <a:off x="0" y="0"/>
-          <a:ext cx="0" cy="0"/>
-          <a:chOff x="0" y="0"/>
-          <a:chExt cx="0" cy="0"/>
-        </a:xfrm>
-      </p:grpSpPr>
-      <p:sp>
-        <p:nvSpPr>
-          <p:cNvPr id="2" name="Title 1">
-            <a:extLst>
-              <a:ext uri="{FF2B5EF4-FFF2-40B4-BE49-F238E27FC236}">
-                <a16:creationId xmlns:a16="http://schemas.microsoft.com/office/drawing/2014/main" id="{E34857E0-4EFA-736F-7C9F-59A4C80672D1}"/>
-              </a:ext>
-            </a:extLst>
-          </p:cNvPr>
-          <p:cNvSpPr>
-            <a:spLocks noGrp="1"/>
-          </p:cNvSpPr>
-          <p:nvPr>
-            <p:ph type="title"/>
-          </p:nvPr>
-        </p:nvSpPr>
-        <p:spPr/>
-        <p:txBody>
-          <a:bodyPr/>
-          <a:lstStyle/>
-          <a:p>
-            <a:r>
-              <a:rPr lang="en-US" dirty="0"/>
-              <a:t>Differential Expression with DESeq2</a:t>
-            </a:r>
-          </a:p>
-        </p:txBody>
-      </p:sp>
-      <p:sp>
-        <p:nvSpPr>
-          <p:cNvPr id="3" name="Content Placeholder 2">
-            <a:extLst>
-              <a:ext uri="{FF2B5EF4-FFF2-40B4-BE49-F238E27FC236}">
-                <a16:creationId xmlns:a16="http://schemas.microsoft.com/office/drawing/2014/main" id="{02B125AA-2610-1632-65C1-699553B90C30}"/>
-              </a:ext>
-            </a:extLst>
-          </p:cNvPr>
-          <p:cNvSpPr>
-            <a:spLocks noGrp="1"/>
-          </p:cNvSpPr>
-          <p:nvPr>
-            <p:ph idx="1"/>
-          </p:nvPr>
-        </p:nvSpPr>
-        <p:spPr/>
-        <p:txBody>
-          <a:bodyPr/>
-          <a:lstStyle/>
-          <a:p>
-            <a:r>
-              <a:rPr lang="en-US" dirty="0"/>
-              <a:t>DESeq2 – Love et al. (2014)</a:t>
-            </a:r>
-          </a:p>
-          <a:p>
-            <a:r>
-              <a:rPr lang="en-US" dirty="0"/>
-              <a:t>Uses negative binomial generalized linear model (GLM)</a:t>
-            </a:r>
-          </a:p>
-          <a:p>
-            <a:r>
-              <a:rPr lang="en-US" dirty="0"/>
-              <a:t>Incorporates dispersion and fold change parameters for each gene</a:t>
-            </a:r>
-          </a:p>
-        </p:txBody>
-      </p:sp>
-    </p:spTree>
-    <p:extLst>
-      <p:ext uri="{BB962C8B-B14F-4D97-AF65-F5344CB8AC3E}">
-        <p14:creationId xmlns:p14="http://schemas.microsoft.com/office/powerpoint/2010/main" val="2331975794"/>
-      </p:ext>
-    </p:extLst>
-  </p:cSld>
-  <p:clrMapOvr>
-    <a:masterClrMapping/>
-  </p:clrMapOvr>
-</p:sld>
-</file>
-
-<file path=ppt/slides/slide9.xml><?xml version="1.0" encoding="utf-8"?>
-<p:sld xmlns:a="http://schemas.openxmlformats.org/drawingml/2006/main" xmlns:r="http://schemas.openxmlformats.org/officeDocument/2006/relationships" xmlns:p="http://schemas.openxmlformats.org/presentationml/2006/main">
-  <p:cSld>
-    <p:spTree>
-      <p:nvGrpSpPr>
-        <p:cNvPr id="1" name=""/>
-        <p:cNvGrpSpPr/>
-        <p:nvPr/>
-      </p:nvGrpSpPr>
-      <p:grpSpPr>
-        <a:xfrm>
-          <a:off x="0" y="0"/>
-          <a:ext cx="0" cy="0"/>
-          <a:chOff x="0" y="0"/>
-          <a:chExt cx="0" cy="0"/>
-        </a:xfrm>
-      </p:grpSpPr>
-      <p:sp>
-        <p:nvSpPr>
-          <p:cNvPr id="2" name="Title 1">
-            <a:extLst>
-              <a:ext uri="{FF2B5EF4-FFF2-40B4-BE49-F238E27FC236}">
-                <a16:creationId xmlns:a16="http://schemas.microsoft.com/office/drawing/2014/main" id="{72EF261C-D26E-8AC5-577D-59EC27EF572E}"/>
-              </a:ext>
-            </a:extLst>
-          </p:cNvPr>
-          <p:cNvSpPr>
-            <a:spLocks noGrp="1"/>
-          </p:cNvSpPr>
-          <p:nvPr>
-            <p:ph type="title"/>
-          </p:nvPr>
-        </p:nvSpPr>
-        <p:spPr/>
-        <p:txBody>
-          <a:bodyPr/>
-          <a:lstStyle/>
-          <a:p>
-            <a:r>
-              <a:rPr lang="en-US" dirty="0"/>
-              <a:t>DESeq2</a:t>
+              <a:t>Running DESeq2</a:t>
             </a:r>
           </a:p>
         </p:txBody>
@@ -6770,16 +5601,6 @@
           <a:p>
             <a:r>
               <a:rPr lang="en-US" dirty="0"/>
-              <a:t>GLM: generalizes ordinary linear regression, by relating the linear model to the response vars via a </a:t>
-            </a:r>
-            <a:r>
-              <a:rPr lang="en-US" i="1" dirty="0"/>
-              <a:t>link function </a:t>
-            </a:r>
-          </a:p>
-          <a:p>
-            <a:r>
-              <a:rPr lang="en-US" dirty="0"/>
               <a:t>In DESeq2, read counts (</a:t>
             </a:r>
             <a:r>
@@ -6863,6 +5684,1974 @@
     <p:extLst>
       <p:ext uri="{BB962C8B-B14F-4D97-AF65-F5344CB8AC3E}">
         <p14:creationId xmlns:p14="http://schemas.microsoft.com/office/powerpoint/2010/main" val="3399437386"/>
+      </p:ext>
+    </p:extLst>
+  </p:cSld>
+  <p:clrMapOvr>
+    <a:masterClrMapping/>
+  </p:clrMapOvr>
+</p:sld>
+</file>
+
+<file path=ppt/slides/slide11.xml><?xml version="1.0" encoding="utf-8"?>
+<p:sld xmlns:a="http://schemas.openxmlformats.org/drawingml/2006/main" xmlns:r="http://schemas.openxmlformats.org/officeDocument/2006/relationships" xmlns:p="http://schemas.openxmlformats.org/presentationml/2006/main">
+  <p:cSld>
+    <p:spTree>
+      <p:nvGrpSpPr>
+        <p:cNvPr id="1" name=""/>
+        <p:cNvGrpSpPr/>
+        <p:nvPr/>
+      </p:nvGrpSpPr>
+      <p:grpSpPr>
+        <a:xfrm>
+          <a:off x="0" y="0"/>
+          <a:ext cx="0" cy="0"/>
+          <a:chOff x="0" y="0"/>
+          <a:chExt cx="0" cy="0"/>
+        </a:xfrm>
+      </p:grpSpPr>
+      <p:sp>
+        <p:nvSpPr>
+          <p:cNvPr id="2" name="Title 1">
+            <a:extLst>
+              <a:ext uri="{FF2B5EF4-FFF2-40B4-BE49-F238E27FC236}">
+                <a16:creationId xmlns:a16="http://schemas.microsoft.com/office/drawing/2014/main" id="{D2A17CC1-81B7-58D5-909F-E84F8520F6A8}"/>
+              </a:ext>
+            </a:extLst>
+          </p:cNvPr>
+          <p:cNvSpPr>
+            <a:spLocks noGrp="1"/>
+          </p:cNvSpPr>
+          <p:nvPr>
+            <p:ph type="title"/>
+          </p:nvPr>
+        </p:nvSpPr>
+        <p:spPr/>
+        <p:txBody>
+          <a:bodyPr/>
+          <a:lstStyle/>
+          <a:p>
+            <a:r>
+              <a:rPr lang="en-US" dirty="0"/>
+              <a:t>Main findings (Preliminary)</a:t>
+            </a:r>
+          </a:p>
+        </p:txBody>
+      </p:sp>
+      <p:sp>
+        <p:nvSpPr>
+          <p:cNvPr id="3" name="Content Placeholder 2">
+            <a:extLst>
+              <a:ext uri="{FF2B5EF4-FFF2-40B4-BE49-F238E27FC236}">
+                <a16:creationId xmlns:a16="http://schemas.microsoft.com/office/drawing/2014/main" id="{ABFC1F0F-0B9A-A01F-FF9F-9AF27CA0E527}"/>
+              </a:ext>
+            </a:extLst>
+          </p:cNvPr>
+          <p:cNvSpPr>
+            <a:spLocks noGrp="1"/>
+          </p:cNvSpPr>
+          <p:nvPr>
+            <p:ph idx="1"/>
+          </p:nvPr>
+        </p:nvSpPr>
+        <p:spPr/>
+        <p:txBody>
+          <a:bodyPr>
+            <a:normAutofit lnSpcReduction="10000"/>
+          </a:bodyPr>
+          <a:lstStyle/>
+          <a:p>
+            <a:r>
+              <a:rPr lang="en-US" dirty="0"/>
+              <a:t>Differential expression profiles showed some consistency between the CO and TI, particularly in epithelial and stromal cells. However, weak correlations indicate that the two sites behave very differently. </a:t>
+            </a:r>
+          </a:p>
+          <a:p>
+            <a:r>
+              <a:rPr lang="en-US" dirty="0"/>
+              <a:t>Differential expression was more pronounced in the CO compared to the TI, with the transcriptional response to inflammation being more marked in the CO. This difference was particularly strong among epithelial cell types. </a:t>
+            </a:r>
+          </a:p>
+          <a:p>
+            <a:r>
+              <a:rPr lang="en-US" dirty="0"/>
+              <a:t>Immune cells showed the least differential expression in inflammation. This suggests that compositional changes, such as infiltration of activated immune cells, are the main drivers of immune differences.</a:t>
+            </a:r>
+          </a:p>
+        </p:txBody>
+      </p:sp>
+    </p:spTree>
+    <p:extLst>
+      <p:ext uri="{BB962C8B-B14F-4D97-AF65-F5344CB8AC3E}">
+        <p14:creationId xmlns:p14="http://schemas.microsoft.com/office/powerpoint/2010/main" val="2362833774"/>
+      </p:ext>
+    </p:extLst>
+  </p:cSld>
+  <p:clrMapOvr>
+    <a:masterClrMapping/>
+  </p:clrMapOvr>
+</p:sld>
+</file>
+
+<file path=ppt/slides/slide12.xml><?xml version="1.0" encoding="utf-8"?>
+<p:sld xmlns:a="http://schemas.openxmlformats.org/drawingml/2006/main" xmlns:r="http://schemas.openxmlformats.org/officeDocument/2006/relationships" xmlns:p="http://schemas.openxmlformats.org/presentationml/2006/main">
+  <p:cSld>
+    <p:spTree>
+      <p:nvGrpSpPr>
+        <p:cNvPr id="1" name=""/>
+        <p:cNvGrpSpPr/>
+        <p:nvPr/>
+      </p:nvGrpSpPr>
+      <p:grpSpPr>
+        <a:xfrm>
+          <a:off x="0" y="0"/>
+          <a:ext cx="0" cy="0"/>
+          <a:chOff x="0" y="0"/>
+          <a:chExt cx="0" cy="0"/>
+        </a:xfrm>
+      </p:grpSpPr>
+      <p:sp>
+        <p:nvSpPr>
+          <p:cNvPr id="2" name="Title 1">
+            <a:extLst>
+              <a:ext uri="{FF2B5EF4-FFF2-40B4-BE49-F238E27FC236}">
+                <a16:creationId xmlns:a16="http://schemas.microsoft.com/office/drawing/2014/main" id="{E555A222-B23D-6A34-6423-EBE10D0A12C1}"/>
+              </a:ext>
+            </a:extLst>
+          </p:cNvPr>
+          <p:cNvSpPr>
+            <a:spLocks noGrp="1"/>
+          </p:cNvSpPr>
+          <p:nvPr>
+            <p:ph type="title"/>
+          </p:nvPr>
+        </p:nvSpPr>
+        <p:spPr/>
+        <p:txBody>
+          <a:bodyPr/>
+          <a:lstStyle/>
+          <a:p>
+            <a:r>
+              <a:rPr lang="en-US" dirty="0"/>
+              <a:t>MAST vs. DESeq2</a:t>
+            </a:r>
+          </a:p>
+        </p:txBody>
+      </p:sp>
+      <p:sp>
+        <p:nvSpPr>
+          <p:cNvPr id="3" name="Content Placeholder 2">
+            <a:extLst>
+              <a:ext uri="{FF2B5EF4-FFF2-40B4-BE49-F238E27FC236}">
+                <a16:creationId xmlns:a16="http://schemas.microsoft.com/office/drawing/2014/main" id="{D6969797-CD26-1A85-A6DA-7F87F13F1128}"/>
+              </a:ext>
+            </a:extLst>
+          </p:cNvPr>
+          <p:cNvSpPr>
+            <a:spLocks noGrp="1"/>
+          </p:cNvSpPr>
+          <p:nvPr>
+            <p:ph idx="1"/>
+          </p:nvPr>
+        </p:nvSpPr>
+        <p:spPr/>
+        <p:txBody>
+          <a:bodyPr>
+            <a:normAutofit/>
+          </a:bodyPr>
+          <a:lstStyle/>
+          <a:p>
+            <a:r>
+              <a:rPr lang="en-US" dirty="0"/>
+              <a:t>MAST: Particularly good at handling "dropouts" and high variability in </a:t>
+            </a:r>
+            <a:r>
+              <a:rPr lang="en-US" dirty="0" err="1"/>
+              <a:t>scRNA</a:t>
+            </a:r>
+            <a:r>
+              <a:rPr lang="en-US" dirty="0"/>
+              <a:t>-seq data</a:t>
+            </a:r>
+          </a:p>
+          <a:p>
+            <a:r>
+              <a:rPr lang="en-US" dirty="0"/>
+              <a:t>DESeq2: Originally designed for bulk RNA-seq, not optimal for handling dropouts and high variability in </a:t>
+            </a:r>
+            <a:r>
+              <a:rPr lang="en-US" dirty="0" err="1"/>
+              <a:t>scRNA</a:t>
+            </a:r>
+            <a:r>
+              <a:rPr lang="en-US" dirty="0"/>
+              <a:t>-seq data</a:t>
+            </a:r>
+          </a:p>
+          <a:p>
+            <a:r>
+              <a:rPr lang="en-US" dirty="0"/>
+              <a:t>Both MAST and DESeq2 allow for easy expansion of covariates</a:t>
+            </a:r>
+          </a:p>
+        </p:txBody>
+      </p:sp>
+    </p:spTree>
+    <p:extLst>
+      <p:ext uri="{BB962C8B-B14F-4D97-AF65-F5344CB8AC3E}">
+        <p14:creationId xmlns:p14="http://schemas.microsoft.com/office/powerpoint/2010/main" val="4103673194"/>
+      </p:ext>
+    </p:extLst>
+  </p:cSld>
+  <p:clrMapOvr>
+    <a:masterClrMapping/>
+  </p:clrMapOvr>
+</p:sld>
+</file>
+
+<file path=ppt/slides/slide13.xml><?xml version="1.0" encoding="utf-8"?>
+<p:sld xmlns:a="http://schemas.openxmlformats.org/drawingml/2006/main" xmlns:r="http://schemas.openxmlformats.org/officeDocument/2006/relationships" xmlns:p="http://schemas.openxmlformats.org/presentationml/2006/main">
+  <p:cSld>
+    <p:spTree>
+      <p:nvGrpSpPr>
+        <p:cNvPr id="1" name=""/>
+        <p:cNvGrpSpPr/>
+        <p:nvPr/>
+      </p:nvGrpSpPr>
+      <p:grpSpPr>
+        <a:xfrm>
+          <a:off x="0" y="0"/>
+          <a:ext cx="0" cy="0"/>
+          <a:chOff x="0" y="0"/>
+          <a:chExt cx="0" cy="0"/>
+        </a:xfrm>
+      </p:grpSpPr>
+      <p:sp>
+        <p:nvSpPr>
+          <p:cNvPr id="2" name="Title 1">
+            <a:extLst>
+              <a:ext uri="{FF2B5EF4-FFF2-40B4-BE49-F238E27FC236}">
+                <a16:creationId xmlns:a16="http://schemas.microsoft.com/office/drawing/2014/main" id="{BF8F45F7-6635-C3F1-111C-A09123B8AE46}"/>
+              </a:ext>
+            </a:extLst>
+          </p:cNvPr>
+          <p:cNvSpPr>
+            <a:spLocks noGrp="1"/>
+          </p:cNvSpPr>
+          <p:nvPr>
+            <p:ph type="title"/>
+          </p:nvPr>
+        </p:nvSpPr>
+        <p:spPr/>
+        <p:txBody>
+          <a:bodyPr/>
+          <a:lstStyle/>
+          <a:p>
+            <a:r>
+              <a:rPr lang="en-US" dirty="0"/>
+              <a:t>Comparative Analysis of DE Tools (Wang et al., 2019)</a:t>
+            </a:r>
+          </a:p>
+        </p:txBody>
+      </p:sp>
+      <p:sp>
+        <p:nvSpPr>
+          <p:cNvPr id="3" name="Content Placeholder 2">
+            <a:extLst>
+              <a:ext uri="{FF2B5EF4-FFF2-40B4-BE49-F238E27FC236}">
+                <a16:creationId xmlns:a16="http://schemas.microsoft.com/office/drawing/2014/main" id="{2BDAFE44-190D-4A8C-D066-DD88ECCE2F0A}"/>
+              </a:ext>
+            </a:extLst>
+          </p:cNvPr>
+          <p:cNvSpPr>
+            <a:spLocks noGrp="1"/>
+          </p:cNvSpPr>
+          <p:nvPr>
+            <p:ph idx="1"/>
+          </p:nvPr>
+        </p:nvSpPr>
+        <p:spPr/>
+        <p:txBody>
+          <a:bodyPr/>
+          <a:lstStyle/>
+          <a:p>
+            <a:r>
+              <a:rPr lang="en-US" dirty="0"/>
+              <a:t>Trade-off between sensitivity and precision</a:t>
+            </a:r>
+          </a:p>
+          <a:p>
+            <a:r>
+              <a:rPr lang="en-US" dirty="0"/>
+              <a:t>MAST: High precision but low sensitivity</a:t>
+            </a:r>
+          </a:p>
+          <a:p>
+            <a:r>
+              <a:rPr lang="en-US" dirty="0"/>
+              <a:t>DESeq2: More balanced performance between sensitivity and precision</a:t>
+            </a:r>
+          </a:p>
+        </p:txBody>
+      </p:sp>
+    </p:spTree>
+    <p:extLst>
+      <p:ext uri="{BB962C8B-B14F-4D97-AF65-F5344CB8AC3E}">
+        <p14:creationId xmlns:p14="http://schemas.microsoft.com/office/powerpoint/2010/main" val="2198632889"/>
+      </p:ext>
+    </p:extLst>
+  </p:cSld>
+  <p:clrMapOvr>
+    <a:masterClrMapping/>
+  </p:clrMapOvr>
+</p:sld>
+</file>
+
+<file path=ppt/slides/slide14.xml><?xml version="1.0" encoding="utf-8"?>
+<p:sld xmlns:a="http://schemas.openxmlformats.org/drawingml/2006/main" xmlns:r="http://schemas.openxmlformats.org/officeDocument/2006/relationships" xmlns:p="http://schemas.openxmlformats.org/presentationml/2006/main">
+  <p:cSld>
+    <p:spTree>
+      <p:nvGrpSpPr>
+        <p:cNvPr id="1" name=""/>
+        <p:cNvGrpSpPr/>
+        <p:nvPr/>
+      </p:nvGrpSpPr>
+      <p:grpSpPr>
+        <a:xfrm>
+          <a:off x="0" y="0"/>
+          <a:ext cx="0" cy="0"/>
+          <a:chOff x="0" y="0"/>
+          <a:chExt cx="0" cy="0"/>
+        </a:xfrm>
+      </p:grpSpPr>
+      <p:sp>
+        <p:nvSpPr>
+          <p:cNvPr id="2" name="Title 1">
+            <a:extLst>
+              <a:ext uri="{FF2B5EF4-FFF2-40B4-BE49-F238E27FC236}">
+                <a16:creationId xmlns:a16="http://schemas.microsoft.com/office/drawing/2014/main" id="{E49F0AAC-D39D-8D0F-097A-0383B629530E}"/>
+              </a:ext>
+            </a:extLst>
+          </p:cNvPr>
+          <p:cNvSpPr>
+            <a:spLocks noGrp="1"/>
+          </p:cNvSpPr>
+          <p:nvPr>
+            <p:ph type="title"/>
+          </p:nvPr>
+        </p:nvSpPr>
+        <p:spPr/>
+        <p:txBody>
+          <a:bodyPr/>
+          <a:lstStyle/>
+          <a:p>
+            <a:r>
+              <a:rPr lang="en-US" dirty="0"/>
+              <a:t>Expected Outcomes in Healthy vs. Inflamed Analysis</a:t>
+            </a:r>
+          </a:p>
+        </p:txBody>
+      </p:sp>
+      <p:sp>
+        <p:nvSpPr>
+          <p:cNvPr id="3" name="Content Placeholder 2">
+            <a:extLst>
+              <a:ext uri="{FF2B5EF4-FFF2-40B4-BE49-F238E27FC236}">
+                <a16:creationId xmlns:a16="http://schemas.microsoft.com/office/drawing/2014/main" id="{AE249F84-1C34-4181-7D2A-A17317BEB7FF}"/>
+              </a:ext>
+            </a:extLst>
+          </p:cNvPr>
+          <p:cNvSpPr>
+            <a:spLocks noGrp="1"/>
+          </p:cNvSpPr>
+          <p:nvPr>
+            <p:ph idx="1"/>
+          </p:nvPr>
+        </p:nvSpPr>
+        <p:spPr/>
+        <p:txBody>
+          <a:bodyPr/>
+          <a:lstStyle/>
+          <a:p>
+            <a:r>
+              <a:rPr lang="en-US" dirty="0"/>
+              <a:t>DESeq2 may not identify as many up-regulated or down-regulated genes as MAST in the comparison between healthy and inflamed tissues.</a:t>
+            </a:r>
+          </a:p>
+          <a:p>
+            <a:r>
+              <a:rPr lang="en-US" dirty="0"/>
+              <a:t>This could be due to DESeq2's bulk RNA-seq design and less effective handling of dropout events and high variability in </a:t>
+            </a:r>
+            <a:r>
+              <a:rPr lang="en-US" dirty="0" err="1"/>
+              <a:t>scRNA</a:t>
+            </a:r>
+            <a:r>
+              <a:rPr lang="en-US" dirty="0"/>
+              <a:t>-seq data.</a:t>
+            </a:r>
+          </a:p>
+          <a:p>
+            <a:r>
+              <a:rPr lang="en-US" dirty="0"/>
+              <a:t>Researchers should consider the trade-offs between sensitivity and precision when choosing a differential expression analysis tool for </a:t>
+            </a:r>
+            <a:r>
+              <a:rPr lang="en-US" dirty="0" err="1"/>
+              <a:t>scRNA</a:t>
+            </a:r>
+            <a:r>
+              <a:rPr lang="en-US" dirty="0"/>
+              <a:t>-seq data.</a:t>
+            </a:r>
+          </a:p>
+        </p:txBody>
+      </p:sp>
+    </p:spTree>
+    <p:extLst>
+      <p:ext uri="{BB962C8B-B14F-4D97-AF65-F5344CB8AC3E}">
+        <p14:creationId xmlns:p14="http://schemas.microsoft.com/office/powerpoint/2010/main" val="2534191992"/>
+      </p:ext>
+    </p:extLst>
+  </p:cSld>
+  <p:clrMapOvr>
+    <a:masterClrMapping/>
+  </p:clrMapOvr>
+</p:sld>
+</file>
+
+<file path=ppt/slides/slide15.xml><?xml version="1.0" encoding="utf-8"?>
+<p:sld xmlns:a="http://schemas.openxmlformats.org/drawingml/2006/main" xmlns:r="http://schemas.openxmlformats.org/officeDocument/2006/relationships" xmlns:p="http://schemas.openxmlformats.org/presentationml/2006/main">
+  <p:cSld>
+    <p:spTree>
+      <p:nvGrpSpPr>
+        <p:cNvPr id="1" name=""/>
+        <p:cNvGrpSpPr/>
+        <p:nvPr/>
+      </p:nvGrpSpPr>
+      <p:grpSpPr>
+        <a:xfrm>
+          <a:off x="0" y="0"/>
+          <a:ext cx="0" cy="0"/>
+          <a:chOff x="0" y="0"/>
+          <a:chExt cx="0" cy="0"/>
+        </a:xfrm>
+      </p:grpSpPr>
+      <p:sp>
+        <p:nvSpPr>
+          <p:cNvPr id="2" name="Title 1">
+            <a:extLst>
+              <a:ext uri="{FF2B5EF4-FFF2-40B4-BE49-F238E27FC236}">
+                <a16:creationId xmlns:a16="http://schemas.microsoft.com/office/drawing/2014/main" id="{A057D7B9-BCDA-3615-7691-EE082087EAC4}"/>
+              </a:ext>
+            </a:extLst>
+          </p:cNvPr>
+          <p:cNvSpPr>
+            <a:spLocks noGrp="1"/>
+          </p:cNvSpPr>
+          <p:nvPr>
+            <p:ph type="title"/>
+          </p:nvPr>
+        </p:nvSpPr>
+        <p:spPr/>
+        <p:txBody>
+          <a:bodyPr/>
+          <a:lstStyle/>
+          <a:p>
+            <a:r>
+              <a:rPr lang="en-US" dirty="0"/>
+              <a:t>Overall Conclusion</a:t>
+            </a:r>
+          </a:p>
+        </p:txBody>
+      </p:sp>
+      <p:sp>
+        <p:nvSpPr>
+          <p:cNvPr id="3" name="Content Placeholder 2">
+            <a:extLst>
+              <a:ext uri="{FF2B5EF4-FFF2-40B4-BE49-F238E27FC236}">
+                <a16:creationId xmlns:a16="http://schemas.microsoft.com/office/drawing/2014/main" id="{ADAC37DA-57D7-7584-D2C2-5A485CFFDD5A}"/>
+              </a:ext>
+            </a:extLst>
+          </p:cNvPr>
+          <p:cNvSpPr>
+            <a:spLocks noGrp="1"/>
+          </p:cNvSpPr>
+          <p:nvPr>
+            <p:ph idx="1"/>
+          </p:nvPr>
+        </p:nvSpPr>
+        <p:spPr/>
+        <p:txBody>
+          <a:bodyPr/>
+          <a:lstStyle/>
+          <a:p>
+            <a:r>
+              <a:rPr lang="en-US" dirty="0"/>
+              <a:t>Kong found organ and compartment specific responses to acute and chronic inflammation</a:t>
+            </a:r>
+          </a:p>
+          <a:p>
+            <a:r>
+              <a:rPr lang="en-US" dirty="0"/>
+              <a:t>Most immune changes were in cell composition and transcriptional changes dominated among epithelial and stromal cells</a:t>
+            </a:r>
+          </a:p>
+          <a:p>
+            <a:pPr lvl="1"/>
+            <a:r>
+              <a:rPr lang="en-US" dirty="0"/>
+              <a:t>disease-associated markers of myofibroblast activation were identified</a:t>
+            </a:r>
+          </a:p>
+        </p:txBody>
+      </p:sp>
+    </p:spTree>
+    <p:extLst>
+      <p:ext uri="{BB962C8B-B14F-4D97-AF65-F5344CB8AC3E}">
+        <p14:creationId xmlns:p14="http://schemas.microsoft.com/office/powerpoint/2010/main" val="1860092264"/>
+      </p:ext>
+    </p:extLst>
+  </p:cSld>
+  <p:clrMapOvr>
+    <a:masterClrMapping/>
+  </p:clrMapOvr>
+</p:sld>
+</file>
+
+<file path=ppt/slides/slide2.xml><?xml version="1.0" encoding="utf-8"?>
+<p:sld xmlns:a="http://schemas.openxmlformats.org/drawingml/2006/main" xmlns:r="http://schemas.openxmlformats.org/officeDocument/2006/relationships" xmlns:p="http://schemas.openxmlformats.org/presentationml/2006/main">
+  <p:cSld>
+    <p:spTree>
+      <p:nvGrpSpPr>
+        <p:cNvPr id="1" name=""/>
+        <p:cNvGrpSpPr/>
+        <p:nvPr/>
+      </p:nvGrpSpPr>
+      <p:grpSpPr>
+        <a:xfrm>
+          <a:off x="0" y="0"/>
+          <a:ext cx="0" cy="0"/>
+          <a:chOff x="0" y="0"/>
+          <a:chExt cx="0" cy="0"/>
+        </a:xfrm>
+      </p:grpSpPr>
+      <p:sp>
+        <p:nvSpPr>
+          <p:cNvPr id="2" name="Title 1">
+            <a:extLst>
+              <a:ext uri="{FF2B5EF4-FFF2-40B4-BE49-F238E27FC236}">
+                <a16:creationId xmlns:a16="http://schemas.microsoft.com/office/drawing/2014/main" id="{ED192FF6-7DBC-7E71-89DA-53C1F9F114AE}"/>
+              </a:ext>
+            </a:extLst>
+          </p:cNvPr>
+          <p:cNvSpPr>
+            <a:spLocks noGrp="1"/>
+          </p:cNvSpPr>
+          <p:nvPr>
+            <p:ph type="title"/>
+          </p:nvPr>
+        </p:nvSpPr>
+        <p:spPr/>
+        <p:txBody>
+          <a:bodyPr/>
+          <a:lstStyle/>
+          <a:p>
+            <a:r>
+              <a:rPr lang="en-US" dirty="0"/>
+              <a:t>Introduction</a:t>
+            </a:r>
+          </a:p>
+        </p:txBody>
+      </p:sp>
+      <p:sp>
+        <p:nvSpPr>
+          <p:cNvPr id="3" name="Content Placeholder 2">
+            <a:extLst>
+              <a:ext uri="{FF2B5EF4-FFF2-40B4-BE49-F238E27FC236}">
+                <a16:creationId xmlns:a16="http://schemas.microsoft.com/office/drawing/2014/main" id="{08AF71F3-7AE9-541F-DE87-A6F83A8A3B41}"/>
+              </a:ext>
+            </a:extLst>
+          </p:cNvPr>
+          <p:cNvSpPr>
+            <a:spLocks noGrp="1"/>
+          </p:cNvSpPr>
+          <p:nvPr>
+            <p:ph idx="1"/>
+          </p:nvPr>
+        </p:nvSpPr>
+        <p:spPr/>
+        <p:txBody>
+          <a:bodyPr/>
+          <a:lstStyle/>
+          <a:p>
+            <a:r>
+              <a:rPr lang="en-US" dirty="0"/>
+              <a:t>Kong investigated alterations in gene expression across diverse cell types within the GI tract affected by Crohn’s disease</a:t>
+            </a:r>
+          </a:p>
+          <a:p>
+            <a:r>
+              <a:rPr lang="en-US" dirty="0"/>
+              <a:t>Crohn’s disease is multifactorial. There have been discoveries of risk genes related to:</a:t>
+            </a:r>
+          </a:p>
+          <a:p>
+            <a:pPr lvl="1"/>
+            <a:r>
+              <a:rPr lang="en-US" dirty="0"/>
+              <a:t>Epithelial barrier function</a:t>
+            </a:r>
+          </a:p>
+          <a:p>
+            <a:pPr lvl="1"/>
+            <a:r>
+              <a:rPr lang="en-US" dirty="0"/>
+              <a:t>Microbe sensing and restriction</a:t>
+            </a:r>
+          </a:p>
+          <a:p>
+            <a:pPr lvl="1"/>
+            <a:r>
+              <a:rPr lang="en-US" dirty="0"/>
+              <a:t>Adaptive immunity</a:t>
+            </a:r>
+          </a:p>
+          <a:p>
+            <a:pPr lvl="1"/>
+            <a:endParaRPr lang="en-US" dirty="0"/>
+          </a:p>
+        </p:txBody>
+      </p:sp>
+    </p:spTree>
+    <p:extLst>
+      <p:ext uri="{BB962C8B-B14F-4D97-AF65-F5344CB8AC3E}">
+        <p14:creationId xmlns:p14="http://schemas.microsoft.com/office/powerpoint/2010/main" val="500570318"/>
+      </p:ext>
+    </p:extLst>
+  </p:cSld>
+  <p:clrMapOvr>
+    <a:masterClrMapping/>
+  </p:clrMapOvr>
+</p:sld>
+</file>
+
+<file path=ppt/slides/slide3.xml><?xml version="1.0" encoding="utf-8"?>
+<p:sld xmlns:a="http://schemas.openxmlformats.org/drawingml/2006/main" xmlns:r="http://schemas.openxmlformats.org/officeDocument/2006/relationships" xmlns:p="http://schemas.openxmlformats.org/presentationml/2006/main">
+  <p:cSld>
+    <p:spTree>
+      <p:nvGrpSpPr>
+        <p:cNvPr id="1" name=""/>
+        <p:cNvGrpSpPr/>
+        <p:nvPr/>
+      </p:nvGrpSpPr>
+      <p:grpSpPr>
+        <a:xfrm>
+          <a:off x="0" y="0"/>
+          <a:ext cx="0" cy="0"/>
+          <a:chOff x="0" y="0"/>
+          <a:chExt cx="0" cy="0"/>
+        </a:xfrm>
+      </p:grpSpPr>
+      <p:sp>
+        <p:nvSpPr>
+          <p:cNvPr id="2" name="Title 1">
+            <a:extLst>
+              <a:ext uri="{FF2B5EF4-FFF2-40B4-BE49-F238E27FC236}">
+                <a16:creationId xmlns:a16="http://schemas.microsoft.com/office/drawing/2014/main" id="{7FCBDF63-7F37-E2F6-B33D-2BB7BE1F6196}"/>
+              </a:ext>
+            </a:extLst>
+          </p:cNvPr>
+          <p:cNvSpPr>
+            <a:spLocks noGrp="1"/>
+          </p:cNvSpPr>
+          <p:nvPr>
+            <p:ph type="title"/>
+          </p:nvPr>
+        </p:nvSpPr>
+        <p:spPr/>
+        <p:txBody>
+          <a:bodyPr/>
+          <a:lstStyle/>
+          <a:p>
+            <a:r>
+              <a:rPr lang="en-US" dirty="0"/>
+              <a:t>Investigating Differential Cell Expression</a:t>
+            </a:r>
+          </a:p>
+        </p:txBody>
+      </p:sp>
+      <p:sp>
+        <p:nvSpPr>
+          <p:cNvPr id="3" name="Content Placeholder 2">
+            <a:extLst>
+              <a:ext uri="{FF2B5EF4-FFF2-40B4-BE49-F238E27FC236}">
+                <a16:creationId xmlns:a16="http://schemas.microsoft.com/office/drawing/2014/main" id="{2E27C9C2-8245-368C-BCC1-D67F2750A5AA}"/>
+              </a:ext>
+            </a:extLst>
+          </p:cNvPr>
+          <p:cNvSpPr>
+            <a:spLocks noGrp="1"/>
+          </p:cNvSpPr>
+          <p:nvPr>
+            <p:ph idx="1"/>
+          </p:nvPr>
+        </p:nvSpPr>
+        <p:spPr/>
+        <p:txBody>
+          <a:bodyPr/>
+          <a:lstStyle/>
+          <a:p>
+            <a:r>
+              <a:rPr lang="en-US" dirty="0"/>
+              <a:t>Kong used Model-Based Analysis of Single-Cell Transcriptomics (MAST) to find the expression of different cells</a:t>
+            </a:r>
+          </a:p>
+          <a:p>
+            <a:pPr lvl="1"/>
+            <a:r>
+              <a:rPr lang="en-US" dirty="0"/>
+              <a:t>Kong compared the expression of different cells amongst healthy, non-inflamed and inflamed tissues</a:t>
+            </a:r>
+          </a:p>
+          <a:p>
+            <a:pPr lvl="1"/>
+            <a:r>
+              <a:rPr lang="en-US" dirty="0"/>
+              <a:t>All genes with no disease-related difference were filtered out</a:t>
+            </a:r>
+          </a:p>
+        </p:txBody>
+      </p:sp>
+    </p:spTree>
+    <p:extLst>
+      <p:ext uri="{BB962C8B-B14F-4D97-AF65-F5344CB8AC3E}">
+        <p14:creationId xmlns:p14="http://schemas.microsoft.com/office/powerpoint/2010/main" val="3243696164"/>
+      </p:ext>
+    </p:extLst>
+  </p:cSld>
+  <p:clrMapOvr>
+    <a:masterClrMapping/>
+  </p:clrMapOvr>
+</p:sld>
+</file>
+
+<file path=ppt/slides/slide4.xml><?xml version="1.0" encoding="utf-8"?>
+<p:sld xmlns:a="http://schemas.openxmlformats.org/drawingml/2006/main" xmlns:r="http://schemas.openxmlformats.org/officeDocument/2006/relationships" xmlns:p="http://schemas.openxmlformats.org/presentationml/2006/main">
+  <p:cSld>
+    <p:bg>
+      <p:bgPr>
+        <a:solidFill>
+          <a:schemeClr val="bg1"/>
+        </a:solidFill>
+        <a:effectLst/>
+      </p:bgPr>
+    </p:bg>
+    <p:spTree>
+      <p:nvGrpSpPr>
+        <p:cNvPr id="1" name=""/>
+        <p:cNvGrpSpPr/>
+        <p:nvPr/>
+      </p:nvGrpSpPr>
+      <p:grpSpPr>
+        <a:xfrm>
+          <a:off x="0" y="0"/>
+          <a:ext cx="0" cy="0"/>
+          <a:chOff x="0" y="0"/>
+          <a:chExt cx="0" cy="0"/>
+        </a:xfrm>
+      </p:grpSpPr>
+      <p:sp>
+        <p:nvSpPr>
+          <p:cNvPr id="14" name="Rectangle 13">
+            <a:extLst>
+              <a:ext uri="{FF2B5EF4-FFF2-40B4-BE49-F238E27FC236}">
+                <a16:creationId xmlns:a16="http://schemas.microsoft.com/office/drawing/2014/main" id="{42A4FC2C-047E-45A5-965D-8E1E3BF09BC6}"/>
+              </a:ext>
+              <a:ext uri="{C183D7F6-B498-43B3-948B-1728B52AA6E4}">
+                <adec:decorative xmlns:adec="http://schemas.microsoft.com/office/drawing/2017/decorative" val="1"/>
+              </a:ext>
+            </a:extLst>
+          </p:cNvPr>
+          <p:cNvSpPr>
+            <a:spLocks noGrp="1" noRot="1" noChangeAspect="1" noMove="1" noResize="1" noEditPoints="1" noAdjustHandles="1" noChangeArrowheads="1" noChangeShapeType="1" noTextEdit="1"/>
+          </p:cNvSpPr>
+          <p:nvPr>
+            <p:extLst>
+              <p:ext uri="{386F3935-93C4-4BCD-93E2-E3B085C9AB24}">
+                <p16:designElem xmlns:p16="http://schemas.microsoft.com/office/powerpoint/2015/main" val="1"/>
+              </p:ext>
+            </p:extLst>
+          </p:nvPr>
+        </p:nvSpPr>
+        <p:spPr bwMode="white">
+          <a:xfrm>
+            <a:off x="1524" y="0"/>
+            <a:ext cx="12188952" cy="6858000"/>
+          </a:xfrm>
+          <a:prstGeom prst="rect">
+            <a:avLst/>
+          </a:prstGeom>
+          <a:noFill/>
+          <a:ln>
+            <a:noFill/>
+          </a:ln>
+        </p:spPr>
+        <p:style>
+          <a:lnRef idx="2">
+            <a:schemeClr val="accent1">
+              <a:shade val="50000"/>
+            </a:schemeClr>
+          </a:lnRef>
+          <a:fillRef idx="1">
+            <a:schemeClr val="accent1"/>
+          </a:fillRef>
+          <a:effectRef idx="0">
+            <a:schemeClr val="accent1"/>
+          </a:effectRef>
+          <a:fontRef idx="minor">
+            <a:schemeClr val="lt1"/>
+          </a:fontRef>
+        </p:style>
+        <p:txBody>
+          <a:bodyPr rtlCol="0" anchor="ctr"/>
+          <a:lstStyle>
+            <a:defPPr>
+              <a:defRPr lang="en-US"/>
+            </a:defPPr>
+            <a:lvl1pPr marL="0" algn="l" defTabSz="914400" rtl="0" eaLnBrk="1" latinLnBrk="0" hangingPunct="1">
+              <a:defRPr sz="1800" kern="1200">
+                <a:solidFill>
+                  <a:schemeClr val="lt1"/>
+                </a:solidFill>
+                <a:latin typeface="+mn-lt"/>
+                <a:ea typeface="+mn-ea"/>
+                <a:cs typeface="+mn-cs"/>
+              </a:defRPr>
+            </a:lvl1pPr>
+            <a:lvl2pPr marL="457200" algn="l" defTabSz="914400" rtl="0" eaLnBrk="1" latinLnBrk="0" hangingPunct="1">
+              <a:defRPr sz="1800" kern="1200">
+                <a:solidFill>
+                  <a:schemeClr val="lt1"/>
+                </a:solidFill>
+                <a:latin typeface="+mn-lt"/>
+                <a:ea typeface="+mn-ea"/>
+                <a:cs typeface="+mn-cs"/>
+              </a:defRPr>
+            </a:lvl2pPr>
+            <a:lvl3pPr marL="914400" algn="l" defTabSz="914400" rtl="0" eaLnBrk="1" latinLnBrk="0" hangingPunct="1">
+              <a:defRPr sz="1800" kern="1200">
+                <a:solidFill>
+                  <a:schemeClr val="lt1"/>
+                </a:solidFill>
+                <a:latin typeface="+mn-lt"/>
+                <a:ea typeface="+mn-ea"/>
+                <a:cs typeface="+mn-cs"/>
+              </a:defRPr>
+            </a:lvl3pPr>
+            <a:lvl4pPr marL="1371600" algn="l" defTabSz="914400" rtl="0" eaLnBrk="1" latinLnBrk="0" hangingPunct="1">
+              <a:defRPr sz="1800" kern="1200">
+                <a:solidFill>
+                  <a:schemeClr val="lt1"/>
+                </a:solidFill>
+                <a:latin typeface="+mn-lt"/>
+                <a:ea typeface="+mn-ea"/>
+                <a:cs typeface="+mn-cs"/>
+              </a:defRPr>
+            </a:lvl4pPr>
+            <a:lvl5pPr marL="1828800" algn="l" defTabSz="914400" rtl="0" eaLnBrk="1" latinLnBrk="0" hangingPunct="1">
+              <a:defRPr sz="1800" kern="1200">
+                <a:solidFill>
+                  <a:schemeClr val="lt1"/>
+                </a:solidFill>
+                <a:latin typeface="+mn-lt"/>
+                <a:ea typeface="+mn-ea"/>
+                <a:cs typeface="+mn-cs"/>
+              </a:defRPr>
+            </a:lvl5pPr>
+            <a:lvl6pPr marL="2286000" algn="l" defTabSz="914400" rtl="0" eaLnBrk="1" latinLnBrk="0" hangingPunct="1">
+              <a:defRPr sz="1800" kern="1200">
+                <a:solidFill>
+                  <a:schemeClr val="lt1"/>
+                </a:solidFill>
+                <a:latin typeface="+mn-lt"/>
+                <a:ea typeface="+mn-ea"/>
+                <a:cs typeface="+mn-cs"/>
+              </a:defRPr>
+            </a:lvl6pPr>
+            <a:lvl7pPr marL="2743200" algn="l" defTabSz="914400" rtl="0" eaLnBrk="1" latinLnBrk="0" hangingPunct="1">
+              <a:defRPr sz="1800" kern="1200">
+                <a:solidFill>
+                  <a:schemeClr val="lt1"/>
+                </a:solidFill>
+                <a:latin typeface="+mn-lt"/>
+                <a:ea typeface="+mn-ea"/>
+                <a:cs typeface="+mn-cs"/>
+              </a:defRPr>
+            </a:lvl7pPr>
+            <a:lvl8pPr marL="3200400" algn="l" defTabSz="914400" rtl="0" eaLnBrk="1" latinLnBrk="0" hangingPunct="1">
+              <a:defRPr sz="1800" kern="1200">
+                <a:solidFill>
+                  <a:schemeClr val="lt1"/>
+                </a:solidFill>
+                <a:latin typeface="+mn-lt"/>
+                <a:ea typeface="+mn-ea"/>
+                <a:cs typeface="+mn-cs"/>
+              </a:defRPr>
+            </a:lvl8pPr>
+            <a:lvl9pPr marL="3657600" algn="l" defTabSz="914400" rtl="0" eaLnBrk="1" latinLnBrk="0" hangingPunct="1">
+              <a:defRPr sz="1800" kern="1200">
+                <a:solidFill>
+                  <a:schemeClr val="lt1"/>
+                </a:solidFill>
+                <a:latin typeface="+mn-lt"/>
+                <a:ea typeface="+mn-ea"/>
+                <a:cs typeface="+mn-cs"/>
+              </a:defRPr>
+            </a:lvl9pPr>
+          </a:lstStyle>
+          <a:p>
+            <a:pPr algn="ctr"/>
+            <a:endParaRPr lang="en-US"/>
+          </a:p>
+        </p:txBody>
+      </p:sp>
+      <p:pic>
+        <p:nvPicPr>
+          <p:cNvPr id="7" name="Content Placeholder 6">
+            <a:extLst>
+              <a:ext uri="{FF2B5EF4-FFF2-40B4-BE49-F238E27FC236}">
+                <a16:creationId xmlns:a16="http://schemas.microsoft.com/office/drawing/2014/main" id="{F7A9F909-D50B-FD33-9D36-EE195AE43840}"/>
+              </a:ext>
+            </a:extLst>
+          </p:cNvPr>
+          <p:cNvPicPr>
+            <a:picLocks noGrp="1" noChangeAspect="1"/>
+          </p:cNvPicPr>
+          <p:nvPr>
+            <p:ph idx="1"/>
+          </p:nvPr>
+        </p:nvPicPr>
+        <p:blipFill rotWithShape="1">
+          <a:blip r:embed="rId3"/>
+          <a:srcRect l="5760"/>
+          <a:stretch/>
+        </p:blipFill>
+        <p:spPr>
+          <a:xfrm>
+            <a:off x="20" y="1282"/>
+            <a:ext cx="12191980" cy="6856718"/>
+          </a:xfrm>
+          <a:prstGeom prst="rect">
+            <a:avLst/>
+          </a:prstGeom>
+        </p:spPr>
+      </p:pic>
+    </p:spTree>
+    <p:extLst>
+      <p:ext uri="{BB962C8B-B14F-4D97-AF65-F5344CB8AC3E}">
+        <p14:creationId xmlns:p14="http://schemas.microsoft.com/office/powerpoint/2010/main" val="4190790413"/>
+      </p:ext>
+    </p:extLst>
+  </p:cSld>
+  <p:clrMapOvr>
+    <a:masterClrMapping/>
+  </p:clrMapOvr>
+</p:sld>
+</file>
+
+<file path=ppt/slides/slide5.xml><?xml version="1.0" encoding="utf-8"?>
+<p:sld xmlns:a="http://schemas.openxmlformats.org/drawingml/2006/main" xmlns:r="http://schemas.openxmlformats.org/officeDocument/2006/relationships" xmlns:p="http://schemas.openxmlformats.org/presentationml/2006/main">
+  <p:cSld>
+    <p:spTree>
+      <p:nvGrpSpPr>
+        <p:cNvPr id="1" name=""/>
+        <p:cNvGrpSpPr/>
+        <p:nvPr/>
+      </p:nvGrpSpPr>
+      <p:grpSpPr>
+        <a:xfrm>
+          <a:off x="0" y="0"/>
+          <a:ext cx="0" cy="0"/>
+          <a:chOff x="0" y="0"/>
+          <a:chExt cx="0" cy="0"/>
+        </a:xfrm>
+      </p:grpSpPr>
+      <p:sp>
+        <p:nvSpPr>
+          <p:cNvPr id="2" name="Title 1">
+            <a:extLst>
+              <a:ext uri="{FF2B5EF4-FFF2-40B4-BE49-F238E27FC236}">
+                <a16:creationId xmlns:a16="http://schemas.microsoft.com/office/drawing/2014/main" id="{3EFC597A-4510-00E7-659F-A6A8871230CC}"/>
+              </a:ext>
+            </a:extLst>
+          </p:cNvPr>
+          <p:cNvSpPr>
+            <a:spLocks noGrp="1"/>
+          </p:cNvSpPr>
+          <p:nvPr>
+            <p:ph type="title"/>
+          </p:nvPr>
+        </p:nvSpPr>
+        <p:spPr/>
+        <p:txBody>
+          <a:bodyPr/>
+          <a:lstStyle/>
+          <a:p>
+            <a:r>
+              <a:rPr lang="en-US" dirty="0"/>
+              <a:t>Differential Expression with MAST</a:t>
+            </a:r>
+          </a:p>
+        </p:txBody>
+      </p:sp>
+      <p:sp>
+        <p:nvSpPr>
+          <p:cNvPr id="3" name="Content Placeholder 2">
+            <a:extLst>
+              <a:ext uri="{FF2B5EF4-FFF2-40B4-BE49-F238E27FC236}">
+                <a16:creationId xmlns:a16="http://schemas.microsoft.com/office/drawing/2014/main" id="{BD9BAFEE-C30C-BB55-A479-965EAFA644A9}"/>
+              </a:ext>
+            </a:extLst>
+          </p:cNvPr>
+          <p:cNvSpPr>
+            <a:spLocks noGrp="1"/>
+          </p:cNvSpPr>
+          <p:nvPr>
+            <p:ph idx="1"/>
+          </p:nvPr>
+        </p:nvSpPr>
+        <p:spPr>
+          <a:xfrm>
+            <a:off x="625744" y="1887619"/>
+            <a:ext cx="10940512" cy="4351338"/>
+          </a:xfrm>
+        </p:spPr>
+        <p:txBody>
+          <a:bodyPr/>
+          <a:lstStyle/>
+          <a:p>
+            <a:r>
+              <a:rPr lang="en-US" dirty="0"/>
+              <a:t>MAST – </a:t>
+            </a:r>
+            <a:r>
+              <a:rPr lang="en-US" dirty="0" err="1"/>
+              <a:t>Finak</a:t>
+            </a:r>
+            <a:r>
+              <a:rPr lang="en-US" dirty="0"/>
+              <a:t> et al. (2015)</a:t>
+            </a:r>
+          </a:p>
+          <a:p>
+            <a:r>
+              <a:rPr lang="en-US" dirty="0"/>
+              <a:t>Analysis has two parts (hurdle model): </a:t>
+            </a:r>
+          </a:p>
+          <a:p>
+            <a:pPr lvl="1"/>
+            <a:r>
+              <a:rPr lang="en-US" dirty="0"/>
+              <a:t>(1) discrete component of gene expression (binary – a gene is expressed or not)</a:t>
+            </a:r>
+          </a:p>
+          <a:p>
+            <a:pPr lvl="1"/>
+            <a:r>
+              <a:rPr lang="en-US" dirty="0"/>
+              <a:t>(2) continuous component (expression level given that a gene is expressed)</a:t>
+            </a:r>
+          </a:p>
+          <a:p>
+            <a:r>
+              <a:rPr lang="en-US" dirty="0"/>
+              <a:t>Standard prep with Seurat (log-transform, normalize)</a:t>
+            </a:r>
+          </a:p>
+          <a:p>
+            <a:r>
+              <a:rPr lang="en-US" dirty="0"/>
+              <a:t>Model allows for flexible covariates</a:t>
+            </a:r>
+          </a:p>
+          <a:p>
+            <a:pPr lvl="1"/>
+            <a:r>
+              <a:rPr lang="en-US" dirty="0"/>
+              <a:t>E.g., multiple treatment groups, technical factors (batch/time info)</a:t>
+            </a:r>
+          </a:p>
+        </p:txBody>
+      </p:sp>
+    </p:spTree>
+    <p:extLst>
+      <p:ext uri="{BB962C8B-B14F-4D97-AF65-F5344CB8AC3E}">
+        <p14:creationId xmlns:p14="http://schemas.microsoft.com/office/powerpoint/2010/main" val="4147786652"/>
+      </p:ext>
+    </p:extLst>
+  </p:cSld>
+  <p:clrMapOvr>
+    <a:masterClrMapping/>
+  </p:clrMapOvr>
+</p:sld>
+</file>
+
+<file path=ppt/slides/slide6.xml><?xml version="1.0" encoding="utf-8"?>
+<p:sld xmlns:a="http://schemas.openxmlformats.org/drawingml/2006/main" xmlns:r="http://schemas.openxmlformats.org/officeDocument/2006/relationships" xmlns:p="http://schemas.openxmlformats.org/presentationml/2006/main">
+  <p:cSld>
+    <p:spTree>
+      <p:nvGrpSpPr>
+        <p:cNvPr id="1" name=""/>
+        <p:cNvGrpSpPr/>
+        <p:nvPr/>
+      </p:nvGrpSpPr>
+      <p:grpSpPr>
+        <a:xfrm>
+          <a:off x="0" y="0"/>
+          <a:ext cx="0" cy="0"/>
+          <a:chOff x="0" y="0"/>
+          <a:chExt cx="0" cy="0"/>
+        </a:xfrm>
+      </p:grpSpPr>
+      <p:sp>
+        <p:nvSpPr>
+          <p:cNvPr id="2" name="Title 1">
+            <a:extLst>
+              <a:ext uri="{FF2B5EF4-FFF2-40B4-BE49-F238E27FC236}">
+                <a16:creationId xmlns:a16="http://schemas.microsoft.com/office/drawing/2014/main" id="{DE8184FD-35CF-50B0-3501-06173E886002}"/>
+              </a:ext>
+            </a:extLst>
+          </p:cNvPr>
+          <p:cNvSpPr>
+            <a:spLocks noGrp="1"/>
+          </p:cNvSpPr>
+          <p:nvPr>
+            <p:ph type="title"/>
+          </p:nvPr>
+        </p:nvSpPr>
+        <p:spPr/>
+        <p:txBody>
+          <a:bodyPr/>
+          <a:lstStyle/>
+          <a:p>
+            <a:r>
+              <a:rPr lang="en-US" dirty="0"/>
+              <a:t>MAST – Hurdle Model</a:t>
+            </a:r>
+          </a:p>
+        </p:txBody>
+      </p:sp>
+      <p:sp>
+        <p:nvSpPr>
+          <p:cNvPr id="3" name="Content Placeholder 2">
+            <a:extLst>
+              <a:ext uri="{FF2B5EF4-FFF2-40B4-BE49-F238E27FC236}">
+                <a16:creationId xmlns:a16="http://schemas.microsoft.com/office/drawing/2014/main" id="{C1AB51D5-979C-2650-2B60-8A595A710887}"/>
+              </a:ext>
+            </a:extLst>
+          </p:cNvPr>
+          <p:cNvSpPr>
+            <a:spLocks noGrp="1"/>
+          </p:cNvSpPr>
+          <p:nvPr>
+            <p:ph idx="1"/>
+          </p:nvPr>
+        </p:nvSpPr>
+        <p:spPr>
+          <a:xfrm>
+            <a:off x="419100" y="1690688"/>
+            <a:ext cx="11353800" cy="4351338"/>
+          </a:xfrm>
+        </p:spPr>
+        <p:txBody>
+          <a:bodyPr/>
+          <a:lstStyle/>
+          <a:p>
+            <a:r>
+              <a:rPr lang="en-US" dirty="0"/>
+              <a:t>(1) Logistic regression for discrete component </a:t>
+            </a:r>
+            <a:r>
+              <a:rPr lang="en-US" i="1" dirty="0"/>
+              <a:t>(</a:t>
+            </a:r>
+            <a:r>
+              <a:rPr lang="en-US" i="1" dirty="0">
+                <a:latin typeface="Times New Roman" panose="02020603050405020304" pitchFamily="18" charset="0"/>
+                <a:cs typeface="Times New Roman" panose="02020603050405020304" pitchFamily="18" charset="0"/>
+              </a:rPr>
+              <a:t>Z</a:t>
+            </a:r>
+            <a:r>
+              <a:rPr lang="en-US" i="1" dirty="0"/>
+              <a:t>)</a:t>
+            </a:r>
+          </a:p>
+          <a:p>
+            <a:r>
+              <a:rPr lang="en-US" dirty="0"/>
+              <a:t>(2) Expression level (conditional on </a:t>
+            </a:r>
+            <a:r>
+              <a:rPr lang="en-US" i="1" dirty="0">
+                <a:latin typeface="Times New Roman" panose="02020603050405020304" pitchFamily="18" charset="0"/>
+                <a:cs typeface="Times New Roman" panose="02020603050405020304" pitchFamily="18" charset="0"/>
+              </a:rPr>
+              <a:t>Z</a:t>
+            </a:r>
+            <a:r>
+              <a:rPr lang="en-US" i="1" dirty="0"/>
+              <a:t>)</a:t>
+            </a:r>
+            <a:r>
+              <a:rPr lang="en-US" dirty="0"/>
+              <a:t> is modeled by linear Gaussian </a:t>
+            </a:r>
+            <a:r>
+              <a:rPr lang="en-US" i="1" dirty="0"/>
+              <a:t>(</a:t>
+            </a:r>
+            <a:r>
+              <a:rPr lang="en-US" i="1" dirty="0">
+                <a:latin typeface="Times New Roman" panose="02020603050405020304" pitchFamily="18" charset="0"/>
+                <a:cs typeface="Times New Roman" panose="02020603050405020304" pitchFamily="18" charset="0"/>
+              </a:rPr>
+              <a:t>Y | Z</a:t>
+            </a:r>
+            <a:r>
+              <a:rPr lang="en-US" i="1" dirty="0"/>
+              <a:t>)</a:t>
+            </a:r>
+          </a:p>
+          <a:p>
+            <a:r>
+              <a:rPr lang="en-US" dirty="0"/>
+              <a:t>Use MLE to fit this model</a:t>
+            </a:r>
+          </a:p>
+          <a:p>
+            <a:pPr lvl="1"/>
+            <a:r>
+              <a:rPr lang="en-US" dirty="0"/>
+              <a:t>For each gene, determine regression coefficients below</a:t>
+            </a:r>
+          </a:p>
+          <a:p>
+            <a:r>
+              <a:rPr lang="en-US" dirty="0"/>
+              <a:t>Hypothesis testing to determine significance of covariates’ effects on gene expression</a:t>
+            </a:r>
+          </a:p>
+          <a:p>
+            <a:pPr lvl="1"/>
+            <a:r>
+              <a:rPr lang="en-US" dirty="0"/>
+              <a:t>Genes with p-values below threshold are considered differentially expressed</a:t>
+            </a:r>
+          </a:p>
+        </p:txBody>
+      </p:sp>
+      <p:pic>
+        <p:nvPicPr>
+          <p:cNvPr id="5" name="Picture 4" descr="Text&#10;&#10;Description automatically generated with medium confidence">
+            <a:extLst>
+              <a:ext uri="{FF2B5EF4-FFF2-40B4-BE49-F238E27FC236}">
+                <a16:creationId xmlns:a16="http://schemas.microsoft.com/office/drawing/2014/main" id="{3A4369F0-181A-9D5B-936E-DDF9A3E18F3A}"/>
+              </a:ext>
+            </a:extLst>
+          </p:cNvPr>
+          <p:cNvPicPr>
+            <a:picLocks noChangeAspect="1"/>
+          </p:cNvPicPr>
+          <p:nvPr/>
+        </p:nvPicPr>
+        <p:blipFill>
+          <a:blip r:embed="rId3">
+            <a:extLst>
+              <a:ext uri="{28A0092B-C50C-407E-A947-70E740481C1C}">
+                <a14:useLocalDpi xmlns:a14="http://schemas.microsoft.com/office/drawing/2010/main" val="0"/>
+              </a:ext>
+            </a:extLst>
+          </a:blip>
+          <a:stretch>
+            <a:fillRect/>
+          </a:stretch>
+        </p:blipFill>
+        <p:spPr>
+          <a:xfrm>
+            <a:off x="1398782" y="4957691"/>
+            <a:ext cx="5193572" cy="1693143"/>
+          </a:xfrm>
+          <a:prstGeom prst="rect">
+            <a:avLst/>
+          </a:prstGeom>
+        </p:spPr>
+      </p:pic>
+      <p:pic>
+        <p:nvPicPr>
+          <p:cNvPr id="7" name="Picture 6" descr="Logo&#10;&#10;Description automatically generated with medium confidence">
+            <a:extLst>
+              <a:ext uri="{FF2B5EF4-FFF2-40B4-BE49-F238E27FC236}">
+                <a16:creationId xmlns:a16="http://schemas.microsoft.com/office/drawing/2014/main" id="{97C89865-AABF-6A5B-7D55-2949AF8E3A4F}"/>
+              </a:ext>
+            </a:extLst>
+          </p:cNvPr>
+          <p:cNvPicPr>
+            <a:picLocks noChangeAspect="1"/>
+          </p:cNvPicPr>
+          <p:nvPr/>
+        </p:nvPicPr>
+        <p:blipFill>
+          <a:blip r:embed="rId4">
+            <a:extLst>
+              <a:ext uri="{28A0092B-C50C-407E-A947-70E740481C1C}">
+                <a14:useLocalDpi xmlns:a14="http://schemas.microsoft.com/office/drawing/2010/main" val="0"/>
+              </a:ext>
+            </a:extLst>
+          </a:blip>
+          <a:stretch>
+            <a:fillRect/>
+          </a:stretch>
+        </p:blipFill>
+        <p:spPr>
+          <a:xfrm>
+            <a:off x="6592354" y="5115650"/>
+            <a:ext cx="3103601" cy="1377223"/>
+          </a:xfrm>
+          <a:prstGeom prst="rect">
+            <a:avLst/>
+          </a:prstGeom>
+        </p:spPr>
+      </p:pic>
+    </p:spTree>
+    <p:extLst>
+      <p:ext uri="{BB962C8B-B14F-4D97-AF65-F5344CB8AC3E}">
+        <p14:creationId xmlns:p14="http://schemas.microsoft.com/office/powerpoint/2010/main" val="1773762573"/>
+      </p:ext>
+    </p:extLst>
+  </p:cSld>
+  <p:clrMapOvr>
+    <a:masterClrMapping/>
+  </p:clrMapOvr>
+</p:sld>
+</file>
+
+<file path=ppt/slides/slide7.xml><?xml version="1.0" encoding="utf-8"?>
+<p:sld xmlns:a="http://schemas.openxmlformats.org/drawingml/2006/main" xmlns:r="http://schemas.openxmlformats.org/officeDocument/2006/relationships" xmlns:p="http://schemas.openxmlformats.org/presentationml/2006/main">
+  <p:cSld>
+    <p:spTree>
+      <p:nvGrpSpPr>
+        <p:cNvPr id="1" name=""/>
+        <p:cNvGrpSpPr/>
+        <p:nvPr/>
+      </p:nvGrpSpPr>
+      <p:grpSpPr>
+        <a:xfrm>
+          <a:off x="0" y="0"/>
+          <a:ext cx="0" cy="0"/>
+          <a:chOff x="0" y="0"/>
+          <a:chExt cx="0" cy="0"/>
+        </a:xfrm>
+      </p:grpSpPr>
+      <p:pic>
+        <p:nvPicPr>
+          <p:cNvPr id="1026" name="Picture 2" descr="Provocative results' boost hopes of antibody treatment for COVID-19 |  Science | AAAS">
+            <a:hlinkClick r:id="rId2"/>
+            <a:extLst>
+              <a:ext uri="{FF2B5EF4-FFF2-40B4-BE49-F238E27FC236}">
+                <a16:creationId xmlns:a16="http://schemas.microsoft.com/office/drawing/2014/main" id="{37FFE612-A325-E525-4BF4-436D3DF0094D}"/>
+              </a:ext>
+            </a:extLst>
+          </p:cNvPr>
+          <p:cNvPicPr>
+            <a:picLocks noChangeAspect="1" noChangeArrowheads="1"/>
+          </p:cNvPicPr>
+          <p:nvPr/>
+        </p:nvPicPr>
+        <p:blipFill>
+          <a:blip r:embed="rId3">
+            <a:extLst>
+              <a:ext uri="{28A0092B-C50C-407E-A947-70E740481C1C}">
+                <a14:useLocalDpi xmlns:a14="http://schemas.microsoft.com/office/drawing/2010/main" val="0"/>
+              </a:ext>
+            </a:extLst>
+          </a:blip>
+          <a:srcRect/>
+          <a:stretch>
+            <a:fillRect/>
+          </a:stretch>
+        </p:blipFill>
+        <p:spPr bwMode="auto">
+          <a:xfrm>
+            <a:off x="543236" y="2775720"/>
+            <a:ext cx="3948223" cy="2220876"/>
+          </a:xfrm>
+          <a:prstGeom prst="rect">
+            <a:avLst/>
+          </a:prstGeom>
+          <a:noFill/>
+          <a:extLst>
+            <a:ext uri="{909E8E84-426E-40DD-AFC4-6F175D3DCCD1}">
+              <a14:hiddenFill xmlns:a14="http://schemas.microsoft.com/office/drawing/2010/main">
+                <a:solidFill>
+                  <a:srgbClr val="FFFFFF"/>
+                </a:solidFill>
+              </a14:hiddenFill>
+            </a:ext>
+          </a:extLst>
+        </p:spPr>
+      </p:pic>
+      <p:sp>
+        <p:nvSpPr>
+          <p:cNvPr id="2" name="Title 1">
+            <a:extLst>
+              <a:ext uri="{FF2B5EF4-FFF2-40B4-BE49-F238E27FC236}">
+                <a16:creationId xmlns:a16="http://schemas.microsoft.com/office/drawing/2014/main" id="{CB06464D-05C5-4A8C-4486-E6D46F878ACC}"/>
+              </a:ext>
+            </a:extLst>
+          </p:cNvPr>
+          <p:cNvSpPr>
+            <a:spLocks noGrp="1"/>
+          </p:cNvSpPr>
+          <p:nvPr>
+            <p:ph type="title"/>
+          </p:nvPr>
+        </p:nvSpPr>
+        <p:spPr/>
+        <p:txBody>
+          <a:bodyPr/>
+          <a:lstStyle/>
+          <a:p>
+            <a:r>
+              <a:rPr lang="en-US" dirty="0"/>
+              <a:t>Further Exploration with MAST</a:t>
+            </a:r>
+          </a:p>
+        </p:txBody>
+      </p:sp>
+      <p:sp>
+        <p:nvSpPr>
+          <p:cNvPr id="3" name="Content Placeholder 2">
+            <a:extLst>
+              <a:ext uri="{FF2B5EF4-FFF2-40B4-BE49-F238E27FC236}">
+                <a16:creationId xmlns:a16="http://schemas.microsoft.com/office/drawing/2014/main" id="{02ED8C44-4C73-8749-994B-EB007DF0920F}"/>
+              </a:ext>
+            </a:extLst>
+          </p:cNvPr>
+          <p:cNvSpPr>
+            <a:spLocks noGrp="1"/>
+          </p:cNvSpPr>
+          <p:nvPr>
+            <p:ph idx="1"/>
+          </p:nvPr>
+        </p:nvSpPr>
+        <p:spPr>
+          <a:xfrm>
+            <a:off x="838200" y="1511727"/>
+            <a:ext cx="10515600" cy="4351338"/>
+          </a:xfrm>
+        </p:spPr>
+        <p:txBody>
+          <a:bodyPr/>
+          <a:lstStyle/>
+          <a:p>
+            <a:r>
+              <a:rPr lang="en-US" dirty="0"/>
+              <a:t>Limitation of study: authors aware that patients were on various biologics but did not consider for model </a:t>
+            </a:r>
+          </a:p>
+        </p:txBody>
+      </p:sp>
+      <p:pic>
+        <p:nvPicPr>
+          <p:cNvPr id="5" name="Picture 4" descr="A picture containing text, document, screenshot, receipt&#10;&#10;Description automatically generated">
+            <a:extLst>
+              <a:ext uri="{FF2B5EF4-FFF2-40B4-BE49-F238E27FC236}">
+                <a16:creationId xmlns:a16="http://schemas.microsoft.com/office/drawing/2014/main" id="{FE41B3E7-B994-3A96-7FE1-11203ED299EC}"/>
+              </a:ext>
+            </a:extLst>
+          </p:cNvPr>
+          <p:cNvPicPr>
+            <a:picLocks noChangeAspect="1"/>
+          </p:cNvPicPr>
+          <p:nvPr/>
+        </p:nvPicPr>
+        <p:blipFill rotWithShape="1">
+          <a:blip r:embed="rId4">
+            <a:extLst>
+              <a:ext uri="{28A0092B-C50C-407E-A947-70E740481C1C}">
+                <a14:useLocalDpi xmlns:a14="http://schemas.microsoft.com/office/drawing/2010/main" val="0"/>
+              </a:ext>
+            </a:extLst>
+          </a:blip>
+          <a:srcRect b="30302"/>
+          <a:stretch/>
+        </p:blipFill>
+        <p:spPr>
+          <a:xfrm>
+            <a:off x="2333241" y="3917699"/>
+            <a:ext cx="3071272" cy="2394201"/>
+          </a:xfrm>
+          <a:prstGeom prst="rect">
+            <a:avLst/>
+          </a:prstGeom>
+        </p:spPr>
+      </p:pic>
+      <p:pic>
+        <p:nvPicPr>
+          <p:cNvPr id="1027" name="Picture 3" descr="Provocative results' boost hopes of antibody treatment for COVID-19 |  Science | AAAS">
+            <a:extLst>
+              <a:ext uri="{FF2B5EF4-FFF2-40B4-BE49-F238E27FC236}">
+                <a16:creationId xmlns:a16="http://schemas.microsoft.com/office/drawing/2014/main" id="{0410B3EF-5F78-8E54-FD25-084D07E9F572}"/>
+              </a:ext>
+            </a:extLst>
+          </p:cNvPr>
+          <p:cNvPicPr>
+            <a:picLocks noChangeAspect="1" noChangeArrowheads="1"/>
+          </p:cNvPicPr>
+          <p:nvPr/>
+        </p:nvPicPr>
+        <p:blipFill>
+          <a:blip r:embed="rId5">
+            <a:extLst>
+              <a:ext uri="{28A0092B-C50C-407E-A947-70E740481C1C}">
+                <a14:useLocalDpi xmlns:a14="http://schemas.microsoft.com/office/drawing/2010/main" val="0"/>
+              </a:ext>
+            </a:extLst>
+          </a:blip>
+          <a:srcRect/>
+          <a:stretch>
+            <a:fillRect/>
+          </a:stretch>
+        </p:blipFill>
+        <p:spPr bwMode="auto">
+          <a:xfrm>
+            <a:off x="16510000" y="-4389438"/>
+            <a:ext cx="3810000" cy="2133600"/>
+          </a:xfrm>
+          <a:prstGeom prst="rect">
+            <a:avLst/>
+          </a:prstGeom>
+          <a:noFill/>
+          <a:extLst>
+            <a:ext uri="{909E8E84-426E-40DD-AFC4-6F175D3DCCD1}">
+              <a14:hiddenFill xmlns:a14="http://schemas.microsoft.com/office/drawing/2010/main">
+                <a:solidFill>
+                  <a:srgbClr val="FFFFFF"/>
+                </a:solidFill>
+              </a14:hiddenFill>
+            </a:ext>
+          </a:extLst>
+        </p:spPr>
+      </p:pic>
+      <p:sp>
+        <p:nvSpPr>
+          <p:cNvPr id="8" name="TextBox 7">
+            <a:extLst>
+              <a:ext uri="{FF2B5EF4-FFF2-40B4-BE49-F238E27FC236}">
+                <a16:creationId xmlns:a16="http://schemas.microsoft.com/office/drawing/2014/main" id="{B1A1FDFA-53EB-B1DB-A34D-7217AF366813}"/>
+              </a:ext>
+            </a:extLst>
+          </p:cNvPr>
+          <p:cNvSpPr txBox="1"/>
+          <p:nvPr/>
+        </p:nvSpPr>
+        <p:spPr>
+          <a:xfrm>
+            <a:off x="6349621" y="3592210"/>
+            <a:ext cx="4554940" cy="369332"/>
+          </a:xfrm>
+          <a:prstGeom prst="rect">
+            <a:avLst/>
+          </a:prstGeom>
+          <a:noFill/>
+        </p:spPr>
+        <p:txBody>
+          <a:bodyPr wrap="square">
+            <a:spAutoFit/>
+          </a:bodyPr>
+          <a:lstStyle/>
+          <a:p>
+            <a:r>
+              <a:rPr lang="en-US" sz="1800" i="1" dirty="0">
+                <a:effectLst/>
+                <a:latin typeface="Advhelvneue"/>
+              </a:rPr>
+              <a:t>“Expression </a:t>
+            </a:r>
+            <a:r>
+              <a:rPr lang="en-US" sz="1800" dirty="0">
+                <a:effectLst/>
+                <a:latin typeface="AdvP4C4E74"/>
+              </a:rPr>
+              <a:t>~ </a:t>
+            </a:r>
+            <a:r>
+              <a:rPr lang="en-US" sz="1800" i="1" dirty="0" err="1">
+                <a:effectLst/>
+                <a:latin typeface="Advhelvneue"/>
+              </a:rPr>
+              <a:t>NGenes</a:t>
+            </a:r>
+            <a:r>
+              <a:rPr lang="en-US" sz="1800" i="1" dirty="0">
+                <a:effectLst/>
+                <a:latin typeface="Advhelvneue"/>
+              </a:rPr>
+              <a:t> + Layer + </a:t>
+            </a:r>
+            <a:r>
+              <a:rPr lang="en-US" sz="1800" i="1" dirty="0" err="1">
+                <a:effectLst/>
+                <a:latin typeface="Advhelvneue"/>
+              </a:rPr>
+              <a:t>DiseaseGroup</a:t>
+            </a:r>
+            <a:r>
+              <a:rPr lang="en-US" sz="1800" i="1" dirty="0">
+                <a:effectLst/>
+                <a:latin typeface="Advhelvneue"/>
+              </a:rPr>
+              <a:t>” </a:t>
+            </a:r>
+            <a:endParaRPr lang="en-US" dirty="0"/>
+          </a:p>
+        </p:txBody>
+      </p:sp>
+      <p:sp>
+        <p:nvSpPr>
+          <p:cNvPr id="9" name="TextBox 8">
+            <a:extLst>
+              <a:ext uri="{FF2B5EF4-FFF2-40B4-BE49-F238E27FC236}">
+                <a16:creationId xmlns:a16="http://schemas.microsoft.com/office/drawing/2014/main" id="{E5160DF7-A142-B877-E041-0FD9549623B2}"/>
+              </a:ext>
+            </a:extLst>
+          </p:cNvPr>
+          <p:cNvSpPr txBox="1"/>
+          <p:nvPr/>
+        </p:nvSpPr>
+        <p:spPr>
+          <a:xfrm>
+            <a:off x="5645159" y="3165680"/>
+            <a:ext cx="4554940" cy="369332"/>
+          </a:xfrm>
+          <a:prstGeom prst="rect">
+            <a:avLst/>
+          </a:prstGeom>
+          <a:noFill/>
+        </p:spPr>
+        <p:txBody>
+          <a:bodyPr wrap="square">
+            <a:spAutoFit/>
+          </a:bodyPr>
+          <a:lstStyle/>
+          <a:p>
+            <a:pPr marL="285750" indent="-285750">
+              <a:buFont typeface="Arial" panose="020B0604020202020204" pitchFamily="34" charset="0"/>
+              <a:buChar char="•"/>
+            </a:pPr>
+            <a:r>
+              <a:rPr lang="en-US" dirty="0"/>
+              <a:t>Original MAST model used for study:</a:t>
+            </a:r>
+          </a:p>
+        </p:txBody>
+      </p:sp>
+      <p:sp>
+        <p:nvSpPr>
+          <p:cNvPr id="10" name="TextBox 9">
+            <a:extLst>
+              <a:ext uri="{FF2B5EF4-FFF2-40B4-BE49-F238E27FC236}">
+                <a16:creationId xmlns:a16="http://schemas.microsoft.com/office/drawing/2014/main" id="{81FE492C-B88D-06D8-B21A-4192652304C0}"/>
+              </a:ext>
+            </a:extLst>
+          </p:cNvPr>
+          <p:cNvSpPr txBox="1"/>
+          <p:nvPr/>
+        </p:nvSpPr>
+        <p:spPr>
+          <a:xfrm>
+            <a:off x="5645159" y="5245333"/>
+            <a:ext cx="5013742" cy="646331"/>
+          </a:xfrm>
+          <a:prstGeom prst="rect">
+            <a:avLst/>
+          </a:prstGeom>
+          <a:noFill/>
+        </p:spPr>
+        <p:txBody>
+          <a:bodyPr wrap="square">
+            <a:spAutoFit/>
+          </a:bodyPr>
+          <a:lstStyle/>
+          <a:p>
+            <a:pPr marL="285750" indent="-285750">
+              <a:buFont typeface="Arial" panose="020B0604020202020204" pitchFamily="34" charset="0"/>
+              <a:buChar char="•"/>
+            </a:pPr>
+            <a:r>
+              <a:rPr lang="en-US" dirty="0"/>
+              <a:t>Patients’ treatments are detailed in supplementary data. Could add as covariate.</a:t>
+            </a:r>
+          </a:p>
+        </p:txBody>
+      </p:sp>
+      <p:sp>
+        <p:nvSpPr>
+          <p:cNvPr id="11" name="TextBox 10">
+            <a:extLst>
+              <a:ext uri="{FF2B5EF4-FFF2-40B4-BE49-F238E27FC236}">
+                <a16:creationId xmlns:a16="http://schemas.microsoft.com/office/drawing/2014/main" id="{95DCB4B0-6724-C73E-9673-2DA6BE4595AD}"/>
+              </a:ext>
+            </a:extLst>
+          </p:cNvPr>
+          <p:cNvSpPr txBox="1"/>
+          <p:nvPr/>
+        </p:nvSpPr>
+        <p:spPr>
+          <a:xfrm>
+            <a:off x="5645159" y="4280272"/>
+            <a:ext cx="5409528" cy="646331"/>
+          </a:xfrm>
+          <a:prstGeom prst="rect">
+            <a:avLst/>
+          </a:prstGeom>
+          <a:noFill/>
+        </p:spPr>
+        <p:txBody>
+          <a:bodyPr wrap="square">
+            <a:spAutoFit/>
+          </a:bodyPr>
+          <a:lstStyle/>
+          <a:p>
+            <a:pPr marL="285750" indent="-285750">
+              <a:buFont typeface="Arial" panose="020B0604020202020204" pitchFamily="34" charset="0"/>
+              <a:buChar char="•"/>
+            </a:pPr>
+            <a:r>
+              <a:rPr lang="en-US" dirty="0"/>
+              <a:t>Presence or absence of immunotherapies may affect differential expression esp. </a:t>
+            </a:r>
+            <a:r>
+              <a:rPr lang="en-US" dirty="0" err="1"/>
+              <a:t>w.r.t.</a:t>
+            </a:r>
+            <a:r>
+              <a:rPr lang="en-US" dirty="0"/>
+              <a:t> immune cells.</a:t>
+            </a:r>
+          </a:p>
+        </p:txBody>
+      </p:sp>
+    </p:spTree>
+    <p:extLst>
+      <p:ext uri="{BB962C8B-B14F-4D97-AF65-F5344CB8AC3E}">
+        <p14:creationId xmlns:p14="http://schemas.microsoft.com/office/powerpoint/2010/main" val="2272053007"/>
+      </p:ext>
+    </p:extLst>
+  </p:cSld>
+  <p:clrMapOvr>
+    <a:masterClrMapping/>
+  </p:clrMapOvr>
+</p:sld>
+</file>
+
+<file path=ppt/slides/slide8.xml><?xml version="1.0" encoding="utf-8"?>
+<p:sld xmlns:a="http://schemas.openxmlformats.org/drawingml/2006/main" xmlns:r="http://schemas.openxmlformats.org/officeDocument/2006/relationships" xmlns:p="http://schemas.openxmlformats.org/presentationml/2006/main">
+  <p:cSld>
+    <p:spTree>
+      <p:nvGrpSpPr>
+        <p:cNvPr id="1" name=""/>
+        <p:cNvGrpSpPr/>
+        <p:nvPr/>
+      </p:nvGrpSpPr>
+      <p:grpSpPr>
+        <a:xfrm>
+          <a:off x="0" y="0"/>
+          <a:ext cx="0" cy="0"/>
+          <a:chOff x="0" y="0"/>
+          <a:chExt cx="0" cy="0"/>
+        </a:xfrm>
+      </p:grpSpPr>
+      <p:sp>
+        <p:nvSpPr>
+          <p:cNvPr id="2" name="Title 1">
+            <a:extLst>
+              <a:ext uri="{FF2B5EF4-FFF2-40B4-BE49-F238E27FC236}">
+                <a16:creationId xmlns:a16="http://schemas.microsoft.com/office/drawing/2014/main" id="{E34857E0-4EFA-736F-7C9F-59A4C80672D1}"/>
+              </a:ext>
+            </a:extLst>
+          </p:cNvPr>
+          <p:cNvSpPr>
+            <a:spLocks noGrp="1"/>
+          </p:cNvSpPr>
+          <p:nvPr>
+            <p:ph type="title"/>
+          </p:nvPr>
+        </p:nvSpPr>
+        <p:spPr/>
+        <p:txBody>
+          <a:bodyPr/>
+          <a:lstStyle/>
+          <a:p>
+            <a:r>
+              <a:rPr lang="en-US" dirty="0"/>
+              <a:t>DESeq2</a:t>
+            </a:r>
+          </a:p>
+        </p:txBody>
+      </p:sp>
+      <p:sp>
+        <p:nvSpPr>
+          <p:cNvPr id="3" name="Content Placeholder 2">
+            <a:extLst>
+              <a:ext uri="{FF2B5EF4-FFF2-40B4-BE49-F238E27FC236}">
+                <a16:creationId xmlns:a16="http://schemas.microsoft.com/office/drawing/2014/main" id="{02B125AA-2610-1632-65C1-699553B90C30}"/>
+              </a:ext>
+            </a:extLst>
+          </p:cNvPr>
+          <p:cNvSpPr>
+            <a:spLocks noGrp="1"/>
+          </p:cNvSpPr>
+          <p:nvPr>
+            <p:ph idx="1"/>
+          </p:nvPr>
+        </p:nvSpPr>
+        <p:spPr/>
+        <p:txBody>
+          <a:bodyPr/>
+          <a:lstStyle/>
+          <a:p>
+            <a:r>
+              <a:rPr lang="en-US" dirty="0"/>
+              <a:t>Michael Love, Wolfgang Huber, and Simon Anders (2014)</a:t>
+            </a:r>
+          </a:p>
+          <a:p>
+            <a:r>
+              <a:rPr lang="en-US" dirty="0"/>
+              <a:t>Identify differentially expressed genes (DEGs)</a:t>
+            </a:r>
+          </a:p>
+          <a:p>
+            <a:r>
+              <a:rPr lang="en-US" dirty="0"/>
+              <a:t>Generalized linear model (GLM) based on the negative binomial distribution</a:t>
+            </a:r>
+          </a:p>
+        </p:txBody>
+      </p:sp>
+    </p:spTree>
+    <p:extLst>
+      <p:ext uri="{BB962C8B-B14F-4D97-AF65-F5344CB8AC3E}">
+        <p14:creationId xmlns:p14="http://schemas.microsoft.com/office/powerpoint/2010/main" val="2331975794"/>
+      </p:ext>
+    </p:extLst>
+  </p:cSld>
+  <p:clrMapOvr>
+    <a:masterClrMapping/>
+  </p:clrMapOvr>
+</p:sld>
+</file>
+
+<file path=ppt/slides/slide9.xml><?xml version="1.0" encoding="utf-8"?>
+<p:sld xmlns:a="http://schemas.openxmlformats.org/drawingml/2006/main" xmlns:r="http://schemas.openxmlformats.org/officeDocument/2006/relationships" xmlns:p="http://schemas.openxmlformats.org/presentationml/2006/main">
+  <p:cSld>
+    <p:spTree>
+      <p:nvGrpSpPr>
+        <p:cNvPr id="1" name=""/>
+        <p:cNvGrpSpPr/>
+        <p:nvPr/>
+      </p:nvGrpSpPr>
+      <p:grpSpPr>
+        <a:xfrm>
+          <a:off x="0" y="0"/>
+          <a:ext cx="0" cy="0"/>
+          <a:chOff x="0" y="0"/>
+          <a:chExt cx="0" cy="0"/>
+        </a:xfrm>
+      </p:grpSpPr>
+      <p:sp>
+        <p:nvSpPr>
+          <p:cNvPr id="2" name="Title 1">
+            <a:extLst>
+              <a:ext uri="{FF2B5EF4-FFF2-40B4-BE49-F238E27FC236}">
+                <a16:creationId xmlns:a16="http://schemas.microsoft.com/office/drawing/2014/main" id="{D484E3FD-EE5C-E1E8-9408-401FA7523D37}"/>
+              </a:ext>
+            </a:extLst>
+          </p:cNvPr>
+          <p:cNvSpPr>
+            <a:spLocks noGrp="1"/>
+          </p:cNvSpPr>
+          <p:nvPr>
+            <p:ph type="title"/>
+          </p:nvPr>
+        </p:nvSpPr>
+        <p:spPr/>
+        <p:txBody>
+          <a:bodyPr/>
+          <a:lstStyle/>
+          <a:p>
+            <a:r>
+              <a:rPr lang="en-US" dirty="0"/>
+              <a:t>Key features of DESeq2</a:t>
+            </a:r>
+          </a:p>
+        </p:txBody>
+      </p:sp>
+      <p:sp>
+        <p:nvSpPr>
+          <p:cNvPr id="3" name="Content Placeholder 2">
+            <a:extLst>
+              <a:ext uri="{FF2B5EF4-FFF2-40B4-BE49-F238E27FC236}">
+                <a16:creationId xmlns:a16="http://schemas.microsoft.com/office/drawing/2014/main" id="{911EEAEE-27E9-DAAE-D539-2A0D8704C456}"/>
+              </a:ext>
+            </a:extLst>
+          </p:cNvPr>
+          <p:cNvSpPr>
+            <a:spLocks noGrp="1"/>
+          </p:cNvSpPr>
+          <p:nvPr>
+            <p:ph idx="1"/>
+          </p:nvPr>
+        </p:nvSpPr>
+        <p:spPr/>
+        <p:txBody>
+          <a:bodyPr/>
+          <a:lstStyle/>
+          <a:p>
+            <a:r>
+              <a:rPr lang="en-US" dirty="0"/>
+              <a:t>Normalization</a:t>
+            </a:r>
+          </a:p>
+          <a:p>
+            <a:r>
+              <a:rPr lang="en-US" dirty="0"/>
+              <a:t>Dispersion estimation</a:t>
+            </a:r>
+          </a:p>
+          <a:p>
+            <a:r>
+              <a:rPr lang="en-US" dirty="0"/>
+              <a:t>Differential expression analysis</a:t>
+            </a:r>
+          </a:p>
+          <a:p>
+            <a:r>
+              <a:rPr lang="en-US" dirty="0"/>
+              <a:t>Result visualization</a:t>
+            </a:r>
+          </a:p>
+        </p:txBody>
+      </p:sp>
+    </p:spTree>
+    <p:extLst>
+      <p:ext uri="{BB962C8B-B14F-4D97-AF65-F5344CB8AC3E}">
+        <p14:creationId xmlns:p14="http://schemas.microsoft.com/office/powerpoint/2010/main" val="2300574271"/>
       </p:ext>
     </p:extLst>
   </p:cSld>

--- a/cpsc445Presentation.pptx
+++ b/cpsc445Presentation.pptx
@@ -12,17 +12,17 @@
     <p:sldId id="257" r:id="rId3"/>
     <p:sldId id="258" r:id="rId4"/>
     <p:sldId id="259" r:id="rId5"/>
-    <p:sldId id="261" r:id="rId6"/>
-    <p:sldId id="262" r:id="rId7"/>
-    <p:sldId id="265" r:id="rId8"/>
-    <p:sldId id="264" r:id="rId9"/>
-    <p:sldId id="267" r:id="rId10"/>
-    <p:sldId id="266" r:id="rId11"/>
-    <p:sldId id="268" r:id="rId12"/>
-    <p:sldId id="263" r:id="rId13"/>
-    <p:sldId id="269" r:id="rId14"/>
-    <p:sldId id="270" r:id="rId15"/>
-    <p:sldId id="260" r:id="rId16"/>
+    <p:sldId id="260" r:id="rId6"/>
+    <p:sldId id="261" r:id="rId7"/>
+    <p:sldId id="262" r:id="rId8"/>
+    <p:sldId id="265" r:id="rId9"/>
+    <p:sldId id="264" r:id="rId10"/>
+    <p:sldId id="267" r:id="rId11"/>
+    <p:sldId id="266" r:id="rId12"/>
+    <p:sldId id="268" r:id="rId13"/>
+    <p:sldId id="263" r:id="rId14"/>
+    <p:sldId id="269" r:id="rId15"/>
+    <p:sldId id="270" r:id="rId16"/>
   </p:sldIdLst>
   <p:sldSz cx="12192000" cy="6858000"/>
   <p:notesSz cx="6858000" cy="9144000"/>
@@ -450,7 +450,7 @@
           <a:p>
             <a:fld id="{17678552-9710-40DD-AA4F-1C19A533D258}" type="datetimeFigureOut">
               <a:rPr lang="en-US" smtClean="0"/>
-              <a:t>4/11/2023</a:t>
+              <a:t>4/11/23</a:t>
             </a:fld>
             <a:endParaRPr lang="en-US"/>
           </a:p>
@@ -869,49 +869,7 @@
           <a:bodyPr/>
           <a:lstStyle/>
           <a:p>
-            <a:r>
-              <a:rPr lang="en-US" dirty="0"/>
-              <a:t>One important characteristic of </a:t>
-            </a:r>
-            <a:r>
-              <a:rPr lang="en-US" dirty="0" err="1"/>
-              <a:t>scRNA</a:t>
-            </a:r>
-            <a:r>
-              <a:rPr lang="en-US" dirty="0"/>
-              <a:t>-seq data that feeds into all these challenges is a phenomenon called “dropout”, where a gene is observed at a low or moderate expression level in one cell but is not detected in another cell of the same cell type</a:t>
-            </a:r>
-          </a:p>
-          <a:p>
             <a:endParaRPr lang="en-US" dirty="0"/>
-          </a:p>
-          <a:p>
-            <a:r>
-              <a:rPr lang="en-US" dirty="0"/>
-              <a:t>SENSITIVITY: </a:t>
-            </a:r>
-            <a:r>
-              <a:rPr lang="en-US" b="1" dirty="0"/>
-              <a:t>TP/TP+FN, </a:t>
-            </a:r>
-            <a:r>
-              <a:rPr lang="en-US" dirty="0"/>
-              <a:t>probability that an actual positive will test positive</a:t>
-            </a:r>
-          </a:p>
-          <a:p>
-            <a:r>
-              <a:rPr lang="en-US" dirty="0"/>
-              <a:t>PRECISION: </a:t>
-            </a:r>
-            <a:r>
-              <a:rPr lang="en-US" b="1" dirty="0"/>
-              <a:t>TP/TP+FP, </a:t>
-            </a:r>
-            <a:r>
-              <a:rPr lang="en-US" i="0" dirty="0"/>
-              <a:t>proportion of cases giving positive test results amongst those labeled as positive</a:t>
-            </a:r>
           </a:p>
         </p:txBody>
       </p:sp>
@@ -941,7 +899,7 @@
     </p:spTree>
     <p:extLst>
       <p:ext uri="{BB962C8B-B14F-4D97-AF65-F5344CB8AC3E}">
-        <p14:creationId xmlns:p14="http://schemas.microsoft.com/office/powerpoint/2010/main" val="1506489482"/>
+        <p14:creationId xmlns:p14="http://schemas.microsoft.com/office/powerpoint/2010/main" val="3012503803"/>
       </p:ext>
     </p:extLst>
   </p:cSld>
@@ -995,52 +953,49 @@
           <a:bodyPr/>
           <a:lstStyle/>
           <a:p>
-            <a:pPr marL="285750" indent="-285750">
-              <a:buFontTx/>
-              <a:buChar char="-"/>
-            </a:pPr>
-            <a:r>
-              <a:rPr lang="en-US" sz="1800" dirty="0">
-                <a:effectLst/>
-                <a:latin typeface="Calibri" panose="020F0502020204030204" pitchFamily="34" charset="0"/>
-                <a:ea typeface="Calibri" panose="020F0502020204030204" pitchFamily="34" charset="0"/>
-                <a:cs typeface="Times New Roman" panose="02020603050405020304" pitchFamily="18" charset="0"/>
-              </a:rPr>
-              <a:t>Altogether, these results contribute to the wholistic understanding of cell-type and organ specific differences in Crohn’s disease and therefore elude to potential directions for therapeutic development.</a:t>
-            </a:r>
-          </a:p>
-          <a:p>
-            <a:pPr marL="171450" indent="-171450">
-              <a:buFontTx/>
-              <a:buChar char="-"/>
-            </a:pPr>
-            <a:r>
-              <a:rPr lang="en-US" b="0" i="0" dirty="0">
-                <a:solidFill>
-                  <a:srgbClr val="D1D5DB"/>
-                </a:solidFill>
-                <a:effectLst/>
-                <a:latin typeface="Söhne"/>
-              </a:rPr>
-              <a:t>Myofibroblasts are specialized cells that are involved in wound healing, tissue repair, and tissue remodeling</a:t>
-            </a:r>
-          </a:p>
-          <a:p>
-            <a:pPr marL="171450" indent="-171450">
-              <a:buFontTx/>
-              <a:buChar char="-"/>
-            </a:pPr>
-            <a:r>
-              <a:rPr lang="en-US" b="0" i="0" dirty="0">
-                <a:solidFill>
-                  <a:srgbClr val="2E2E2E"/>
-                </a:solidFill>
-                <a:effectLst/>
-                <a:latin typeface="ElsevierGulliver"/>
-              </a:rPr>
-              <a:t>These genes may therefore be involved in CD-related fibrotic strictures and suggest novel therapeutic hypotheses for the management of this complication</a:t>
-            </a:r>
+            <a:r>
+              <a:rPr lang="en-US" dirty="0"/>
+              <a:t>One important characteristic of </a:t>
+            </a:r>
+            <a:r>
+              <a:rPr lang="en-US" dirty="0" err="1"/>
+              <a:t>scRNA</a:t>
+            </a:r>
+            <a:r>
+              <a:rPr lang="en-US" dirty="0"/>
+              <a:t>-seq data that feeds into all these challenges is a phenomenon called “dropout”, where a gene is observed at a low or moderate expression level in one cell but is not detected in another cell of the same cell type</a:t>
+            </a:r>
+          </a:p>
+          <a:p>
             <a:endParaRPr lang="en-US" dirty="0"/>
+          </a:p>
+          <a:p>
+            <a:r>
+              <a:rPr lang="en-US" dirty="0"/>
+              <a:t>SENSITIVITY: </a:t>
+            </a:r>
+            <a:r>
+              <a:rPr lang="en-US" b="1" dirty="0"/>
+              <a:t>TP/TP+FN, </a:t>
+            </a:r>
+            <a:r>
+              <a:rPr lang="en-US" dirty="0"/>
+              <a:t>probability that an actual positive will test positive</a:t>
+            </a:r>
+          </a:p>
+          <a:p>
+            <a:r>
+              <a:rPr lang="en-US" dirty="0"/>
+              <a:t>PRECISION: </a:t>
+            </a:r>
+            <a:r>
+              <a:rPr lang="en-US" b="1" dirty="0"/>
+              <a:t>TP/TP+FP, </a:t>
+            </a:r>
+            <a:r>
+              <a:rPr lang="en-US" i="0" dirty="0"/>
+              <a:t>proportion of cases giving positive test results amongst those labeled as positive</a:t>
+            </a:r>
           </a:p>
         </p:txBody>
       </p:sp>
@@ -1061,7 +1016,7 @@
           <a:p>
             <a:fld id="{737E5D9D-0919-4671-9372-089DE9AECB2C}" type="slidenum">
               <a:rPr lang="en-US" smtClean="0"/>
-              <a:t>15</a:t>
+              <a:t>13</a:t>
             </a:fld>
             <a:endParaRPr lang="en-US"/>
           </a:p>
@@ -1070,7 +1025,7 @@
     </p:spTree>
     <p:extLst>
       <p:ext uri="{BB962C8B-B14F-4D97-AF65-F5344CB8AC3E}">
-        <p14:creationId xmlns:p14="http://schemas.microsoft.com/office/powerpoint/2010/main" val="190068649"/>
+        <p14:creationId xmlns:p14="http://schemas.microsoft.com/office/powerpoint/2010/main" val="1506489482"/>
       </p:ext>
     </p:extLst>
   </p:cSld>
@@ -1365,16 +1320,52 @@
           <a:bodyPr/>
           <a:lstStyle/>
           <a:p>
-            <a:r>
-              <a:rPr lang="en-US" dirty="0"/>
-              <a:t>MAST: Model-based Analysis of Single-cell Transcriptomics</a:t>
-            </a:r>
-          </a:p>
-          <a:p>
-            <a:r>
-              <a:rPr lang="en-US" dirty="0"/>
-              <a:t>Allows for flexible covariates due to linear nature of the model (can easily add variables)</a:t>
-            </a:r>
+            <a:pPr marL="285750" indent="-285750">
+              <a:buFontTx/>
+              <a:buChar char="-"/>
+            </a:pPr>
+            <a:r>
+              <a:rPr lang="en-US" sz="1800" dirty="0">
+                <a:effectLst/>
+                <a:latin typeface="Calibri" panose="020F0502020204030204" pitchFamily="34" charset="0"/>
+                <a:ea typeface="Calibri" panose="020F0502020204030204" pitchFamily="34" charset="0"/>
+                <a:cs typeface="Times New Roman" panose="02020603050405020304" pitchFamily="18" charset="0"/>
+              </a:rPr>
+              <a:t>Altogether, these results contribute to the wholistic understanding of cell-type and organ specific differences in Crohn’s disease and therefore elude to potential directions for therapeutic development.</a:t>
+            </a:r>
+          </a:p>
+          <a:p>
+            <a:pPr marL="171450" indent="-171450">
+              <a:buFontTx/>
+              <a:buChar char="-"/>
+            </a:pPr>
+            <a:r>
+              <a:rPr lang="en-US" b="0" i="0" dirty="0">
+                <a:solidFill>
+                  <a:srgbClr val="D1D5DB"/>
+                </a:solidFill>
+                <a:effectLst/>
+                <a:latin typeface="Söhne"/>
+              </a:rPr>
+              <a:t>Myofibroblasts are specialized cells that are involved in wound healing, tissue repair, and tissue remodeling</a:t>
+            </a:r>
+          </a:p>
+          <a:p>
+            <a:pPr marL="171450" indent="-171450">
+              <a:buFontTx/>
+              <a:buChar char="-"/>
+            </a:pPr>
+            <a:r>
+              <a:rPr lang="en-US" b="0" i="0" dirty="0">
+                <a:solidFill>
+                  <a:srgbClr val="2E2E2E"/>
+                </a:solidFill>
+                <a:effectLst/>
+                <a:latin typeface="ElsevierGulliver"/>
+              </a:rPr>
+              <a:t>These genes may therefore be involved in CD-related fibrotic strictures and suggest novel therapeutic hypotheses for the management of this complication</a:t>
+            </a:r>
+            <a:endParaRPr lang="en-US" dirty="0"/>
           </a:p>
         </p:txBody>
       </p:sp>
@@ -1404,7 +1395,7 @@
     </p:spTree>
     <p:extLst>
       <p:ext uri="{BB962C8B-B14F-4D97-AF65-F5344CB8AC3E}">
-        <p14:creationId xmlns:p14="http://schemas.microsoft.com/office/powerpoint/2010/main" val="4169781073"/>
+        <p14:creationId xmlns:p14="http://schemas.microsoft.com/office/powerpoint/2010/main" val="190068649"/>
       </p:ext>
     </p:extLst>
   </p:cSld>
@@ -1460,53 +1451,13 @@
           <a:p>
             <a:r>
               <a:rPr lang="en-US" dirty="0"/>
-              <a:t>X: covariates</a:t>
-            </a:r>
-          </a:p>
-          <a:p>
-            <a:r>
-              <a:rPr lang="en-US" dirty="0"/>
-              <a:t>Z: probability of a gene being expressed in a cell (binary – 0 or 1)</a:t>
-            </a:r>
-          </a:p>
-          <a:p>
-            <a:r>
-              <a:rPr lang="en-US" dirty="0"/>
-              <a:t>Y|Z: predicts the expression level of a gene given that it is expressed in the cell (i.e., Z=1)</a:t>
-            </a:r>
-          </a:p>
-          <a:p>
-            <a:r>
-              <a:rPr lang="en-US" dirty="0"/>
-              <a:t>CDR (Cellular detection rate): proportion of genes detected in each cell</a:t>
-            </a:r>
-          </a:p>
-          <a:p>
-            <a:pPr marL="171450" indent="-171450">
-              <a:buFontTx/>
-              <a:buChar char="-"/>
-            </a:pPr>
-            <a:r>
-              <a:rPr lang="en-US" dirty="0"/>
-              <a:t>Account for CDR variability by linearly adding this variable as a covariate in the discrete and continuous models (Basically add a column to matrix X)</a:t>
-            </a:r>
-          </a:p>
-          <a:p>
-            <a:pPr marL="171450" indent="-171450">
-              <a:buFontTx/>
-              <a:buChar char="-"/>
-            </a:pPr>
-            <a:r>
-              <a:rPr lang="en-US" dirty="0"/>
-              <a:t>Hypothesis testing </a:t>
-            </a:r>
-            <a:r>
-              <a:rPr lang="en-US" dirty="0" err="1"/>
-              <a:t>w.r.t.</a:t>
-            </a:r>
-            <a:r>
-              <a:rPr lang="en-US" dirty="0"/>
-              <a:t> </a:t>
+              <a:t>MAST: Model-based Analysis of Single-cell Transcriptomics</a:t>
+            </a:r>
+          </a:p>
+          <a:p>
+            <a:r>
+              <a:rPr lang="en-US" dirty="0"/>
+              <a:t>Allows for flexible covariates due to linear nature of the model (can easily add variables)</a:t>
             </a:r>
           </a:p>
         </p:txBody>
@@ -1537,7 +1488,7 @@
     </p:spTree>
     <p:extLst>
       <p:ext uri="{BB962C8B-B14F-4D97-AF65-F5344CB8AC3E}">
-        <p14:creationId xmlns:p14="http://schemas.microsoft.com/office/powerpoint/2010/main" val="2892862920"/>
+        <p14:creationId xmlns:p14="http://schemas.microsoft.com/office/powerpoint/2010/main" val="4169781073"/>
       </p:ext>
     </p:extLst>
   </p:cSld>
@@ -1592,47 +1543,55 @@
           <a:lstStyle/>
           <a:p>
             <a:r>
-              <a:rPr lang="en-US" b="0" i="0" dirty="0">
-                <a:solidFill>
-                  <a:srgbClr val="D1D5DB"/>
-                </a:solidFill>
-                <a:effectLst/>
-                <a:latin typeface="Söhne"/>
-              </a:rPr>
-              <a:t>GLMs: Generalize ordinary linear regression by relating the linear model to the response variables via a </a:t>
-            </a:r>
-            <a:r>
-              <a:rPr lang="en-US" b="0" i="0">
-                <a:solidFill>
-                  <a:srgbClr val="D1D5DB"/>
-                </a:solidFill>
-                <a:effectLst/>
-                <a:latin typeface="Söhne"/>
-              </a:rPr>
-              <a:t>link function</a:t>
-            </a:r>
-          </a:p>
-          <a:p>
-            <a:endParaRPr lang="en-US" b="0" i="0" dirty="0">
-              <a:solidFill>
-                <a:srgbClr val="D1D5DB"/>
-              </a:solidFill>
-              <a:effectLst/>
-              <a:latin typeface="Söhne"/>
-            </a:endParaRPr>
-          </a:p>
-          <a:p>
-            <a:r>
-              <a:rPr lang="en-US" b="0" i="0" dirty="0">
-                <a:solidFill>
-                  <a:srgbClr val="D1D5DB"/>
-                </a:solidFill>
-                <a:effectLst/>
-                <a:latin typeface="Söhne"/>
-              </a:rPr>
-              <a:t>Extend the linear model to accommodate non-normal response variables</a:t>
-            </a:r>
-            <a:endParaRPr lang="en-US" dirty="0"/>
+              <a:rPr lang="en-US" dirty="0"/>
+              <a:t>X: covariates</a:t>
+            </a:r>
+          </a:p>
+          <a:p>
+            <a:r>
+              <a:rPr lang="en-US" dirty="0"/>
+              <a:t>Z: probability of a gene being expressed in a cell (binary – 0 or 1)</a:t>
+            </a:r>
+          </a:p>
+          <a:p>
+            <a:r>
+              <a:rPr lang="en-US" dirty="0"/>
+              <a:t>Y|Z: predicts the expression level of a gene given that it is expressed in the cell (i.e., Z=1)</a:t>
+            </a:r>
+          </a:p>
+          <a:p>
+            <a:r>
+              <a:rPr lang="en-US" dirty="0"/>
+              <a:t>CDR (Cellular detection rate): proportion of genes detected in each cell</a:t>
+            </a:r>
+          </a:p>
+          <a:p>
+            <a:pPr marL="171450" indent="-171450">
+              <a:buFontTx/>
+              <a:buChar char="-"/>
+            </a:pPr>
+            <a:r>
+              <a:rPr lang="en-US" dirty="0"/>
+              <a:t>Account for CDR variability by linearly adding this variable as a covariate in the discrete and continuous models (Basically add a column to matrix X)</a:t>
+            </a:r>
+          </a:p>
+          <a:p>
+            <a:pPr marL="171450" indent="-171450">
+              <a:buFontTx/>
+              <a:buChar char="-"/>
+            </a:pPr>
+            <a:r>
+              <a:rPr lang="en-US" dirty="0"/>
+              <a:t>Hypothesis testing </a:t>
+            </a:r>
+            <a:r>
+              <a:rPr lang="en-US" dirty="0" err="1"/>
+              <a:t>w.r.t.</a:t>
+            </a:r>
+            <a:r>
+              <a:rPr lang="en-US" dirty="0"/>
+              <a:t> </a:t>
+            </a:r>
           </a:p>
         </p:txBody>
       </p:sp>
@@ -1653,7 +1612,7 @@
           <a:p>
             <a:fld id="{737E5D9D-0919-4671-9372-089DE9AECB2C}" type="slidenum">
               <a:rPr lang="en-US" smtClean="0"/>
-              <a:t>8</a:t>
+              <a:t>7</a:t>
             </a:fld>
             <a:endParaRPr lang="en-US"/>
           </a:p>
@@ -1662,7 +1621,7 @@
     </p:spTree>
     <p:extLst>
       <p:ext uri="{BB962C8B-B14F-4D97-AF65-F5344CB8AC3E}">
-        <p14:creationId xmlns:p14="http://schemas.microsoft.com/office/powerpoint/2010/main" val="2900186729"/>
+        <p14:creationId xmlns:p14="http://schemas.microsoft.com/office/powerpoint/2010/main" val="2892862920"/>
       </p:ext>
     </p:extLst>
   </p:cSld>
@@ -1717,98 +1676,36 @@
           <a:lstStyle/>
           <a:p>
             <a:r>
-              <a:rPr lang="en-US" dirty="0"/>
-              <a:t>Normalization: DESeq2 uses a normalization method based on the assumption that the majority of genes are not differentially expressed. It calculates size factors to adjust for library size differences between samples, ensuring accurate comparisons of gene expression levels.</a:t>
-            </a:r>
-          </a:p>
-          <a:p>
-            <a:endParaRPr lang="en-US" dirty="0"/>
-          </a:p>
-          <a:p>
-            <a:r>
-              <a:rPr lang="en-US" dirty="0"/>
-              <a:t>Dispersion estimation: DESeq2 estimates the dispersion of count data, which represents the biological variability among replicates. This is essential for identifying DEGs while minimizing false positives.</a:t>
-            </a:r>
-          </a:p>
-          <a:p>
-            <a:endParaRPr lang="en-US" dirty="0"/>
-          </a:p>
-          <a:p>
-            <a:pPr marL="0" marR="0" lvl="0" indent="0" algn="l" defTabSz="914400" rtl="0" eaLnBrk="1" fontAlgn="auto" latinLnBrk="0" hangingPunct="1">
-              <a:lnSpc>
-                <a:spcPct val="100000"/>
-              </a:lnSpc>
-              <a:spcBef>
-                <a:spcPts val="0"/>
-              </a:spcBef>
-              <a:spcAft>
-                <a:spcPts val="0"/>
-              </a:spcAft>
-              <a:buClrTx/>
-              <a:buSzTx/>
-              <a:buFontTx/>
-              <a:buNone/>
-              <a:tabLst/>
-              <a:defRPr/>
-            </a:pPr>
-            <a:r>
-              <a:rPr lang="en-US" dirty="0"/>
-              <a:t>Dispersion: parameter that Love et al. developed – biological variability between samples - The dispersion parameter links the variance and mean of the count for the negative binomial distribution.</a:t>
-            </a:r>
-          </a:p>
-          <a:p>
-            <a:endParaRPr lang="en-US" dirty="0"/>
-          </a:p>
-          <a:p>
-            <a:r>
-              <a:rPr lang="en-US" dirty="0"/>
-              <a:t>Differential expression analysis: DESeq2 fits a negative binomial generalized linear model to the count data and tests for differential expression using the Wald test or the likelihood ratio test. It provides log2 fold changes, p-values, and adjusted p-values (using the </a:t>
-            </a:r>
-            <a:r>
-              <a:rPr lang="en-US" dirty="0" err="1"/>
-              <a:t>Benjamini</a:t>
-            </a:r>
-            <a:r>
-              <a:rPr lang="en-US" dirty="0"/>
-              <a:t>-Hochberg procedure) to control for false discovery rates.</a:t>
-            </a:r>
-          </a:p>
-          <a:p>
-            <a:endParaRPr lang="en-US" dirty="0"/>
-          </a:p>
-          <a:p>
-            <a:pPr marL="0" marR="0" lvl="0" indent="0" algn="l" defTabSz="914400" rtl="0" eaLnBrk="1" fontAlgn="auto" latinLnBrk="0" hangingPunct="1">
-              <a:lnSpc>
-                <a:spcPct val="100000"/>
-              </a:lnSpc>
-              <a:spcBef>
-                <a:spcPts val="0"/>
-              </a:spcBef>
-              <a:spcAft>
-                <a:spcPts val="0"/>
-              </a:spcAft>
-              <a:buClrTx/>
-              <a:buSzTx/>
-              <a:buFontTx/>
-              <a:buNone/>
-              <a:tabLst/>
-              <a:defRPr/>
-            </a:pPr>
-            <a:r>
-              <a:rPr lang="en-US" dirty="0"/>
-              <a:t>Fold change: is a measure describing how much a quantity changes between an original and a subsequent measurement. </a:t>
-            </a:r>
-          </a:p>
-          <a:p>
-            <a:endParaRPr lang="en-US" dirty="0"/>
-          </a:p>
-          <a:p>
-            <a:r>
-              <a:rPr lang="en-US" dirty="0"/>
-              <a:t>Result visualization: DESeq2 offers various visualization options, including MA plots, volcano plots, and heatmaps, to facilitate the interpretation and presentation of differential expression results.</a:t>
-            </a:r>
-          </a:p>
-          <a:p>
+              <a:rPr lang="en-US" b="0" i="0" dirty="0">
+                <a:solidFill>
+                  <a:srgbClr val="D1D5DB"/>
+                </a:solidFill>
+                <a:effectLst/>
+                <a:latin typeface="Söhne"/>
+              </a:rPr>
+              <a:t>GLMs: Generalize ordinary linear regression by relating the linear model to the response variables via a link function</a:t>
+            </a:r>
+          </a:p>
+          <a:p>
+            <a:endParaRPr lang="en-US" b="0" i="0" dirty="0">
+              <a:solidFill>
+                <a:srgbClr val="D1D5DB"/>
+              </a:solidFill>
+              <a:effectLst/>
+              <a:latin typeface="Söhne"/>
+            </a:endParaRPr>
+          </a:p>
+          <a:p>
+            <a:r>
+              <a:rPr lang="en-US" b="0" i="0" dirty="0">
+                <a:solidFill>
+                  <a:srgbClr val="D1D5DB"/>
+                </a:solidFill>
+                <a:effectLst/>
+                <a:latin typeface="Söhne"/>
+              </a:rPr>
+              <a:t>Extend the linear model to accommodate non-normal response variables</a:t>
+            </a:r>
             <a:endParaRPr lang="en-US" dirty="0"/>
           </a:p>
         </p:txBody>
@@ -1839,7 +1736,7 @@
     </p:spTree>
     <p:extLst>
       <p:ext uri="{BB962C8B-B14F-4D97-AF65-F5344CB8AC3E}">
-        <p14:creationId xmlns:p14="http://schemas.microsoft.com/office/powerpoint/2010/main" val="3733465719"/>
+        <p14:creationId xmlns:p14="http://schemas.microsoft.com/office/powerpoint/2010/main" val="2900186729"/>
       </p:ext>
     </p:extLst>
   </p:cSld>
@@ -1895,7 +1792,7 @@
           <a:p>
             <a:r>
               <a:rPr lang="en-US" dirty="0"/>
-              <a:t>X: covariates (i.e., the elements in design matrix)</a:t>
+              <a:t>Normalization: DESeq2 uses a normalization method based on the assumption that the majority of genes are not differentially expressed. It calculates size factors to adjust for library size differences between samples, ensuring accurate comparisons of gene expression levels.</a:t>
             </a:r>
           </a:p>
           <a:p>
@@ -1904,8 +1801,89 @@
           <a:p>
             <a:r>
               <a:rPr lang="en-US" dirty="0"/>
-              <a:t>ESTIMATING DISPERSION: First, fit negative binomial GLM with the count data &gt; obtain fitted values for mu, and then maximize the “Cox-Reid adjusted likelihood of dispersion” to obtain alpha</a:t>
-            </a:r>
+              <a:t>Dispersion estimation: DESeq2 estimates the dispersion of count data, which represents the biological variability among replicates. This is essential for identifying DEGs while minimizing false positives.</a:t>
+            </a:r>
+          </a:p>
+          <a:p>
+            <a:endParaRPr lang="en-US" dirty="0"/>
+          </a:p>
+          <a:p>
+            <a:pPr marL="0" marR="0" lvl="0" indent="0" algn="l" defTabSz="914400" rtl="0" eaLnBrk="1" fontAlgn="auto" latinLnBrk="0" hangingPunct="1">
+              <a:lnSpc>
+                <a:spcPct val="100000"/>
+              </a:lnSpc>
+              <a:spcBef>
+                <a:spcPts val="0"/>
+              </a:spcBef>
+              <a:spcAft>
+                <a:spcPts val="0"/>
+              </a:spcAft>
+              <a:buClrTx/>
+              <a:buSzTx/>
+              <a:buFontTx/>
+              <a:buNone/>
+              <a:tabLst/>
+              <a:defRPr/>
+            </a:pPr>
+            <a:r>
+              <a:rPr lang="en-US" dirty="0"/>
+              <a:t>Dispersion: parameter that Love et al. developed – biological variability between samples - The dispersion parameter links the variance and mean of the count for the negative binomial distribution.</a:t>
+            </a:r>
+          </a:p>
+          <a:p>
+            <a:endParaRPr lang="en-US" dirty="0"/>
+          </a:p>
+          <a:p>
+            <a:r>
+              <a:rPr lang="en-US" dirty="0"/>
+              <a:t>Differential expression analysis: DESeq2 fits a negative binomial generalized linear model to the count data and tests for differential expression using the Wald test or the likelihood ratio test. It provides log2 fold changes, p-values, and adjusted p-values (using the </a:t>
+            </a:r>
+            <a:r>
+              <a:rPr lang="en-US" dirty="0" err="1"/>
+              <a:t>Benjamini</a:t>
+            </a:r>
+            <a:r>
+              <a:rPr lang="en-US" dirty="0"/>
+              <a:t>-Hochberg procedure) to control for false discovery rates.</a:t>
+            </a:r>
+          </a:p>
+          <a:p>
+            <a:endParaRPr lang="en-US" dirty="0"/>
+          </a:p>
+          <a:p>
+            <a:pPr marL="0" marR="0" lvl="0" indent="0" algn="l" defTabSz="914400" rtl="0" eaLnBrk="1" fontAlgn="auto" latinLnBrk="0" hangingPunct="1">
+              <a:lnSpc>
+                <a:spcPct val="100000"/>
+              </a:lnSpc>
+              <a:spcBef>
+                <a:spcPts val="0"/>
+              </a:spcBef>
+              <a:spcAft>
+                <a:spcPts val="0"/>
+              </a:spcAft>
+              <a:buClrTx/>
+              <a:buSzTx/>
+              <a:buFontTx/>
+              <a:buNone/>
+              <a:tabLst/>
+              <a:defRPr/>
+            </a:pPr>
+            <a:r>
+              <a:rPr lang="en-US" dirty="0"/>
+              <a:t>Fold change: is a measure describing how much a quantity changes between an original and a subsequent measurement. </a:t>
+            </a:r>
+          </a:p>
+          <a:p>
+            <a:endParaRPr lang="en-US" dirty="0"/>
+          </a:p>
+          <a:p>
+            <a:r>
+              <a:rPr lang="en-US" dirty="0"/>
+              <a:t>Result visualization: DESeq2 offers various visualization options, including MA plots, volcano plots, and heatmaps, to facilitate the interpretation and presentation of differential expression results.</a:t>
+            </a:r>
+          </a:p>
+          <a:p>
+            <a:endParaRPr lang="en-US" dirty="0"/>
           </a:p>
         </p:txBody>
       </p:sp>
@@ -1935,7 +1913,7 @@
     </p:spTree>
     <p:extLst>
       <p:ext uri="{BB962C8B-B14F-4D97-AF65-F5344CB8AC3E}">
-        <p14:creationId xmlns:p14="http://schemas.microsoft.com/office/powerpoint/2010/main" val="1063308843"/>
+        <p14:creationId xmlns:p14="http://schemas.microsoft.com/office/powerpoint/2010/main" val="3733465719"/>
       </p:ext>
     </p:extLst>
   </p:cSld>
@@ -1989,6 +1967,53 @@
           <a:bodyPr/>
           <a:lstStyle/>
           <a:p>
+            <a:r>
+              <a:rPr lang="en-US" dirty="0"/>
+              <a:t>X: covariates (i.e., the elements in design matrix)</a:t>
+            </a:r>
+          </a:p>
+          <a:p>
+            <a:endParaRPr lang="en-US" dirty="0"/>
+          </a:p>
+          <a:p>
+            <a:r>
+              <a:rPr lang="en-US" dirty="0"/>
+              <a:t>ESTIMATING DISPERSION: First, fit negative binomial GLM with the count data &gt; obtain fitted values for mu, and then maximize the “Cox-Reid adjusted likelihood of dispersion” to obtain alpha</a:t>
+            </a:r>
+          </a:p>
+          <a:p>
+            <a:endParaRPr lang="en-US" dirty="0"/>
+          </a:p>
+          <a:p>
+            <a:pPr marL="0" marR="0" lvl="0" indent="0" algn="l" defTabSz="914400" rtl="0" eaLnBrk="1" fontAlgn="auto" latinLnBrk="0" hangingPunct="1">
+              <a:lnSpc>
+                <a:spcPct val="100000"/>
+              </a:lnSpc>
+              <a:spcBef>
+                <a:spcPts val="0"/>
+              </a:spcBef>
+              <a:spcAft>
+                <a:spcPts val="0"/>
+              </a:spcAft>
+              <a:buClrTx/>
+              <a:buSzTx/>
+              <a:buFontTx/>
+              <a:buNone/>
+              <a:tabLst/>
+              <a:defRPr/>
+            </a:pPr>
+            <a:r>
+              <a:rPr lang="en-US" b="0" i="0" dirty="0">
+                <a:solidFill>
+                  <a:srgbClr val="D1D5DB"/>
+                </a:solidFill>
+                <a:effectLst/>
+                <a:latin typeface="Söhne"/>
+              </a:rPr>
+              <a:t>GLMs: Generalize ordinary linear regression by relating the linear model to the response variables via a link function</a:t>
+            </a:r>
+          </a:p>
+          <a:p>
             <a:endParaRPr lang="en-US" dirty="0"/>
           </a:p>
         </p:txBody>
@@ -2019,7 +2044,7 @@
     </p:spTree>
     <p:extLst>
       <p:ext uri="{BB962C8B-B14F-4D97-AF65-F5344CB8AC3E}">
-        <p14:creationId xmlns:p14="http://schemas.microsoft.com/office/powerpoint/2010/main" val="3012503803"/>
+        <p14:creationId xmlns:p14="http://schemas.microsoft.com/office/powerpoint/2010/main" val="1063308843"/>
       </p:ext>
     </p:extLst>
   </p:cSld>
@@ -2176,7 +2201,7 @@
           <a:p>
             <a:fld id="{A1FC91CF-9A89-433F-9326-CEE970F8374B}" type="datetimeFigureOut">
               <a:rPr lang="en-US" smtClean="0"/>
-              <a:t>4/11/2023</a:t>
+              <a:t>4/11/23</a:t>
             </a:fld>
             <a:endParaRPr lang="en-US"/>
           </a:p>
@@ -2374,7 +2399,7 @@
           <a:p>
             <a:fld id="{A1FC91CF-9A89-433F-9326-CEE970F8374B}" type="datetimeFigureOut">
               <a:rPr lang="en-US" smtClean="0"/>
-              <a:t>4/11/2023</a:t>
+              <a:t>4/11/23</a:t>
             </a:fld>
             <a:endParaRPr lang="en-US"/>
           </a:p>
@@ -2582,7 +2607,7 @@
           <a:p>
             <a:fld id="{A1FC91CF-9A89-433F-9326-CEE970F8374B}" type="datetimeFigureOut">
               <a:rPr lang="en-US" smtClean="0"/>
-              <a:t>4/11/2023</a:t>
+              <a:t>4/11/23</a:t>
             </a:fld>
             <a:endParaRPr lang="en-US"/>
           </a:p>
@@ -2780,7 +2805,7 @@
           <a:p>
             <a:fld id="{A1FC91CF-9A89-433F-9326-CEE970F8374B}" type="datetimeFigureOut">
               <a:rPr lang="en-US" smtClean="0"/>
-              <a:t>4/11/2023</a:t>
+              <a:t>4/11/23</a:t>
             </a:fld>
             <a:endParaRPr lang="en-US"/>
           </a:p>
@@ -3055,7 +3080,7 @@
           <a:p>
             <a:fld id="{A1FC91CF-9A89-433F-9326-CEE970F8374B}" type="datetimeFigureOut">
               <a:rPr lang="en-US" smtClean="0"/>
-              <a:t>4/11/2023</a:t>
+              <a:t>4/11/23</a:t>
             </a:fld>
             <a:endParaRPr lang="en-US"/>
           </a:p>
@@ -3320,7 +3345,7 @@
           <a:p>
             <a:fld id="{A1FC91CF-9A89-433F-9326-CEE970F8374B}" type="datetimeFigureOut">
               <a:rPr lang="en-US" smtClean="0"/>
-              <a:t>4/11/2023</a:t>
+              <a:t>4/11/23</a:t>
             </a:fld>
             <a:endParaRPr lang="en-US"/>
           </a:p>
@@ -3732,7 +3757,7 @@
           <a:p>
             <a:fld id="{A1FC91CF-9A89-433F-9326-CEE970F8374B}" type="datetimeFigureOut">
               <a:rPr lang="en-US" smtClean="0"/>
-              <a:t>4/11/2023</a:t>
+              <a:t>4/11/23</a:t>
             </a:fld>
             <a:endParaRPr lang="en-US"/>
           </a:p>
@@ -3873,7 +3898,7 @@
           <a:p>
             <a:fld id="{A1FC91CF-9A89-433F-9326-CEE970F8374B}" type="datetimeFigureOut">
               <a:rPr lang="en-US" smtClean="0"/>
-              <a:t>4/11/2023</a:t>
+              <a:t>4/11/23</a:t>
             </a:fld>
             <a:endParaRPr lang="en-US"/>
           </a:p>
@@ -3986,7 +4011,7 @@
           <a:p>
             <a:fld id="{A1FC91CF-9A89-433F-9326-CEE970F8374B}" type="datetimeFigureOut">
               <a:rPr lang="en-US" smtClean="0"/>
-              <a:t>4/11/2023</a:t>
+              <a:t>4/11/23</a:t>
             </a:fld>
             <a:endParaRPr lang="en-US"/>
           </a:p>
@@ -4297,7 +4322,7 @@
           <a:p>
             <a:fld id="{A1FC91CF-9A89-433F-9326-CEE970F8374B}" type="datetimeFigureOut">
               <a:rPr lang="en-US" smtClean="0"/>
-              <a:t>4/11/2023</a:t>
+              <a:t>4/11/23</a:t>
             </a:fld>
             <a:endParaRPr lang="en-US"/>
           </a:p>
@@ -4585,7 +4610,7 @@
           <a:p>
             <a:fld id="{A1FC91CF-9A89-433F-9326-CEE970F8374B}" type="datetimeFigureOut">
               <a:rPr lang="en-US" smtClean="0"/>
-              <a:t>4/11/2023</a:t>
+              <a:t>4/11/23</a:t>
             </a:fld>
             <a:endParaRPr lang="en-US"/>
           </a:p>
@@ -4826,7 +4851,7 @@
           <a:p>
             <a:fld id="{A1FC91CF-9A89-433F-9326-CEE970F8374B}" type="datetimeFigureOut">
               <a:rPr lang="en-US" smtClean="0"/>
-              <a:t>4/11/2023</a:t>
+              <a:t>4/11/23</a:t>
             </a:fld>
             <a:endParaRPr lang="en-US"/>
           </a:p>
@@ -5349,6 +5374,110 @@
           <p:cNvPr id="2" name="Title 1">
             <a:extLst>
               <a:ext uri="{FF2B5EF4-FFF2-40B4-BE49-F238E27FC236}">
+                <a16:creationId xmlns:a16="http://schemas.microsoft.com/office/drawing/2014/main" id="{D484E3FD-EE5C-E1E8-9408-401FA7523D37}"/>
+              </a:ext>
+            </a:extLst>
+          </p:cNvPr>
+          <p:cNvSpPr>
+            <a:spLocks noGrp="1"/>
+          </p:cNvSpPr>
+          <p:nvPr>
+            <p:ph type="title"/>
+          </p:nvPr>
+        </p:nvSpPr>
+        <p:spPr/>
+        <p:txBody>
+          <a:bodyPr/>
+          <a:lstStyle/>
+          <a:p>
+            <a:r>
+              <a:rPr lang="en-US" dirty="0"/>
+              <a:t>Key features of DESeq2</a:t>
+            </a:r>
+          </a:p>
+        </p:txBody>
+      </p:sp>
+      <p:sp>
+        <p:nvSpPr>
+          <p:cNvPr id="3" name="Content Placeholder 2">
+            <a:extLst>
+              <a:ext uri="{FF2B5EF4-FFF2-40B4-BE49-F238E27FC236}">
+                <a16:creationId xmlns:a16="http://schemas.microsoft.com/office/drawing/2014/main" id="{911EEAEE-27E9-DAAE-D539-2A0D8704C456}"/>
+              </a:ext>
+            </a:extLst>
+          </p:cNvPr>
+          <p:cNvSpPr>
+            <a:spLocks noGrp="1"/>
+          </p:cNvSpPr>
+          <p:nvPr>
+            <p:ph idx="1"/>
+          </p:nvPr>
+        </p:nvSpPr>
+        <p:spPr/>
+        <p:txBody>
+          <a:bodyPr/>
+          <a:lstStyle/>
+          <a:p>
+            <a:r>
+              <a:rPr lang="en-US" dirty="0"/>
+              <a:t>Normalization</a:t>
+            </a:r>
+          </a:p>
+          <a:p>
+            <a:r>
+              <a:rPr lang="en-US" dirty="0"/>
+              <a:t>Dispersion estimation &amp; fold change</a:t>
+            </a:r>
+          </a:p>
+          <a:p>
+            <a:r>
+              <a:rPr lang="en-US" dirty="0"/>
+              <a:t>Differential expression analysis</a:t>
+            </a:r>
+          </a:p>
+          <a:p>
+            <a:r>
+              <a:rPr lang="en-US" dirty="0"/>
+              <a:t>Result visualization</a:t>
+            </a:r>
+          </a:p>
+        </p:txBody>
+      </p:sp>
+    </p:spTree>
+    <p:extLst>
+      <p:ext uri="{BB962C8B-B14F-4D97-AF65-F5344CB8AC3E}">
+        <p14:creationId xmlns:p14="http://schemas.microsoft.com/office/powerpoint/2010/main" val="2300574271"/>
+      </p:ext>
+    </p:extLst>
+  </p:cSld>
+  <p:clrMapOvr>
+    <a:masterClrMapping/>
+  </p:clrMapOvr>
+</p:sld>
+</file>
+
+<file path=ppt/slides/slide11.xml><?xml version="1.0" encoding="utf-8"?>
+<p:sld xmlns:a="http://schemas.openxmlformats.org/drawingml/2006/main" xmlns:r="http://schemas.openxmlformats.org/officeDocument/2006/relationships" xmlns:p="http://schemas.openxmlformats.org/presentationml/2006/main">
+  <p:cSld>
+    <p:spTree>
+      <p:nvGrpSpPr>
+        <p:cNvPr id="1" name=""/>
+        <p:cNvGrpSpPr/>
+        <p:nvPr/>
+      </p:nvGrpSpPr>
+      <p:grpSpPr>
+        <a:xfrm>
+          <a:off x="0" y="0"/>
+          <a:ext cx="0" cy="0"/>
+          <a:chOff x="0" y="0"/>
+          <a:chExt cx="0" cy="0"/>
+        </a:xfrm>
+      </p:grpSpPr>
+      <p:sp>
+        <p:nvSpPr>
+          <p:cNvPr id="2" name="Title 1">
+            <a:extLst>
+              <a:ext uri="{FF2B5EF4-FFF2-40B4-BE49-F238E27FC236}">
                 <a16:creationId xmlns:a16="http://schemas.microsoft.com/office/drawing/2014/main" id="{72EF261C-D26E-8AC5-577D-59EC27EF572E}"/>
               </a:ext>
             </a:extLst>
@@ -5693,106 +5822,6 @@
 </p:sld>
 </file>
 
-<file path=ppt/slides/slide11.xml><?xml version="1.0" encoding="utf-8"?>
-<p:sld xmlns:a="http://schemas.openxmlformats.org/drawingml/2006/main" xmlns:r="http://schemas.openxmlformats.org/officeDocument/2006/relationships" xmlns:p="http://schemas.openxmlformats.org/presentationml/2006/main">
-  <p:cSld>
-    <p:spTree>
-      <p:nvGrpSpPr>
-        <p:cNvPr id="1" name=""/>
-        <p:cNvGrpSpPr/>
-        <p:nvPr/>
-      </p:nvGrpSpPr>
-      <p:grpSpPr>
-        <a:xfrm>
-          <a:off x="0" y="0"/>
-          <a:ext cx="0" cy="0"/>
-          <a:chOff x="0" y="0"/>
-          <a:chExt cx="0" cy="0"/>
-        </a:xfrm>
-      </p:grpSpPr>
-      <p:sp>
-        <p:nvSpPr>
-          <p:cNvPr id="2" name="Title 1">
-            <a:extLst>
-              <a:ext uri="{FF2B5EF4-FFF2-40B4-BE49-F238E27FC236}">
-                <a16:creationId xmlns:a16="http://schemas.microsoft.com/office/drawing/2014/main" id="{D2A17CC1-81B7-58D5-909F-E84F8520F6A8}"/>
-              </a:ext>
-            </a:extLst>
-          </p:cNvPr>
-          <p:cNvSpPr>
-            <a:spLocks noGrp="1"/>
-          </p:cNvSpPr>
-          <p:nvPr>
-            <p:ph type="title"/>
-          </p:nvPr>
-        </p:nvSpPr>
-        <p:spPr/>
-        <p:txBody>
-          <a:bodyPr/>
-          <a:lstStyle/>
-          <a:p>
-            <a:r>
-              <a:rPr lang="en-US" dirty="0"/>
-              <a:t>Main findings (Preliminary)</a:t>
-            </a:r>
-          </a:p>
-        </p:txBody>
-      </p:sp>
-      <p:sp>
-        <p:nvSpPr>
-          <p:cNvPr id="3" name="Content Placeholder 2">
-            <a:extLst>
-              <a:ext uri="{FF2B5EF4-FFF2-40B4-BE49-F238E27FC236}">
-                <a16:creationId xmlns:a16="http://schemas.microsoft.com/office/drawing/2014/main" id="{ABFC1F0F-0B9A-A01F-FF9F-9AF27CA0E527}"/>
-              </a:ext>
-            </a:extLst>
-          </p:cNvPr>
-          <p:cNvSpPr>
-            <a:spLocks noGrp="1"/>
-          </p:cNvSpPr>
-          <p:nvPr>
-            <p:ph idx="1"/>
-          </p:nvPr>
-        </p:nvSpPr>
-        <p:spPr/>
-        <p:txBody>
-          <a:bodyPr>
-            <a:normAutofit lnSpcReduction="10000"/>
-          </a:bodyPr>
-          <a:lstStyle/>
-          <a:p>
-            <a:r>
-              <a:rPr lang="en-US" dirty="0"/>
-              <a:t>Differential expression profiles showed some consistency between the CO and TI, particularly in epithelial and stromal cells. However, weak correlations indicate that the two sites behave very differently. </a:t>
-            </a:r>
-          </a:p>
-          <a:p>
-            <a:r>
-              <a:rPr lang="en-US" dirty="0"/>
-              <a:t>Differential expression was more pronounced in the CO compared to the TI, with the transcriptional response to inflammation being more marked in the CO. This difference was particularly strong among epithelial cell types. </a:t>
-            </a:r>
-          </a:p>
-          <a:p>
-            <a:r>
-              <a:rPr lang="en-US" dirty="0"/>
-              <a:t>Immune cells showed the least differential expression in inflammation. This suggests that compositional changes, such as infiltration of activated immune cells, are the main drivers of immune differences.</a:t>
-            </a:r>
-          </a:p>
-        </p:txBody>
-      </p:sp>
-    </p:spTree>
-    <p:extLst>
-      <p:ext uri="{BB962C8B-B14F-4D97-AF65-F5344CB8AC3E}">
-        <p14:creationId xmlns:p14="http://schemas.microsoft.com/office/powerpoint/2010/main" val="2362833774"/>
-      </p:ext>
-    </p:extLst>
-  </p:cSld>
-  <p:clrMapOvr>
-    <a:masterClrMapping/>
-  </p:clrMapOvr>
-</p:sld>
-</file>
-
 <file path=ppt/slides/slide12.xml><?xml version="1.0" encoding="utf-8"?>
 <p:sld xmlns:a="http://schemas.openxmlformats.org/drawingml/2006/main" xmlns:r="http://schemas.openxmlformats.org/officeDocument/2006/relationships" xmlns:p="http://schemas.openxmlformats.org/presentationml/2006/main">
   <p:cSld>
@@ -5815,7 +5844,7 @@
           <p:cNvPr id="2" name="Title 1">
             <a:extLst>
               <a:ext uri="{FF2B5EF4-FFF2-40B4-BE49-F238E27FC236}">
-                <a16:creationId xmlns:a16="http://schemas.microsoft.com/office/drawing/2014/main" id="{E555A222-B23D-6A34-6423-EBE10D0A12C1}"/>
+                <a16:creationId xmlns:a16="http://schemas.microsoft.com/office/drawing/2014/main" id="{D2A17CC1-81B7-58D5-909F-E84F8520F6A8}"/>
               </a:ext>
             </a:extLst>
           </p:cNvPr>
@@ -5833,7 +5862,7 @@
           <a:p>
             <a:r>
               <a:rPr lang="en-US" dirty="0"/>
-              <a:t>MAST vs. DESeq2</a:t>
+              <a:t>Main findings (Preliminary)</a:t>
             </a:r>
           </a:p>
         </p:txBody>
@@ -5843,7 +5872,7 @@
           <p:cNvPr id="3" name="Content Placeholder 2">
             <a:extLst>
               <a:ext uri="{FF2B5EF4-FFF2-40B4-BE49-F238E27FC236}">
-                <a16:creationId xmlns:a16="http://schemas.microsoft.com/office/drawing/2014/main" id="{D6969797-CD26-1A85-A6DA-7F87F13F1128}"/>
+                <a16:creationId xmlns:a16="http://schemas.microsoft.com/office/drawing/2014/main" id="{ABFC1F0F-0B9A-A01F-FF9F-9AF27CA0E527}"/>
               </a:ext>
             </a:extLst>
           </p:cNvPr>
@@ -5857,41 +5886,25 @@
         <p:spPr/>
         <p:txBody>
           <a:bodyPr>
-            <a:normAutofit/>
+            <a:normAutofit lnSpcReduction="10000"/>
           </a:bodyPr>
           <a:lstStyle/>
           <a:p>
             <a:r>
               <a:rPr lang="en-US" dirty="0"/>
-              <a:t>MAST: Particularly good at handling "dropouts" and high variability in </a:t>
-            </a:r>
-            <a:r>
-              <a:rPr lang="en-US" dirty="0" err="1"/>
-              <a:t>scRNA</a:t>
-            </a:r>
-            <a:r>
-              <a:rPr lang="en-US" dirty="0"/>
-              <a:t>-seq data</a:t>
-            </a:r>
-          </a:p>
-          <a:p>
-            <a:r>
-              <a:rPr lang="en-US" dirty="0"/>
-              <a:t>DESeq2: Originally designed for bulk RNA-seq, not optimal for handling dropouts and high variability in </a:t>
-            </a:r>
-            <a:r>
-              <a:rPr lang="en-US" dirty="0" err="1"/>
-              <a:t>scRNA</a:t>
-            </a:r>
-            <a:r>
-              <a:rPr lang="en-US" dirty="0"/>
-              <a:t>-seq data</a:t>
-            </a:r>
-          </a:p>
-          <a:p>
-            <a:r>
-              <a:rPr lang="en-US" dirty="0"/>
-              <a:t>Both MAST and DESeq2 allow for easy expansion of covariates</a:t>
+              <a:t>Differential expression profiles showed some consistency between the CO and TI, particularly in epithelial and stromal cells. However, weak correlations indicate that the two sites behave very differently. </a:t>
+            </a:r>
+          </a:p>
+          <a:p>
+            <a:r>
+              <a:rPr lang="en-US" dirty="0"/>
+              <a:t>Differential expression was more pronounced in the CO compared to the TI, with the transcriptional response to inflammation being more marked in the CO. This difference was particularly strong among epithelial cell types. </a:t>
+            </a:r>
+          </a:p>
+          <a:p>
+            <a:r>
+              <a:rPr lang="en-US" dirty="0"/>
+              <a:t>Immune cells showed the least differential expression in inflammation. This suggests that compositional changes, such as infiltration of activated immune cells, are the main drivers of immune differences.</a:t>
             </a:r>
           </a:p>
         </p:txBody>
@@ -5899,7 +5912,7 @@
     </p:spTree>
     <p:extLst>
       <p:ext uri="{BB962C8B-B14F-4D97-AF65-F5344CB8AC3E}">
-        <p14:creationId xmlns:p14="http://schemas.microsoft.com/office/powerpoint/2010/main" val="4103673194"/>
+        <p14:creationId xmlns:p14="http://schemas.microsoft.com/office/powerpoint/2010/main" val="2362833774"/>
       </p:ext>
     </p:extLst>
   </p:cSld>
@@ -5931,7 +5944,7 @@
           <p:cNvPr id="2" name="Title 1">
             <a:extLst>
               <a:ext uri="{FF2B5EF4-FFF2-40B4-BE49-F238E27FC236}">
-                <a16:creationId xmlns:a16="http://schemas.microsoft.com/office/drawing/2014/main" id="{BF8F45F7-6635-C3F1-111C-A09123B8AE46}"/>
+                <a16:creationId xmlns:a16="http://schemas.microsoft.com/office/drawing/2014/main" id="{E555A222-B23D-6A34-6423-EBE10D0A12C1}"/>
               </a:ext>
             </a:extLst>
           </p:cNvPr>
@@ -5949,7 +5962,7 @@
           <a:p>
             <a:r>
               <a:rPr lang="en-US" dirty="0"/>
-              <a:t>Comparative Analysis of DE Tools (Wang et al., 2019)</a:t>
+              <a:t>MAST vs. DESeq2</a:t>
             </a:r>
           </a:p>
         </p:txBody>
@@ -5959,7 +5972,7 @@
           <p:cNvPr id="3" name="Content Placeholder 2">
             <a:extLst>
               <a:ext uri="{FF2B5EF4-FFF2-40B4-BE49-F238E27FC236}">
-                <a16:creationId xmlns:a16="http://schemas.microsoft.com/office/drawing/2014/main" id="{2BDAFE44-190D-4A8C-D066-DD88ECCE2F0A}"/>
+                <a16:creationId xmlns:a16="http://schemas.microsoft.com/office/drawing/2014/main" id="{D6969797-CD26-1A85-A6DA-7F87F13F1128}"/>
               </a:ext>
             </a:extLst>
           </p:cNvPr>
@@ -5972,24 +5985,42 @@
         </p:nvSpPr>
         <p:spPr/>
         <p:txBody>
-          <a:bodyPr/>
-          <a:lstStyle/>
-          <a:p>
-            <a:r>
-              <a:rPr lang="en-US" dirty="0"/>
-              <a:t>Trade-off between sensitivity and precision</a:t>
-            </a:r>
-          </a:p>
-          <a:p>
-            <a:r>
-              <a:rPr lang="en-US" dirty="0"/>
-              <a:t>MAST: High precision but low sensitivity</a:t>
-            </a:r>
-          </a:p>
-          <a:p>
-            <a:r>
-              <a:rPr lang="en-US" dirty="0"/>
-              <a:t>DESeq2: More balanced performance between sensitivity and precision</a:t>
+          <a:bodyPr>
+            <a:normAutofit/>
+          </a:bodyPr>
+          <a:lstStyle/>
+          <a:p>
+            <a:r>
+              <a:rPr lang="en-US" dirty="0"/>
+              <a:t>MAST: Particularly good at handling "dropouts" and high variability in </a:t>
+            </a:r>
+            <a:r>
+              <a:rPr lang="en-US" dirty="0" err="1"/>
+              <a:t>scRNA</a:t>
+            </a:r>
+            <a:r>
+              <a:rPr lang="en-US" dirty="0"/>
+              <a:t>-seq data</a:t>
+            </a:r>
+          </a:p>
+          <a:p>
+            <a:r>
+              <a:rPr lang="en-US" dirty="0"/>
+              <a:t>DESeq2: Originally designed for bulk RNA-seq, not optimal for handling dropouts and high variability in </a:t>
+            </a:r>
+            <a:r>
+              <a:rPr lang="en-US" dirty="0" err="1"/>
+              <a:t>scRNA</a:t>
+            </a:r>
+            <a:r>
+              <a:rPr lang="en-US" dirty="0"/>
+              <a:t>-seq data</a:t>
+            </a:r>
+          </a:p>
+          <a:p>
+            <a:r>
+              <a:rPr lang="en-US" dirty="0"/>
+              <a:t>Both MAST and DESeq2 allow for easy expansion of covariates</a:t>
             </a:r>
           </a:p>
         </p:txBody>
@@ -5997,7 +6028,7 @@
     </p:spTree>
     <p:extLst>
       <p:ext uri="{BB962C8B-B14F-4D97-AF65-F5344CB8AC3E}">
-        <p14:creationId xmlns:p14="http://schemas.microsoft.com/office/powerpoint/2010/main" val="2198632889"/>
+        <p14:creationId xmlns:p14="http://schemas.microsoft.com/office/powerpoint/2010/main" val="4103673194"/>
       </p:ext>
     </p:extLst>
   </p:cSld>
@@ -6029,7 +6060,7 @@
           <p:cNvPr id="2" name="Title 1">
             <a:extLst>
               <a:ext uri="{FF2B5EF4-FFF2-40B4-BE49-F238E27FC236}">
-                <a16:creationId xmlns:a16="http://schemas.microsoft.com/office/drawing/2014/main" id="{E49F0AAC-D39D-8D0F-097A-0383B629530E}"/>
+                <a16:creationId xmlns:a16="http://schemas.microsoft.com/office/drawing/2014/main" id="{BF8F45F7-6635-C3F1-111C-A09123B8AE46}"/>
               </a:ext>
             </a:extLst>
           </p:cNvPr>
@@ -6047,7 +6078,7 @@
           <a:p>
             <a:r>
               <a:rPr lang="en-US" dirty="0"/>
-              <a:t>Expected Outcomes in Healthy vs. Inflamed Analysis</a:t>
+              <a:t>Comparative Analysis of DE Tools (Wang et al., 2019)</a:t>
             </a:r>
           </a:p>
         </p:txBody>
@@ -6057,7 +6088,7 @@
           <p:cNvPr id="3" name="Content Placeholder 2">
             <a:extLst>
               <a:ext uri="{FF2B5EF4-FFF2-40B4-BE49-F238E27FC236}">
-                <a16:creationId xmlns:a16="http://schemas.microsoft.com/office/drawing/2014/main" id="{AE249F84-1C34-4181-7D2A-A17317BEB7FF}"/>
+                <a16:creationId xmlns:a16="http://schemas.microsoft.com/office/drawing/2014/main" id="{2BDAFE44-190D-4A8C-D066-DD88ECCE2F0A}"/>
               </a:ext>
             </a:extLst>
           </p:cNvPr>
@@ -6075,35 +6106,19 @@
           <a:p>
             <a:r>
               <a:rPr lang="en-US" dirty="0"/>
-              <a:t>DESeq2 may not identify as many up-regulated or down-regulated genes as MAST in the comparison between healthy and inflamed tissues.</a:t>
-            </a:r>
-          </a:p>
-          <a:p>
-            <a:r>
-              <a:rPr lang="en-US" dirty="0"/>
-              <a:t>This could be due to DESeq2's bulk RNA-seq design and less effective handling of dropout events and high variability in </a:t>
-            </a:r>
-            <a:r>
-              <a:rPr lang="en-US" dirty="0" err="1"/>
-              <a:t>scRNA</a:t>
-            </a:r>
-            <a:r>
-              <a:rPr lang="en-US" dirty="0"/>
-              <a:t>-seq data.</a:t>
-            </a:r>
-          </a:p>
-          <a:p>
-            <a:r>
-              <a:rPr lang="en-US" dirty="0"/>
-              <a:t>Researchers should consider the trade-offs between sensitivity and precision when choosing a differential expression analysis tool for </a:t>
-            </a:r>
-            <a:r>
-              <a:rPr lang="en-US" dirty="0" err="1"/>
-              <a:t>scRNA</a:t>
-            </a:r>
-            <a:r>
-              <a:rPr lang="en-US" dirty="0"/>
-              <a:t>-seq data.</a:t>
+              <a:t>Trade-off between sensitivity and precision</a:t>
+            </a:r>
+          </a:p>
+          <a:p>
+            <a:r>
+              <a:rPr lang="en-US" dirty="0"/>
+              <a:t>MAST: High precision but low sensitivity</a:t>
+            </a:r>
+          </a:p>
+          <a:p>
+            <a:r>
+              <a:rPr lang="en-US" dirty="0"/>
+              <a:t>DESeq2: More balanced performance between sensitivity and precision</a:t>
             </a:r>
           </a:p>
         </p:txBody>
@@ -6111,7 +6126,7 @@
     </p:spTree>
     <p:extLst>
       <p:ext uri="{BB962C8B-B14F-4D97-AF65-F5344CB8AC3E}">
-        <p14:creationId xmlns:p14="http://schemas.microsoft.com/office/powerpoint/2010/main" val="2534191992"/>
+        <p14:creationId xmlns:p14="http://schemas.microsoft.com/office/powerpoint/2010/main" val="2198632889"/>
       </p:ext>
     </p:extLst>
   </p:cSld>
@@ -6143,7 +6158,7 @@
           <p:cNvPr id="2" name="Title 1">
             <a:extLst>
               <a:ext uri="{FF2B5EF4-FFF2-40B4-BE49-F238E27FC236}">
-                <a16:creationId xmlns:a16="http://schemas.microsoft.com/office/drawing/2014/main" id="{A057D7B9-BCDA-3615-7691-EE082087EAC4}"/>
+                <a16:creationId xmlns:a16="http://schemas.microsoft.com/office/drawing/2014/main" id="{E49F0AAC-D39D-8D0F-097A-0383B629530E}"/>
               </a:ext>
             </a:extLst>
           </p:cNvPr>
@@ -6161,7 +6176,7 @@
           <a:p>
             <a:r>
               <a:rPr lang="en-US" dirty="0"/>
-              <a:t>Overall Conclusion</a:t>
+              <a:t>Expected Outcomes in Healthy vs. Inflamed Analysis</a:t>
             </a:r>
           </a:p>
         </p:txBody>
@@ -6171,7 +6186,7 @@
           <p:cNvPr id="3" name="Content Placeholder 2">
             <a:extLst>
               <a:ext uri="{FF2B5EF4-FFF2-40B4-BE49-F238E27FC236}">
-                <a16:creationId xmlns:a16="http://schemas.microsoft.com/office/drawing/2014/main" id="{ADAC37DA-57D7-7584-D2C2-5A485CFFDD5A}"/>
+                <a16:creationId xmlns:a16="http://schemas.microsoft.com/office/drawing/2014/main" id="{AE249F84-1C34-4181-7D2A-A17317BEB7FF}"/>
               </a:ext>
             </a:extLst>
           </p:cNvPr>
@@ -6189,20 +6204,35 @@
           <a:p>
             <a:r>
               <a:rPr lang="en-US" dirty="0"/>
-              <a:t>Kong found organ and compartment specific responses to acute and chronic inflammation</a:t>
-            </a:r>
-          </a:p>
-          <a:p>
-            <a:r>
-              <a:rPr lang="en-US" dirty="0"/>
-              <a:t>Most immune changes were in cell composition and transcriptional changes dominated among epithelial and stromal cells</a:t>
-            </a:r>
-          </a:p>
-          <a:p>
-            <a:pPr lvl="1"/>
-            <a:r>
-              <a:rPr lang="en-US" dirty="0"/>
-              <a:t>disease-associated markers of myofibroblast activation were identified</a:t>
+              <a:t>DESeq2 may not identify as many up-regulated or down-regulated genes as MAST in the comparison between healthy and inflamed tissues.</a:t>
+            </a:r>
+          </a:p>
+          <a:p>
+            <a:r>
+              <a:rPr lang="en-US" dirty="0"/>
+              <a:t>This could be due to DESeq2's bulk RNA-seq design and less effective handling of dropout events and high variability in </a:t>
+            </a:r>
+            <a:r>
+              <a:rPr lang="en-US" dirty="0" err="1"/>
+              <a:t>scRNA</a:t>
+            </a:r>
+            <a:r>
+              <a:rPr lang="en-US" dirty="0"/>
+              <a:t>-seq data.</a:t>
+            </a:r>
+          </a:p>
+          <a:p>
+            <a:r>
+              <a:rPr lang="en-US" dirty="0"/>
+              <a:t>Researchers should consider the trade-offs between sensitivity and precision when choosing a differential expression analysis tool for </a:t>
+            </a:r>
+            <a:r>
+              <a:rPr lang="en-US" dirty="0" err="1"/>
+              <a:t>scRNA</a:t>
+            </a:r>
+            <a:r>
+              <a:rPr lang="en-US" dirty="0"/>
+              <a:t>-seq data.</a:t>
             </a:r>
           </a:p>
         </p:txBody>
@@ -6210,7 +6240,7 @@
     </p:spTree>
     <p:extLst>
       <p:ext uri="{BB962C8B-B14F-4D97-AF65-F5344CB8AC3E}">
-        <p14:creationId xmlns:p14="http://schemas.microsoft.com/office/powerpoint/2010/main" val="1860092264"/>
+        <p14:creationId xmlns:p14="http://schemas.microsoft.com/office/powerpoint/2010/main" val="2534191992"/>
       </p:ext>
     </p:extLst>
   </p:cSld>
@@ -6683,6 +6713,105 @@
           <p:cNvPr id="2" name="Title 1">
             <a:extLst>
               <a:ext uri="{FF2B5EF4-FFF2-40B4-BE49-F238E27FC236}">
+                <a16:creationId xmlns:a16="http://schemas.microsoft.com/office/drawing/2014/main" id="{A057D7B9-BCDA-3615-7691-EE082087EAC4}"/>
+              </a:ext>
+            </a:extLst>
+          </p:cNvPr>
+          <p:cNvSpPr>
+            <a:spLocks noGrp="1"/>
+          </p:cNvSpPr>
+          <p:nvPr>
+            <p:ph type="title"/>
+          </p:nvPr>
+        </p:nvSpPr>
+        <p:spPr/>
+        <p:txBody>
+          <a:bodyPr/>
+          <a:lstStyle/>
+          <a:p>
+            <a:r>
+              <a:rPr lang="en-US" dirty="0"/>
+              <a:t>Kong’s Conclusion</a:t>
+            </a:r>
+          </a:p>
+        </p:txBody>
+      </p:sp>
+      <p:sp>
+        <p:nvSpPr>
+          <p:cNvPr id="3" name="Content Placeholder 2">
+            <a:extLst>
+              <a:ext uri="{FF2B5EF4-FFF2-40B4-BE49-F238E27FC236}">
+                <a16:creationId xmlns:a16="http://schemas.microsoft.com/office/drawing/2014/main" id="{ADAC37DA-57D7-7584-D2C2-5A485CFFDD5A}"/>
+              </a:ext>
+            </a:extLst>
+          </p:cNvPr>
+          <p:cNvSpPr>
+            <a:spLocks noGrp="1"/>
+          </p:cNvSpPr>
+          <p:nvPr>
+            <p:ph idx="1"/>
+          </p:nvPr>
+        </p:nvSpPr>
+        <p:spPr/>
+        <p:txBody>
+          <a:bodyPr/>
+          <a:lstStyle/>
+          <a:p>
+            <a:r>
+              <a:rPr lang="en-US" dirty="0"/>
+              <a:t>Kong found organ and compartment specific responses to acute and chronic inflammation</a:t>
+            </a:r>
+          </a:p>
+          <a:p>
+            <a:r>
+              <a:rPr lang="en-US" dirty="0"/>
+              <a:t>Most immune changes were in cell composition and transcriptional changes dominated among epithelial and stromal cells</a:t>
+            </a:r>
+          </a:p>
+          <a:p>
+            <a:pPr lvl="1"/>
+            <a:r>
+              <a:rPr lang="en-US" dirty="0"/>
+              <a:t>disease-associated markers of myofibroblast activation were identified</a:t>
+            </a:r>
+          </a:p>
+        </p:txBody>
+      </p:sp>
+    </p:spTree>
+    <p:extLst>
+      <p:ext uri="{BB962C8B-B14F-4D97-AF65-F5344CB8AC3E}">
+        <p14:creationId xmlns:p14="http://schemas.microsoft.com/office/powerpoint/2010/main" val="1860092264"/>
+      </p:ext>
+    </p:extLst>
+  </p:cSld>
+  <p:clrMapOvr>
+    <a:masterClrMapping/>
+  </p:clrMapOvr>
+</p:sld>
+</file>
+
+<file path=ppt/slides/slide6.xml><?xml version="1.0" encoding="utf-8"?>
+<p:sld xmlns:a="http://schemas.openxmlformats.org/drawingml/2006/main" xmlns:r="http://schemas.openxmlformats.org/officeDocument/2006/relationships" xmlns:p="http://schemas.openxmlformats.org/presentationml/2006/main">
+  <p:cSld>
+    <p:spTree>
+      <p:nvGrpSpPr>
+        <p:cNvPr id="1" name=""/>
+        <p:cNvGrpSpPr/>
+        <p:nvPr/>
+      </p:nvGrpSpPr>
+      <p:grpSpPr>
+        <a:xfrm>
+          <a:off x="0" y="0"/>
+          <a:ext cx="0" cy="0"/>
+          <a:chOff x="0" y="0"/>
+          <a:chExt cx="0" cy="0"/>
+        </a:xfrm>
+      </p:grpSpPr>
+      <p:sp>
+        <p:nvSpPr>
+          <p:cNvPr id="2" name="Title 1">
+            <a:extLst>
+              <a:ext uri="{FF2B5EF4-FFF2-40B4-BE49-F238E27FC236}">
                 <a16:creationId xmlns:a16="http://schemas.microsoft.com/office/drawing/2014/main" id="{3EFC597A-4510-00E7-659F-A6A8871230CC}"/>
               </a:ext>
             </a:extLst>
@@ -6799,7 +6928,7 @@
 </p:sld>
 </file>
 
-<file path=ppt/slides/slide6.xml><?xml version="1.0" encoding="utf-8"?>
+<file path=ppt/slides/slide7.xml><?xml version="1.0" encoding="utf-8"?>
 <p:sld xmlns:a="http://schemas.openxmlformats.org/drawingml/2006/main" xmlns:r="http://schemas.openxmlformats.org/officeDocument/2006/relationships" xmlns:p="http://schemas.openxmlformats.org/presentationml/2006/main">
   <p:cSld>
     <p:spTree>
@@ -7039,7 +7168,7 @@
 </p:sld>
 </file>
 
-<file path=ppt/slides/slide7.xml><?xml version="1.0" encoding="utf-8"?>
+<file path=ppt/slides/slide8.xml><?xml version="1.0" encoding="utf-8"?>
 <p:sld xmlns:a="http://schemas.openxmlformats.org/drawingml/2006/main" xmlns:r="http://schemas.openxmlformats.org/officeDocument/2006/relationships" xmlns:p="http://schemas.openxmlformats.org/presentationml/2006/main">
   <p:cSld>
     <p:spTree>
@@ -7459,104 +7588,6 @@
 </p:sld>
 </file>
 
-<file path=ppt/slides/slide8.xml><?xml version="1.0" encoding="utf-8"?>
-<p:sld xmlns:a="http://schemas.openxmlformats.org/drawingml/2006/main" xmlns:r="http://schemas.openxmlformats.org/officeDocument/2006/relationships" xmlns:p="http://schemas.openxmlformats.org/presentationml/2006/main">
-  <p:cSld>
-    <p:spTree>
-      <p:nvGrpSpPr>
-        <p:cNvPr id="1" name=""/>
-        <p:cNvGrpSpPr/>
-        <p:nvPr/>
-      </p:nvGrpSpPr>
-      <p:grpSpPr>
-        <a:xfrm>
-          <a:off x="0" y="0"/>
-          <a:ext cx="0" cy="0"/>
-          <a:chOff x="0" y="0"/>
-          <a:chExt cx="0" cy="0"/>
-        </a:xfrm>
-      </p:grpSpPr>
-      <p:sp>
-        <p:nvSpPr>
-          <p:cNvPr id="2" name="Title 1">
-            <a:extLst>
-              <a:ext uri="{FF2B5EF4-FFF2-40B4-BE49-F238E27FC236}">
-                <a16:creationId xmlns:a16="http://schemas.microsoft.com/office/drawing/2014/main" id="{E34857E0-4EFA-736F-7C9F-59A4C80672D1}"/>
-              </a:ext>
-            </a:extLst>
-          </p:cNvPr>
-          <p:cNvSpPr>
-            <a:spLocks noGrp="1"/>
-          </p:cNvSpPr>
-          <p:nvPr>
-            <p:ph type="title"/>
-          </p:nvPr>
-        </p:nvSpPr>
-        <p:spPr/>
-        <p:txBody>
-          <a:bodyPr/>
-          <a:lstStyle/>
-          <a:p>
-            <a:r>
-              <a:rPr lang="en-US" dirty="0"/>
-              <a:t>DESeq2</a:t>
-            </a:r>
-          </a:p>
-        </p:txBody>
-      </p:sp>
-      <p:sp>
-        <p:nvSpPr>
-          <p:cNvPr id="3" name="Content Placeholder 2">
-            <a:extLst>
-              <a:ext uri="{FF2B5EF4-FFF2-40B4-BE49-F238E27FC236}">
-                <a16:creationId xmlns:a16="http://schemas.microsoft.com/office/drawing/2014/main" id="{02B125AA-2610-1632-65C1-699553B90C30}"/>
-              </a:ext>
-            </a:extLst>
-          </p:cNvPr>
-          <p:cNvSpPr>
-            <a:spLocks noGrp="1"/>
-          </p:cNvSpPr>
-          <p:nvPr>
-            <p:ph idx="1"/>
-          </p:nvPr>
-        </p:nvSpPr>
-        <p:spPr/>
-        <p:txBody>
-          <a:bodyPr/>
-          <a:lstStyle/>
-          <a:p>
-            <a:r>
-              <a:rPr lang="en-US" dirty="0"/>
-              <a:t>Michael Love, Wolfgang Huber, and Simon Anders (2014)</a:t>
-            </a:r>
-          </a:p>
-          <a:p>
-            <a:r>
-              <a:rPr lang="en-US" dirty="0"/>
-              <a:t>Identify differentially expressed genes (DEGs)</a:t>
-            </a:r>
-          </a:p>
-          <a:p>
-            <a:r>
-              <a:rPr lang="en-US" dirty="0"/>
-              <a:t>Generalized linear model (GLM) based on the negative binomial distribution</a:t>
-            </a:r>
-          </a:p>
-        </p:txBody>
-      </p:sp>
-    </p:spTree>
-    <p:extLst>
-      <p:ext uri="{BB962C8B-B14F-4D97-AF65-F5344CB8AC3E}">
-        <p14:creationId xmlns:p14="http://schemas.microsoft.com/office/powerpoint/2010/main" val="2331975794"/>
-      </p:ext>
-    </p:extLst>
-  </p:cSld>
-  <p:clrMapOvr>
-    <a:masterClrMapping/>
-  </p:clrMapOvr>
-</p:sld>
-</file>
-
 <file path=ppt/slides/slide9.xml><?xml version="1.0" encoding="utf-8"?>
 <p:sld xmlns:a="http://schemas.openxmlformats.org/drawingml/2006/main" xmlns:r="http://schemas.openxmlformats.org/officeDocument/2006/relationships" xmlns:p="http://schemas.openxmlformats.org/presentationml/2006/main">
   <p:cSld>
@@ -7579,7 +7610,7 @@
           <p:cNvPr id="2" name="Title 1">
             <a:extLst>
               <a:ext uri="{FF2B5EF4-FFF2-40B4-BE49-F238E27FC236}">
-                <a16:creationId xmlns:a16="http://schemas.microsoft.com/office/drawing/2014/main" id="{D484E3FD-EE5C-E1E8-9408-401FA7523D37}"/>
+                <a16:creationId xmlns:a16="http://schemas.microsoft.com/office/drawing/2014/main" id="{E34857E0-4EFA-736F-7C9F-59A4C80672D1}"/>
               </a:ext>
             </a:extLst>
           </p:cNvPr>
@@ -7597,7 +7628,7 @@
           <a:p>
             <a:r>
               <a:rPr lang="en-US" dirty="0"/>
-              <a:t>Key features of DESeq2</a:t>
+              <a:t>DESeq2</a:t>
             </a:r>
           </a:p>
         </p:txBody>
@@ -7607,7 +7638,7 @@
           <p:cNvPr id="3" name="Content Placeholder 2">
             <a:extLst>
               <a:ext uri="{FF2B5EF4-FFF2-40B4-BE49-F238E27FC236}">
-                <a16:creationId xmlns:a16="http://schemas.microsoft.com/office/drawing/2014/main" id="{911EEAEE-27E9-DAAE-D539-2A0D8704C456}"/>
+                <a16:creationId xmlns:a16="http://schemas.microsoft.com/office/drawing/2014/main" id="{02B125AA-2610-1632-65C1-699553B90C30}"/>
               </a:ext>
             </a:extLst>
           </p:cNvPr>
@@ -7625,25 +7656,19 @@
           <a:p>
             <a:r>
               <a:rPr lang="en-US" dirty="0"/>
-              <a:t>Normalization</a:t>
-            </a:r>
-          </a:p>
-          <a:p>
-            <a:r>
-              <a:rPr lang="en-US" dirty="0"/>
-              <a:t>Dispersion estimation</a:t>
-            </a:r>
-          </a:p>
-          <a:p>
-            <a:r>
-              <a:rPr lang="en-US" dirty="0"/>
-              <a:t>Differential expression analysis</a:t>
-            </a:r>
-          </a:p>
-          <a:p>
-            <a:r>
-              <a:rPr lang="en-US" dirty="0"/>
-              <a:t>Result visualization</a:t>
+              <a:t>Michael Love, Wolfgang Huber, and Simon Anders (2014)</a:t>
+            </a:r>
+          </a:p>
+          <a:p>
+            <a:r>
+              <a:rPr lang="en-US" dirty="0"/>
+              <a:t>Identify differentially expressed genes (DEGs)</a:t>
+            </a:r>
+          </a:p>
+          <a:p>
+            <a:r>
+              <a:rPr lang="en-US" dirty="0"/>
+              <a:t>Generalized linear model (GLM) based on the negative binomial distribution</a:t>
             </a:r>
           </a:p>
         </p:txBody>
@@ -7651,7 +7676,7 @@
     </p:spTree>
     <p:extLst>
       <p:ext uri="{BB962C8B-B14F-4D97-AF65-F5344CB8AC3E}">
-        <p14:creationId xmlns:p14="http://schemas.microsoft.com/office/powerpoint/2010/main" val="2300574271"/>
+        <p14:creationId xmlns:p14="http://schemas.microsoft.com/office/powerpoint/2010/main" val="2331975794"/>
       </p:ext>
     </p:extLst>
   </p:cSld>
